--- a/spring13/slides13/prob-mutual-independence.pptx
+++ b/spring13/slides13/prob-mutual-independence.pptx
@@ -5,38 +5,37 @@
     <p:sldMasterId id="2147483649" r:id="rId1"/>
   </p:sldMasterIdLst>
   <p:notesMasterIdLst>
-    <p:notesMasterId r:id="rId23"/>
+    <p:notesMasterId r:id="rId22"/>
   </p:notesMasterIdLst>
   <p:handoutMasterIdLst>
-    <p:handoutMasterId r:id="rId24"/>
+    <p:handoutMasterId r:id="rId23"/>
   </p:handoutMasterIdLst>
   <p:sldIdLst>
     <p:sldId id="306" r:id="rId2"/>
     <p:sldId id="407" r:id="rId3"/>
-    <p:sldId id="409" r:id="rId4"/>
-    <p:sldId id="410" r:id="rId5"/>
-    <p:sldId id="408" r:id="rId6"/>
-    <p:sldId id="421" r:id="rId7"/>
-    <p:sldId id="420" r:id="rId8"/>
-    <p:sldId id="412" r:id="rId9"/>
-    <p:sldId id="413" r:id="rId10"/>
-    <p:sldId id="414" r:id="rId11"/>
-    <p:sldId id="403" r:id="rId12"/>
-    <p:sldId id="416" r:id="rId13"/>
-    <p:sldId id="415" r:id="rId14"/>
-    <p:sldId id="419" r:id="rId15"/>
-    <p:sldId id="382" r:id="rId16"/>
-    <p:sldId id="417" r:id="rId17"/>
-    <p:sldId id="402" r:id="rId18"/>
-    <p:sldId id="398" r:id="rId19"/>
-    <p:sldId id="383" r:id="rId20"/>
-    <p:sldId id="405" r:id="rId21"/>
-    <p:sldId id="399" r:id="rId22"/>
+    <p:sldId id="423" r:id="rId4"/>
+    <p:sldId id="408" r:id="rId5"/>
+    <p:sldId id="421" r:id="rId6"/>
+    <p:sldId id="409" r:id="rId7"/>
+    <p:sldId id="412" r:id="rId8"/>
+    <p:sldId id="413" r:id="rId9"/>
+    <p:sldId id="414" r:id="rId10"/>
+    <p:sldId id="403" r:id="rId11"/>
+    <p:sldId id="416" r:id="rId12"/>
+    <p:sldId id="415" r:id="rId13"/>
+    <p:sldId id="419" r:id="rId14"/>
+    <p:sldId id="382" r:id="rId15"/>
+    <p:sldId id="417" r:id="rId16"/>
+    <p:sldId id="402" r:id="rId17"/>
+    <p:sldId id="398" r:id="rId18"/>
+    <p:sldId id="383" r:id="rId19"/>
+    <p:sldId id="405" r:id="rId20"/>
+    <p:sldId id="399" r:id="rId21"/>
   </p:sldIdLst>
   <p:sldSz cx="9144000" cy="6858000" type="screen4x3"/>
   <p:notesSz cx="9601200" cy="7315200"/>
   <p:custDataLst>
-    <p:tags r:id="rId26"/>
+    <p:tags r:id="rId25"/>
   </p:custDataLst>
   <p:defaultTextStyle>
     <a:defPPr>
@@ -1541,7 +1540,7 @@
               <a:pPr>
                 <a:defRPr/>
               </a:pPr>
-              <a:t>16</a:t>
+              <a:t>17</a:t>
             </a:fld>
             <a:endParaRPr lang="en-US"/>
           </a:p>
@@ -1890,93 +1889,6 @@
                 <a:defRPr/>
               </a:pPr>
               <a:t>2</a:t>
-            </a:fld>
-            <a:endParaRPr lang="en-US"/>
-          </a:p>
-        </p:txBody>
-      </p:sp>
-    </p:spTree>
-  </p:cSld>
-  <p:clrMapOvr>
-    <a:masterClrMapping/>
-  </p:clrMapOvr>
-</p:notes>
-</file>
-
-<file path=ppt/notesSlides/notesSlide20.xml><?xml version="1.0" encoding="utf-8"?>
-<p:notes xmlns:a="http://schemas.openxmlformats.org/drawingml/2006/main" xmlns:r="http://schemas.openxmlformats.org/officeDocument/2006/relationships" xmlns:p="http://schemas.openxmlformats.org/presentationml/2006/main">
-  <p:cSld>
-    <p:spTree>
-      <p:nvGrpSpPr>
-        <p:cNvPr id="1" name=""/>
-        <p:cNvGrpSpPr/>
-        <p:nvPr/>
-      </p:nvGrpSpPr>
-      <p:grpSpPr>
-        <a:xfrm>
-          <a:off x="0" y="0"/>
-          <a:ext cx="0" cy="0"/>
-          <a:chOff x="0" y="0"/>
-          <a:chExt cx="0" cy="0"/>
-        </a:xfrm>
-      </p:grpSpPr>
-      <p:sp>
-        <p:nvSpPr>
-          <p:cNvPr id="2" name="Slide Image Placeholder 1"/>
-          <p:cNvSpPr>
-            <a:spLocks noGrp="1" noRot="1" noChangeAspect="1"/>
-          </p:cNvSpPr>
-          <p:nvPr>
-            <p:ph type="sldImg"/>
-          </p:nvPr>
-        </p:nvSpPr>
-        <p:spPr/>
-      </p:sp>
-      <p:sp>
-        <p:nvSpPr>
-          <p:cNvPr id="3" name="Notes Placeholder 2"/>
-          <p:cNvSpPr>
-            <a:spLocks noGrp="1"/>
-          </p:cNvSpPr>
-          <p:nvPr>
-            <p:ph type="body" idx="1"/>
-          </p:nvPr>
-        </p:nvSpPr>
-        <p:spPr/>
-        <p:txBody>
-          <a:bodyPr>
-            <a:normAutofit/>
-          </a:bodyPr>
-          <a:lstStyle/>
-          <a:p>
-            <a:endParaRPr lang="en-US"/>
-          </a:p>
-        </p:txBody>
-      </p:sp>
-      <p:sp>
-        <p:nvSpPr>
-          <p:cNvPr id="4" name="Slide Number Placeholder 3"/>
-          <p:cNvSpPr>
-            <a:spLocks noGrp="1"/>
-          </p:cNvSpPr>
-          <p:nvPr>
-            <p:ph type="sldNum" sz="quarter" idx="10"/>
-          </p:nvPr>
-        </p:nvSpPr>
-        <p:spPr/>
-        <p:txBody>
-          <a:bodyPr/>
-          <a:lstStyle/>
-          <a:p>
-            <a:pPr>
-              <a:defRPr/>
-            </a:pPr>
-            <a:fld id="{AE36780C-D2CC-4707-BDEA-F7C72E5CF167}" type="slidenum">
-              <a:rPr lang="en-US" smtClean="0"/>
-              <a:pPr>
-                <a:defRPr/>
-              </a:pPr>
-              <a:t>21</a:t>
             </a:fld>
             <a:endParaRPr lang="en-US"/>
           </a:p>
@@ -4441,11 +4353,11 @@
   <p:clrMapOvr>
     <a:masterClrMapping/>
   </p:clrMapOvr>
-  <mc:AlternateContent xmlns:mc="http://schemas.openxmlformats.org/markup-compatibility/2006">
-    <mc:Choice xmlns:p14="http://schemas.microsoft.com/office/powerpoint/2010/main" Requires="p14">
+  <mc:AlternateContent xmlns:mc="http://schemas.openxmlformats.org/markup-compatibility/2006" xmlns:p14="http://schemas.microsoft.com/office/powerpoint/2010/main">
+    <mc:Choice Requires="p14">
       <p:transition p14:dur="0" advClick="0"/>
     </mc:Choice>
-    <mc:Fallback>
+    <mc:Fallback xmlns="">
       <p:transition xmlns:p14="http://schemas.microsoft.com/office/powerpoint/2010/main" advClick="0"/>
     </mc:Fallback>
   </mc:AlternateContent>
@@ -4460,6 +4372,358 @@
 </file>
 
 <file path=ppt/slides/slide10.xml><?xml version="1.0" encoding="utf-8"?>
+<p:sld xmlns:a="http://schemas.openxmlformats.org/drawingml/2006/main" xmlns:r="http://schemas.openxmlformats.org/officeDocument/2006/relationships" xmlns:p="http://schemas.openxmlformats.org/presentationml/2006/main" show="0">
+  <p:cSld>
+    <p:spTree>
+      <p:nvGrpSpPr>
+        <p:cNvPr id="1" name=""/>
+        <p:cNvGrpSpPr/>
+        <p:nvPr/>
+      </p:nvGrpSpPr>
+      <p:grpSpPr>
+        <a:xfrm>
+          <a:off x="0" y="0"/>
+          <a:ext cx="0" cy="0"/>
+          <a:chOff x="0" y="0"/>
+          <a:chExt cx="0" cy="0"/>
+        </a:xfrm>
+      </p:grpSpPr>
+      <p:sp>
+        <p:nvSpPr>
+          <p:cNvPr id="2" name="Title 1"/>
+          <p:cNvSpPr>
+            <a:spLocks noGrp="1"/>
+          </p:cNvSpPr>
+          <p:nvPr>
+            <p:ph type="title"/>
+          </p:nvPr>
+        </p:nvSpPr>
+        <p:spPr/>
+        <p:txBody>
+          <a:bodyPr/>
+          <a:lstStyle/>
+          <a:p>
+            <a:r>
+              <a:rPr lang="en-US" dirty="0" smtClean="0"/>
+              <a:t>2-way Independence</a:t>
+            </a:r>
+            <a:endParaRPr lang="en-US" dirty="0"/>
+          </a:p>
+        </p:txBody>
+      </p:sp>
+      <p:sp>
+        <p:nvSpPr>
+          <p:cNvPr id="3" name="Content Placeholder 2"/>
+          <p:cNvSpPr>
+            <a:spLocks noGrp="1"/>
+          </p:cNvSpPr>
+          <p:nvPr>
+            <p:ph idx="1"/>
+          </p:nvPr>
+        </p:nvSpPr>
+        <p:spPr>
+          <a:xfrm>
+            <a:off x="401965" y="1198484"/>
+            <a:ext cx="8262811" cy="4522950"/>
+          </a:xfrm>
+        </p:spPr>
+        <p:txBody>
+          <a:bodyPr/>
+          <a:lstStyle/>
+          <a:p>
+            <a:r>
+              <a:rPr lang="en-US" sz="6000" dirty="0" smtClean="0"/>
+              <a:t>Events </a:t>
+            </a:r>
+            <a:r>
+              <a:rPr lang="en-US" sz="6000" dirty="0" smtClean="0">
+                <a:solidFill>
+                  <a:srgbClr val="0000CC"/>
+                </a:solidFill>
+              </a:rPr>
+              <a:t>E</a:t>
+            </a:r>
+            <a:r>
+              <a:rPr lang="en-US" sz="6000" baseline="-25000" dirty="0" smtClean="0">
+                <a:solidFill>
+                  <a:srgbClr val="0000CC"/>
+                </a:solidFill>
+              </a:rPr>
+              <a:t>1</a:t>
+            </a:r>
+            <a:r>
+              <a:rPr lang="en-US" sz="6000" dirty="0" smtClean="0">
+                <a:solidFill>
+                  <a:srgbClr val="0000CC"/>
+                </a:solidFill>
+              </a:rPr>
+              <a:t>, E</a:t>
+            </a:r>
+            <a:r>
+              <a:rPr lang="en-US" sz="6000" baseline="-25000" dirty="0" smtClean="0">
+                <a:solidFill>
+                  <a:srgbClr val="0000CC"/>
+                </a:solidFill>
+              </a:rPr>
+              <a:t>2</a:t>
+            </a:r>
+            <a:r>
+              <a:rPr lang="en-US" sz="6000" dirty="0" smtClean="0">
+                <a:solidFill>
+                  <a:srgbClr val="0000CC"/>
+                </a:solidFill>
+              </a:rPr>
+              <a:t>, ... </a:t>
+            </a:r>
+            <a:r>
+              <a:rPr lang="en-US" sz="6000" dirty="0" smtClean="0"/>
+              <a:t>are</a:t>
+            </a:r>
+          </a:p>
+          <a:p>
+            <a:pPr algn="ctr"/>
+            <a:r>
+              <a:rPr lang="en-US" sz="6000" dirty="0" smtClean="0">
+                <a:solidFill>
+                  <a:srgbClr val="0000CC"/>
+                </a:solidFill>
+              </a:rPr>
+              <a:t>2</a:t>
+            </a:r>
+            <a:r>
+              <a:rPr lang="en-US" sz="6000" dirty="0" smtClean="0">
+                <a:solidFill>
+                  <a:srgbClr val="7030A0"/>
+                </a:solidFill>
+              </a:rPr>
+              <a:t>-way independent</a:t>
+            </a:r>
+          </a:p>
+          <a:p>
+            <a:r>
+              <a:rPr lang="en-US" sz="6000" dirty="0" err="1" smtClean="0"/>
+              <a:t>iff</a:t>
+            </a:r>
+            <a:r>
+              <a:rPr lang="en-US" sz="6000" dirty="0" smtClean="0"/>
+              <a:t> every pair of them</a:t>
+            </a:r>
+          </a:p>
+          <a:p>
+            <a:r>
+              <a:rPr lang="en-US" sz="6000" dirty="0" smtClean="0"/>
+              <a:t>      are independent</a:t>
+            </a:r>
+          </a:p>
+        </p:txBody>
+      </p:sp>
+      <p:sp>
+        <p:nvSpPr>
+          <p:cNvPr id="4" name="Slide Number Placeholder 3"/>
+          <p:cNvSpPr>
+            <a:spLocks noGrp="1"/>
+          </p:cNvSpPr>
+          <p:nvPr>
+            <p:ph type="sldNum" sz="quarter" idx="4"/>
+          </p:nvPr>
+        </p:nvSpPr>
+        <p:spPr>
+          <a:xfrm>
+            <a:off x="7696200" y="6629400"/>
+            <a:ext cx="1447800" cy="228600"/>
+          </a:xfrm>
+        </p:spPr>
+        <p:txBody>
+          <a:bodyPr/>
+          <a:lstStyle/>
+          <a:p>
+            <a:pPr>
+              <a:defRPr/>
+            </a:pPr>
+            <a:r>
+              <a:rPr lang="en-US" dirty="0" err="1" smtClean="0"/>
+              <a:t>mutualindep</a:t>
+            </a:r>
+            <a:r>
+              <a:rPr lang="en-US" dirty="0" smtClean="0"/>
+              <a:t>.</a:t>
+            </a:r>
+            <a:fld id="{679D5B46-281B-48C5-ADB5-CFE0495CD191}" type="slidenum">
+              <a:rPr lang="en-US" smtClean="0"/>
+              <a:pPr>
+                <a:defRPr/>
+              </a:pPr>
+              <a:t>10</a:t>
+            </a:fld>
+            <a:endParaRPr lang="en-US" dirty="0"/>
+          </a:p>
+        </p:txBody>
+      </p:sp>
+      <p:sp>
+        <p:nvSpPr>
+          <p:cNvPr id="5" name="Rectangle 4"/>
+          <p:cNvSpPr txBox="1">
+            <a:spLocks noChangeArrowheads="1"/>
+          </p:cNvSpPr>
+          <p:nvPr/>
+        </p:nvSpPr>
+        <p:spPr bwMode="auto">
+          <a:xfrm>
+            <a:off x="7696200" y="6629400"/>
+            <a:ext cx="1447800" cy="228600"/>
+          </a:xfrm>
+          <a:prstGeom prst="rect">
+            <a:avLst/>
+          </a:prstGeom>
+          <a:noFill/>
+          <a:ln w="9525">
+            <a:noFill/>
+            <a:miter lim="800000"/>
+            <a:headEnd/>
+            <a:tailEnd/>
+          </a:ln>
+          <a:effectLst/>
+        </p:spPr>
+        <p:txBody>
+          <a:bodyPr vert="horz" wrap="square" lIns="91440" tIns="45720" rIns="91440" bIns="45720" numCol="1" anchor="t" anchorCtr="0" compatLnSpc="1">
+            <a:prstTxWarp prst="textNoShape">
+              <a:avLst/>
+            </a:prstTxWarp>
+          </a:bodyPr>
+          <a:lstStyle>
+            <a:lvl1pPr algn="r">
+              <a:defRPr sz="1200" dirty="0" err="1" smtClean="0">
+                <a:latin typeface="+mn-lt"/>
+              </a:defRPr>
+            </a:lvl1pPr>
+          </a:lstStyle>
+          <a:p>
+            <a:pPr marL="0" marR="0" lvl="0" indent="0" algn="r" defTabSz="914400" rtl="0" eaLnBrk="1" fontAlgn="base" latinLnBrk="0" hangingPunct="1">
+              <a:lnSpc>
+                <a:spcPct val="100000"/>
+              </a:lnSpc>
+              <a:spcBef>
+                <a:spcPct val="0"/>
+              </a:spcBef>
+              <a:spcAft>
+                <a:spcPct val="0"/>
+              </a:spcAft>
+              <a:buClrTx/>
+              <a:buSzTx/>
+              <a:buFontTx/>
+              <a:buNone/>
+              <a:tabLst/>
+              <a:defRPr/>
+            </a:pPr>
+            <a:r>
+              <a:rPr kumimoji="0" lang="en-US" sz="1200" b="0" i="0" u="none" strike="noStrike" kern="1200" cap="none" spc="0" normalizeH="0" baseline="0" noProof="0" dirty="0" err="1" smtClean="0">
+                <a:ln>
+                  <a:noFill/>
+                </a:ln>
+                <a:solidFill>
+                  <a:schemeClr val="tx1"/>
+                </a:solidFill>
+                <a:effectLst/>
+                <a:uLnTx/>
+                <a:uFillTx/>
+                <a:latin typeface="+mn-lt"/>
+                <a:ea typeface="+mn-ea"/>
+                <a:cs typeface="+mn-cs"/>
+              </a:rPr>
+              <a:t>mutualindep</a:t>
+            </a:r>
+            <a:r>
+              <a:rPr kumimoji="0" lang="en-US" sz="1200" b="0" i="0" u="none" strike="noStrike" kern="1200" cap="none" spc="0" normalizeH="0" baseline="0" noProof="0" dirty="0" smtClean="0">
+                <a:ln>
+                  <a:noFill/>
+                </a:ln>
+                <a:solidFill>
+                  <a:schemeClr val="tx1"/>
+                </a:solidFill>
+                <a:effectLst/>
+                <a:uLnTx/>
+                <a:uFillTx/>
+                <a:latin typeface="+mn-lt"/>
+                <a:ea typeface="+mn-ea"/>
+                <a:cs typeface="+mn-cs"/>
+              </a:rPr>
+              <a:t>.</a:t>
+            </a:r>
+            <a:fld id="{B9A0B45D-6AFD-413C-B761-B121FB8BE940}" type="slidenum">
+              <a:rPr kumimoji="0" lang="en-US" sz="1200" b="0" i="0" u="none" strike="noStrike" kern="1200" cap="none" spc="0" normalizeH="0" baseline="0" noProof="0" smtClean="0">
+                <a:ln>
+                  <a:noFill/>
+                </a:ln>
+                <a:solidFill>
+                  <a:schemeClr val="tx1"/>
+                </a:solidFill>
+                <a:effectLst/>
+                <a:uLnTx/>
+                <a:uFillTx/>
+                <a:latin typeface="+mn-lt"/>
+                <a:ea typeface="+mn-ea"/>
+                <a:cs typeface="+mn-cs"/>
+              </a:rPr>
+              <a:pPr marL="0" marR="0" lvl="0" indent="0" algn="r" defTabSz="914400" rtl="0" eaLnBrk="1" fontAlgn="base" latinLnBrk="0" hangingPunct="1">
+                <a:lnSpc>
+                  <a:spcPct val="100000"/>
+                </a:lnSpc>
+                <a:spcBef>
+                  <a:spcPct val="0"/>
+                </a:spcBef>
+                <a:spcAft>
+                  <a:spcPct val="0"/>
+                </a:spcAft>
+                <a:buClrTx/>
+                <a:buSzTx/>
+                <a:buFontTx/>
+                <a:buNone/>
+                <a:tabLst/>
+                <a:defRPr/>
+              </a:pPr>
+              <a:t>10</a:t>
+            </a:fld>
+            <a:endParaRPr kumimoji="0" lang="en-US" sz="1200" b="0" i="0" u="none" strike="noStrike" kern="1200" cap="none" spc="0" normalizeH="0" baseline="0" noProof="0" dirty="0">
+              <a:ln>
+                <a:noFill/>
+              </a:ln>
+              <a:solidFill>
+                <a:schemeClr val="tx1"/>
+              </a:solidFill>
+              <a:effectLst/>
+              <a:uLnTx/>
+              <a:uFillTx/>
+              <a:latin typeface="+mn-lt"/>
+              <a:ea typeface="+mn-ea"/>
+              <a:cs typeface="+mn-cs"/>
+            </a:endParaRPr>
+          </a:p>
+        </p:txBody>
+      </p:sp>
+    </p:spTree>
+    <p:extLst>
+      <p:ext uri="{BB962C8B-B14F-4D97-AF65-F5344CB8AC3E}">
+        <p14:creationId xmlns:p14="http://schemas.microsoft.com/office/powerpoint/2010/main" val="3095637028"/>
+      </p:ext>
+    </p:extLst>
+  </p:cSld>
+  <p:clrMapOvr>
+    <a:masterClrMapping/>
+  </p:clrMapOvr>
+  <p:transition xmlns:p14="http://schemas.microsoft.com/office/powerpoint/2010/main" spd="slow" advClick="0">
+    <p:fade/>
+  </p:transition>
+  <p:timing>
+    <p:tnLst>
+      <p:par>
+        <p:cTn xmlns:p14="http://schemas.microsoft.com/office/powerpoint/2010/main" id="1" dur="indefinite" restart="never" nodeType="tmRoot"/>
+      </p:par>
+    </p:tnLst>
+  </p:timing>
+</p:sld>
+</file>
+
+<file path=ppt/slides/slide11.xml><?xml version="1.0" encoding="utf-8"?>
 <p:sld xmlns:a="http://schemas.openxmlformats.org/drawingml/2006/main" xmlns:r="http://schemas.openxmlformats.org/officeDocument/2006/relationships" xmlns:p="http://schemas.openxmlformats.org/presentationml/2006/main">
   <p:cSld>
     <p:spTree>
@@ -4512,7 +4776,7 @@
               <a:pPr>
                 <a:defRPr/>
               </a:pPr>
-              <a:t>10</a:t>
+              <a:t>11</a:t>
             </a:fld>
             <a:endParaRPr lang="en-US" dirty="0"/>
           </a:p>
@@ -4640,860 +4904,7 @@
                 <a:tabLst/>
                 <a:defRPr/>
               </a:pPr>
-              <a:t>10</a:t>
-            </a:fld>
-            <a:endParaRPr kumimoji="0" lang="en-US" sz="1200" b="0" i="0" u="none" strike="noStrike" kern="1200" cap="none" spc="0" normalizeH="0" baseline="0" noProof="0" dirty="0">
-              <a:ln>
-                <a:noFill/>
-              </a:ln>
-              <a:solidFill>
-                <a:schemeClr val="tx1"/>
-              </a:solidFill>
-              <a:effectLst/>
-              <a:uLnTx/>
-              <a:uFillTx/>
-              <a:latin typeface="+mn-lt"/>
-              <a:ea typeface="+mn-ea"/>
-              <a:cs typeface="+mn-cs"/>
-            </a:endParaRPr>
-          </a:p>
-        </p:txBody>
-      </p:sp>
-      <p:sp>
-        <p:nvSpPr>
-          <p:cNvPr id="6" name="TextBox 5"/>
-          <p:cNvSpPr txBox="1"/>
-          <p:nvPr/>
-        </p:nvSpPr>
-        <p:spPr>
-          <a:xfrm>
-            <a:off x="506705" y="1179695"/>
-            <a:ext cx="8240444" cy="707886"/>
-          </a:xfrm>
-          <a:prstGeom prst="rect">
-            <a:avLst/>
-          </a:prstGeom>
-          <a:noFill/>
-        </p:spPr>
-        <p:txBody>
-          <a:bodyPr wrap="square" rtlCol="0">
-            <a:spAutoFit/>
-          </a:bodyPr>
-          <a:lstStyle/>
-          <a:p>
-            <a:pPr algn="l"/>
-            <a:r>
-              <a:rPr lang="en-US" sz="3600" dirty="0" smtClean="0">
-                <a:solidFill>
-                  <a:srgbClr val="800000"/>
-                </a:solidFill>
-                <a:latin typeface="+mj-lt"/>
-              </a:rPr>
-              <a:t>Example:</a:t>
-            </a:r>
-            <a:r>
-              <a:rPr lang="en-US" sz="4000" dirty="0" smtClean="0">
-                <a:solidFill>
-                  <a:srgbClr val="800000"/>
-                </a:solidFill>
-                <a:latin typeface="+mj-lt"/>
-              </a:rPr>
-              <a:t>  </a:t>
-            </a:r>
-            <a:r>
-              <a:rPr lang="en-US" sz="4000" dirty="0" smtClean="0">
-                <a:latin typeface="+mj-lt"/>
-              </a:rPr>
-              <a:t>Flip a </a:t>
-            </a:r>
-            <a:r>
-              <a:rPr lang="en-US" sz="4000" dirty="0" smtClean="0">
-                <a:solidFill>
-                  <a:srgbClr val="800000"/>
-                </a:solidFill>
-                <a:latin typeface="+mj-lt"/>
-              </a:rPr>
-              <a:t>fair</a:t>
-            </a:r>
-            <a:r>
-              <a:rPr lang="en-US" sz="4000" dirty="0" smtClean="0">
-                <a:latin typeface="+mj-lt"/>
-              </a:rPr>
-              <a:t> coin twice</a:t>
-            </a:r>
-          </a:p>
-        </p:txBody>
-      </p:sp>
-      <p:sp>
-        <p:nvSpPr>
-          <p:cNvPr id="3" name="TextBox 2"/>
-          <p:cNvSpPr txBox="1"/>
-          <p:nvPr/>
-        </p:nvSpPr>
-        <p:spPr>
-          <a:xfrm>
-            <a:off x="1062847" y="1987213"/>
-            <a:ext cx="7011955" cy="1446550"/>
-          </a:xfrm>
-          <a:prstGeom prst="rect">
-            <a:avLst/>
-          </a:prstGeom>
-          <a:noFill/>
-        </p:spPr>
-        <p:txBody>
-          <a:bodyPr wrap="none" rtlCol="0">
-            <a:spAutoFit/>
-          </a:bodyPr>
-          <a:lstStyle/>
-          <a:p>
-            <a:pPr algn="l"/>
-            <a:r>
-              <a:rPr lang="en-US" sz="4400" dirty="0" smtClean="0">
-                <a:latin typeface="Comic Sans MS"/>
-                <a:cs typeface="Comic Sans MS"/>
-              </a:rPr>
-              <a:t>But </a:t>
-            </a:r>
-            <a:r>
-              <a:rPr lang="en-US" sz="4400" dirty="0" smtClean="0">
-                <a:solidFill>
-                  <a:srgbClr val="0000CC"/>
-                </a:solidFill>
-                <a:latin typeface="Comic Sans MS"/>
-                <a:cs typeface="Comic Sans MS"/>
-              </a:rPr>
-              <a:t>O, H</a:t>
-            </a:r>
-            <a:r>
-              <a:rPr lang="en-US" sz="4400" baseline="-25000" dirty="0" smtClean="0">
-                <a:solidFill>
-                  <a:srgbClr val="0000CC"/>
-                </a:solidFill>
-                <a:latin typeface="Comic Sans MS"/>
-                <a:cs typeface="Comic Sans MS"/>
-              </a:rPr>
-              <a:t>1</a:t>
-            </a:r>
-            <a:r>
-              <a:rPr lang="en-US" sz="4400" dirty="0" smtClean="0">
-                <a:solidFill>
-                  <a:srgbClr val="0000CC"/>
-                </a:solidFill>
-                <a:latin typeface="Comic Sans MS"/>
-                <a:cs typeface="Comic Sans MS"/>
-              </a:rPr>
-              <a:t>,</a:t>
-            </a:r>
-            <a:r>
-              <a:rPr lang="en-US" sz="4400" dirty="0">
-                <a:solidFill>
-                  <a:srgbClr val="0000CC"/>
-                </a:solidFill>
-                <a:latin typeface="Comic Sans MS"/>
-                <a:cs typeface="Comic Sans MS"/>
-              </a:rPr>
-              <a:t> </a:t>
-            </a:r>
-            <a:r>
-              <a:rPr lang="en-US" sz="4400" dirty="0" smtClean="0">
-                <a:solidFill>
-                  <a:srgbClr val="0000CC"/>
-                </a:solidFill>
-                <a:latin typeface="Comic Sans MS"/>
-                <a:cs typeface="Comic Sans MS"/>
-              </a:rPr>
-              <a:t>H</a:t>
-            </a:r>
-            <a:r>
-              <a:rPr lang="en-US" sz="4400" baseline="-25000" dirty="0" smtClean="0">
-                <a:solidFill>
-                  <a:srgbClr val="0000CC"/>
-                </a:solidFill>
-                <a:latin typeface="Comic Sans MS"/>
-                <a:cs typeface="Comic Sans MS"/>
-              </a:rPr>
-              <a:t>2</a:t>
-            </a:r>
-            <a:r>
-              <a:rPr lang="en-US" sz="4400" dirty="0" smtClean="0">
-                <a:solidFill>
-                  <a:srgbClr val="FF0000"/>
-                </a:solidFill>
-                <a:latin typeface="Comic Sans MS"/>
-                <a:cs typeface="Comic Sans MS"/>
-              </a:rPr>
-              <a:t> not</a:t>
-            </a:r>
-            <a:r>
-              <a:rPr lang="en-US" sz="4400" dirty="0" smtClean="0">
-                <a:latin typeface="Comic Sans MS"/>
-                <a:cs typeface="Comic Sans MS"/>
-              </a:rPr>
-              <a:t> mutually</a:t>
-            </a:r>
-          </a:p>
-          <a:p>
-            <a:pPr algn="l"/>
-            <a:r>
-              <a:rPr lang="en-US" sz="4400" dirty="0" smtClean="0">
-                <a:latin typeface="Comic Sans MS"/>
-                <a:cs typeface="Comic Sans MS"/>
-              </a:rPr>
-              <a:t>independent:</a:t>
-            </a:r>
-          </a:p>
-        </p:txBody>
-      </p:sp>
-      <p:graphicFrame>
-        <p:nvGraphicFramePr>
-          <p:cNvPr id="7" name="Object 6"/>
-          <p:cNvGraphicFramePr>
-            <a:graphicFrameLocks noChangeAspect="1"/>
-          </p:cNvGraphicFramePr>
-          <p:nvPr>
-            <p:extLst>
-              <p:ext uri="{D42A27DB-BD31-4B8C-83A1-F6EECF244321}">
-                <p14:modId xmlns:p14="http://schemas.microsoft.com/office/powerpoint/2010/main" val="174846765"/>
-              </p:ext>
-            </p:extLst>
-          </p:nvPr>
-        </p:nvGraphicFramePr>
-        <p:xfrm>
-          <a:off x="934871" y="3544240"/>
-          <a:ext cx="7279296" cy="1131242"/>
-        </p:xfrm>
-        <a:graphic>
-          <a:graphicData uri="http://schemas.openxmlformats.org/presentationml/2006/ole">
-            <mc:AlternateContent xmlns:mc="http://schemas.openxmlformats.org/markup-compatibility/2006">
-              <mc:Choice xmlns:v="urn:schemas-microsoft-com:vml" Requires="v">
-                <p:oleObj spid="_x0000_s356358" name="Equation" r:id="rId4" imgW="1879600" imgH="292100" progId="Equation.DSMT4">
-                  <p:embed/>
-                </p:oleObj>
-              </mc:Choice>
-              <mc:Fallback>
-                <p:oleObj name="Equation" r:id="rId4" imgW="1879600" imgH="292100" progId="Equation.DSMT4">
-                  <p:embed/>
-                  <p:pic>
-                    <p:nvPicPr>
-                      <p:cNvPr id="0" name=""/>
-                      <p:cNvPicPr/>
-                      <p:nvPr/>
-                    </p:nvPicPr>
-                    <p:blipFill>
-                      <a:blip r:embed="rId5"/>
-                      <a:stretch>
-                        <a:fillRect/>
-                      </a:stretch>
-                    </p:blipFill>
-                    <p:spPr>
-                      <a:xfrm>
-                        <a:off x="934871" y="3544240"/>
-                        <a:ext cx="7279296" cy="1131242"/>
-                      </a:xfrm>
-                      <a:prstGeom prst="rect">
-                        <a:avLst/>
-                      </a:prstGeom>
-                    </p:spPr>
-                  </p:pic>
-                </p:oleObj>
-              </mc:Fallback>
-            </mc:AlternateContent>
-          </a:graphicData>
-        </a:graphic>
-      </p:graphicFrame>
-      <p:sp>
-        <p:nvSpPr>
-          <p:cNvPr id="13" name="Title 1"/>
-          <p:cNvSpPr>
-            <a:spLocks noGrp="1"/>
-          </p:cNvSpPr>
-          <p:nvPr>
-            <p:ph type="title"/>
-          </p:nvPr>
-        </p:nvSpPr>
-        <p:spPr>
-          <a:xfrm>
-            <a:off x="1295400" y="228600"/>
-            <a:ext cx="6827700" cy="864976"/>
-          </a:xfrm>
-        </p:spPr>
-        <p:txBody>
-          <a:bodyPr/>
-          <a:lstStyle/>
-          <a:p>
-            <a:r>
-              <a:rPr lang="en-US" sz="4000" dirty="0" smtClean="0">
-                <a:solidFill>
-                  <a:schemeClr val="tx1"/>
-                </a:solidFill>
-              </a:rPr>
-              <a:t>Not Mutually Ind</a:t>
-            </a:r>
-            <a:r>
-              <a:rPr lang="en-US" sz="4000" dirty="0" smtClean="0"/>
-              <a:t>ependent</a:t>
-            </a:r>
-            <a:endParaRPr lang="en-US" sz="4000" dirty="0"/>
-          </a:p>
-        </p:txBody>
-      </p:sp>
-    </p:spTree>
-    <p:extLst>
-      <p:ext uri="{BB962C8B-B14F-4D97-AF65-F5344CB8AC3E}">
-        <p14:creationId xmlns:p14="http://schemas.microsoft.com/office/powerpoint/2010/main" val="2994595819"/>
-      </p:ext>
-    </p:extLst>
-  </p:cSld>
-  <p:clrMapOvr>
-    <a:masterClrMapping/>
-  </p:clrMapOvr>
-  <p:transition xmlns:p14="http://schemas.microsoft.com/office/powerpoint/2010/main" spd="slow" advClick="0">
-    <p:fade/>
-  </p:transition>
-  <p:timing>
-    <p:tnLst>
-      <p:par>
-        <p:cTn xmlns:p14="http://schemas.microsoft.com/office/powerpoint/2010/main" id="1" dur="indefinite" restart="never" nodeType="tmRoot"/>
-      </p:par>
-    </p:tnLst>
-  </p:timing>
-</p:sld>
-</file>
-
-<file path=ppt/slides/slide11.xml><?xml version="1.0" encoding="utf-8"?>
-<p:sld xmlns:a="http://schemas.openxmlformats.org/drawingml/2006/main" xmlns:r="http://schemas.openxmlformats.org/officeDocument/2006/relationships" xmlns:p="http://schemas.openxmlformats.org/presentationml/2006/main" show="0">
-  <p:cSld>
-    <p:spTree>
-      <p:nvGrpSpPr>
-        <p:cNvPr id="1" name=""/>
-        <p:cNvGrpSpPr/>
-        <p:nvPr/>
-      </p:nvGrpSpPr>
-      <p:grpSpPr>
-        <a:xfrm>
-          <a:off x="0" y="0"/>
-          <a:ext cx="0" cy="0"/>
-          <a:chOff x="0" y="0"/>
-          <a:chExt cx="0" cy="0"/>
-        </a:xfrm>
-      </p:grpSpPr>
-      <p:sp>
-        <p:nvSpPr>
-          <p:cNvPr id="2" name="Title 1"/>
-          <p:cNvSpPr>
-            <a:spLocks noGrp="1"/>
-          </p:cNvSpPr>
-          <p:nvPr>
-            <p:ph type="title"/>
-          </p:nvPr>
-        </p:nvSpPr>
-        <p:spPr/>
-        <p:txBody>
-          <a:bodyPr/>
-          <a:lstStyle/>
-          <a:p>
-            <a:r>
-              <a:rPr lang="en-US" dirty="0" smtClean="0"/>
-              <a:t>2-way Independence</a:t>
-            </a:r>
-            <a:endParaRPr lang="en-US" dirty="0"/>
-          </a:p>
-        </p:txBody>
-      </p:sp>
-      <p:sp>
-        <p:nvSpPr>
-          <p:cNvPr id="3" name="Content Placeholder 2"/>
-          <p:cNvSpPr>
-            <a:spLocks noGrp="1"/>
-          </p:cNvSpPr>
-          <p:nvPr>
-            <p:ph idx="1"/>
-          </p:nvPr>
-        </p:nvSpPr>
-        <p:spPr>
-          <a:xfrm>
-            <a:off x="401965" y="1198484"/>
-            <a:ext cx="8262811" cy="4522950"/>
-          </a:xfrm>
-        </p:spPr>
-        <p:txBody>
-          <a:bodyPr/>
-          <a:lstStyle/>
-          <a:p>
-            <a:r>
-              <a:rPr lang="en-US" sz="6000" dirty="0" smtClean="0"/>
-              <a:t>Events </a:t>
-            </a:r>
-            <a:r>
-              <a:rPr lang="en-US" sz="6000" dirty="0" smtClean="0">
-                <a:solidFill>
-                  <a:srgbClr val="0000CC"/>
-                </a:solidFill>
-              </a:rPr>
-              <a:t>E</a:t>
-            </a:r>
-            <a:r>
-              <a:rPr lang="en-US" sz="6000" baseline="-25000" dirty="0" smtClean="0">
-                <a:solidFill>
-                  <a:srgbClr val="0000CC"/>
-                </a:solidFill>
-              </a:rPr>
-              <a:t>1</a:t>
-            </a:r>
-            <a:r>
-              <a:rPr lang="en-US" sz="6000" dirty="0" smtClean="0">
-                <a:solidFill>
-                  <a:srgbClr val="0000CC"/>
-                </a:solidFill>
-              </a:rPr>
-              <a:t>, E</a:t>
-            </a:r>
-            <a:r>
-              <a:rPr lang="en-US" sz="6000" baseline="-25000" dirty="0" smtClean="0">
-                <a:solidFill>
-                  <a:srgbClr val="0000CC"/>
-                </a:solidFill>
-              </a:rPr>
-              <a:t>2</a:t>
-            </a:r>
-            <a:r>
-              <a:rPr lang="en-US" sz="6000" dirty="0" smtClean="0">
-                <a:solidFill>
-                  <a:srgbClr val="0000CC"/>
-                </a:solidFill>
-              </a:rPr>
-              <a:t>, ... </a:t>
-            </a:r>
-            <a:r>
-              <a:rPr lang="en-US" sz="6000" dirty="0" smtClean="0"/>
-              <a:t>are</a:t>
-            </a:r>
-          </a:p>
-          <a:p>
-            <a:pPr algn="ctr"/>
-            <a:r>
-              <a:rPr lang="en-US" sz="6000" dirty="0" smtClean="0">
-                <a:solidFill>
-                  <a:srgbClr val="0000CC"/>
-                </a:solidFill>
-              </a:rPr>
-              <a:t>2</a:t>
-            </a:r>
-            <a:r>
-              <a:rPr lang="en-US" sz="6000" dirty="0" smtClean="0">
-                <a:solidFill>
-                  <a:srgbClr val="7030A0"/>
-                </a:solidFill>
-              </a:rPr>
-              <a:t>-way independent</a:t>
-            </a:r>
-          </a:p>
-          <a:p>
-            <a:r>
-              <a:rPr lang="en-US" sz="6000" dirty="0" err="1" smtClean="0"/>
-              <a:t>iff</a:t>
-            </a:r>
-            <a:r>
-              <a:rPr lang="en-US" sz="6000" dirty="0" smtClean="0"/>
-              <a:t> every pair of them</a:t>
-            </a:r>
-          </a:p>
-          <a:p>
-            <a:r>
-              <a:rPr lang="en-US" sz="6000" dirty="0" smtClean="0"/>
-              <a:t>      are independent</a:t>
-            </a:r>
-          </a:p>
-        </p:txBody>
-      </p:sp>
-      <p:sp>
-        <p:nvSpPr>
-          <p:cNvPr id="4" name="Slide Number Placeholder 3"/>
-          <p:cNvSpPr>
-            <a:spLocks noGrp="1"/>
-          </p:cNvSpPr>
-          <p:nvPr>
-            <p:ph type="sldNum" sz="quarter" idx="4"/>
-          </p:nvPr>
-        </p:nvSpPr>
-        <p:spPr>
-          <a:xfrm>
-            <a:off x="7696200" y="6629400"/>
-            <a:ext cx="1447800" cy="228600"/>
-          </a:xfrm>
-        </p:spPr>
-        <p:txBody>
-          <a:bodyPr/>
-          <a:lstStyle/>
-          <a:p>
-            <a:pPr>
-              <a:defRPr/>
-            </a:pPr>
-            <a:r>
-              <a:rPr lang="en-US" dirty="0" err="1" smtClean="0"/>
-              <a:t>mutualindep</a:t>
-            </a:r>
-            <a:r>
-              <a:rPr lang="en-US" dirty="0" smtClean="0"/>
-              <a:t>.</a:t>
-            </a:r>
-            <a:fld id="{679D5B46-281B-48C5-ADB5-CFE0495CD191}" type="slidenum">
-              <a:rPr lang="en-US" smtClean="0"/>
-              <a:pPr>
-                <a:defRPr/>
-              </a:pPr>
               <a:t>11</a:t>
-            </a:fld>
-            <a:endParaRPr lang="en-US" dirty="0"/>
-          </a:p>
-        </p:txBody>
-      </p:sp>
-      <p:sp>
-        <p:nvSpPr>
-          <p:cNvPr id="5" name="Rectangle 4"/>
-          <p:cNvSpPr txBox="1">
-            <a:spLocks noChangeArrowheads="1"/>
-          </p:cNvSpPr>
-          <p:nvPr/>
-        </p:nvSpPr>
-        <p:spPr bwMode="auto">
-          <a:xfrm>
-            <a:off x="7696200" y="6629400"/>
-            <a:ext cx="1447800" cy="228600"/>
-          </a:xfrm>
-          <a:prstGeom prst="rect">
-            <a:avLst/>
-          </a:prstGeom>
-          <a:noFill/>
-          <a:ln w="9525">
-            <a:noFill/>
-            <a:miter lim="800000"/>
-            <a:headEnd/>
-            <a:tailEnd/>
-          </a:ln>
-          <a:effectLst/>
-        </p:spPr>
-        <p:txBody>
-          <a:bodyPr vert="horz" wrap="square" lIns="91440" tIns="45720" rIns="91440" bIns="45720" numCol="1" anchor="t" anchorCtr="0" compatLnSpc="1">
-            <a:prstTxWarp prst="textNoShape">
-              <a:avLst/>
-            </a:prstTxWarp>
-          </a:bodyPr>
-          <a:lstStyle>
-            <a:lvl1pPr algn="r">
-              <a:defRPr sz="1200" dirty="0" err="1" smtClean="0">
-                <a:latin typeface="+mn-lt"/>
-              </a:defRPr>
-            </a:lvl1pPr>
-          </a:lstStyle>
-          <a:p>
-            <a:pPr marL="0" marR="0" lvl="0" indent="0" algn="r" defTabSz="914400" rtl="0" eaLnBrk="1" fontAlgn="base" latinLnBrk="0" hangingPunct="1">
-              <a:lnSpc>
-                <a:spcPct val="100000"/>
-              </a:lnSpc>
-              <a:spcBef>
-                <a:spcPct val="0"/>
-              </a:spcBef>
-              <a:spcAft>
-                <a:spcPct val="0"/>
-              </a:spcAft>
-              <a:buClrTx/>
-              <a:buSzTx/>
-              <a:buFontTx/>
-              <a:buNone/>
-              <a:tabLst/>
-              <a:defRPr/>
-            </a:pPr>
-            <a:r>
-              <a:rPr kumimoji="0" lang="en-US" sz="1200" b="0" i="0" u="none" strike="noStrike" kern="1200" cap="none" spc="0" normalizeH="0" baseline="0" noProof="0" dirty="0" err="1" smtClean="0">
-                <a:ln>
-                  <a:noFill/>
-                </a:ln>
-                <a:solidFill>
-                  <a:schemeClr val="tx1"/>
-                </a:solidFill>
-                <a:effectLst/>
-                <a:uLnTx/>
-                <a:uFillTx/>
-                <a:latin typeface="+mn-lt"/>
-                <a:ea typeface="+mn-ea"/>
-                <a:cs typeface="+mn-cs"/>
-              </a:rPr>
-              <a:t>mutualindep</a:t>
-            </a:r>
-            <a:r>
-              <a:rPr kumimoji="0" lang="en-US" sz="1200" b="0" i="0" u="none" strike="noStrike" kern="1200" cap="none" spc="0" normalizeH="0" baseline="0" noProof="0" dirty="0" smtClean="0">
-                <a:ln>
-                  <a:noFill/>
-                </a:ln>
-                <a:solidFill>
-                  <a:schemeClr val="tx1"/>
-                </a:solidFill>
-                <a:effectLst/>
-                <a:uLnTx/>
-                <a:uFillTx/>
-                <a:latin typeface="+mn-lt"/>
-                <a:ea typeface="+mn-ea"/>
-                <a:cs typeface="+mn-cs"/>
-              </a:rPr>
-              <a:t>.</a:t>
-            </a:r>
-            <a:fld id="{B9A0B45D-6AFD-413C-B761-B121FB8BE940}" type="slidenum">
-              <a:rPr kumimoji="0" lang="en-US" sz="1200" b="0" i="0" u="none" strike="noStrike" kern="1200" cap="none" spc="0" normalizeH="0" baseline="0" noProof="0" smtClean="0">
-                <a:ln>
-                  <a:noFill/>
-                </a:ln>
-                <a:solidFill>
-                  <a:schemeClr val="tx1"/>
-                </a:solidFill>
-                <a:effectLst/>
-                <a:uLnTx/>
-                <a:uFillTx/>
-                <a:latin typeface="+mn-lt"/>
-                <a:ea typeface="+mn-ea"/>
-                <a:cs typeface="+mn-cs"/>
-              </a:rPr>
-              <a:pPr marL="0" marR="0" lvl="0" indent="0" algn="r" defTabSz="914400" rtl="0" eaLnBrk="1" fontAlgn="base" latinLnBrk="0" hangingPunct="1">
-                <a:lnSpc>
-                  <a:spcPct val="100000"/>
-                </a:lnSpc>
-                <a:spcBef>
-                  <a:spcPct val="0"/>
-                </a:spcBef>
-                <a:spcAft>
-                  <a:spcPct val="0"/>
-                </a:spcAft>
-                <a:buClrTx/>
-                <a:buSzTx/>
-                <a:buFontTx/>
-                <a:buNone/>
-                <a:tabLst/>
-                <a:defRPr/>
-              </a:pPr>
-              <a:t>11</a:t>
-            </a:fld>
-            <a:endParaRPr kumimoji="0" lang="en-US" sz="1200" b="0" i="0" u="none" strike="noStrike" kern="1200" cap="none" spc="0" normalizeH="0" baseline="0" noProof="0" dirty="0">
-              <a:ln>
-                <a:noFill/>
-              </a:ln>
-              <a:solidFill>
-                <a:schemeClr val="tx1"/>
-              </a:solidFill>
-              <a:effectLst/>
-              <a:uLnTx/>
-              <a:uFillTx/>
-              <a:latin typeface="+mn-lt"/>
-              <a:ea typeface="+mn-ea"/>
-              <a:cs typeface="+mn-cs"/>
-            </a:endParaRPr>
-          </a:p>
-        </p:txBody>
-      </p:sp>
-    </p:spTree>
-    <p:extLst>
-      <p:ext uri="{BB962C8B-B14F-4D97-AF65-F5344CB8AC3E}">
-        <p14:creationId xmlns:p14="http://schemas.microsoft.com/office/powerpoint/2010/main" val="3095637028"/>
-      </p:ext>
-    </p:extLst>
-  </p:cSld>
-  <p:clrMapOvr>
-    <a:masterClrMapping/>
-  </p:clrMapOvr>
-  <p:transition xmlns:p14="http://schemas.microsoft.com/office/powerpoint/2010/main" spd="slow" advClick="0">
-    <p:fade/>
-  </p:transition>
-  <p:timing>
-    <p:tnLst>
-      <p:par>
-        <p:cTn xmlns:p14="http://schemas.microsoft.com/office/powerpoint/2010/main" id="1" dur="indefinite" restart="never" nodeType="tmRoot"/>
-      </p:par>
-    </p:tnLst>
-  </p:timing>
-</p:sld>
-</file>
-
-<file path=ppt/slides/slide12.xml><?xml version="1.0" encoding="utf-8"?>
-<p:sld xmlns:a="http://schemas.openxmlformats.org/drawingml/2006/main" xmlns:r="http://schemas.openxmlformats.org/officeDocument/2006/relationships" xmlns:p="http://schemas.openxmlformats.org/presentationml/2006/main">
-  <p:cSld>
-    <p:spTree>
-      <p:nvGrpSpPr>
-        <p:cNvPr id="1" name=""/>
-        <p:cNvGrpSpPr/>
-        <p:nvPr/>
-      </p:nvGrpSpPr>
-      <p:grpSpPr>
-        <a:xfrm>
-          <a:off x="0" y="0"/>
-          <a:ext cx="0" cy="0"/>
-          <a:chOff x="0" y="0"/>
-          <a:chExt cx="0" cy="0"/>
-        </a:xfrm>
-      </p:grpSpPr>
-      <p:sp>
-        <p:nvSpPr>
-          <p:cNvPr id="4" name="Slide Number Placeholder 3"/>
-          <p:cNvSpPr>
-            <a:spLocks noGrp="1"/>
-          </p:cNvSpPr>
-          <p:nvPr>
-            <p:ph type="sldNum" sz="quarter" idx="4"/>
-          </p:nvPr>
-        </p:nvSpPr>
-        <p:spPr>
-          <a:xfrm>
-            <a:off x="7696200" y="6629400"/>
-            <a:ext cx="1447800" cy="228600"/>
-          </a:xfrm>
-        </p:spPr>
-        <p:txBody>
-          <a:bodyPr/>
-          <a:lstStyle/>
-          <a:p>
-            <a:pPr>
-              <a:defRPr/>
-            </a:pPr>
-            <a:r>
-              <a:rPr lang="en-US" dirty="0" err="1" smtClean="0"/>
-              <a:t>mutualindep</a:t>
-            </a:r>
-            <a:r>
-              <a:rPr lang="en-US" dirty="0" smtClean="0"/>
-              <a:t>.</a:t>
-            </a:r>
-            <a:fld id="{679D5B46-281B-48C5-ADB5-CFE0495CD191}" type="slidenum">
-              <a:rPr lang="en-US" smtClean="0"/>
-              <a:pPr>
-                <a:defRPr/>
-              </a:pPr>
-              <a:t>12</a:t>
-            </a:fld>
-            <a:endParaRPr lang="en-US" dirty="0"/>
-          </a:p>
-        </p:txBody>
-      </p:sp>
-      <p:sp>
-        <p:nvSpPr>
-          <p:cNvPr id="12" name="Rectangle 4"/>
-          <p:cNvSpPr txBox="1">
-            <a:spLocks noChangeArrowheads="1"/>
-          </p:cNvSpPr>
-          <p:nvPr/>
-        </p:nvSpPr>
-        <p:spPr bwMode="auto">
-          <a:xfrm>
-            <a:off x="7696200" y="6629400"/>
-            <a:ext cx="1447800" cy="228600"/>
-          </a:xfrm>
-          <a:prstGeom prst="rect">
-            <a:avLst/>
-          </a:prstGeom>
-          <a:noFill/>
-          <a:ln w="9525">
-            <a:noFill/>
-            <a:miter lim="800000"/>
-            <a:headEnd/>
-            <a:tailEnd/>
-          </a:ln>
-          <a:effectLst/>
-        </p:spPr>
-        <p:txBody>
-          <a:bodyPr vert="horz" wrap="square" lIns="91440" tIns="45720" rIns="91440" bIns="45720" numCol="1" anchor="t" anchorCtr="0" compatLnSpc="1">
-            <a:prstTxWarp prst="textNoShape">
-              <a:avLst/>
-            </a:prstTxWarp>
-          </a:bodyPr>
-          <a:lstStyle>
-            <a:lvl1pPr algn="r">
-              <a:defRPr sz="1200" dirty="0" err="1" smtClean="0">
-                <a:latin typeface="+mn-lt"/>
-              </a:defRPr>
-            </a:lvl1pPr>
-          </a:lstStyle>
-          <a:p>
-            <a:pPr marL="0" marR="0" lvl="0" indent="0" algn="r" defTabSz="914400" rtl="0" eaLnBrk="1" fontAlgn="base" latinLnBrk="0" hangingPunct="1">
-              <a:lnSpc>
-                <a:spcPct val="100000"/>
-              </a:lnSpc>
-              <a:spcBef>
-                <a:spcPct val="0"/>
-              </a:spcBef>
-              <a:spcAft>
-                <a:spcPct val="0"/>
-              </a:spcAft>
-              <a:buClrTx/>
-              <a:buSzTx/>
-              <a:buFontTx/>
-              <a:buNone/>
-              <a:tabLst/>
-              <a:defRPr/>
-            </a:pPr>
-            <a:r>
-              <a:rPr kumimoji="0" lang="en-US" sz="1200" b="0" i="0" u="none" strike="noStrike" kern="1200" cap="none" spc="0" normalizeH="0" baseline="0" noProof="0" dirty="0" err="1" smtClean="0">
-                <a:ln>
-                  <a:noFill/>
-                </a:ln>
-                <a:solidFill>
-                  <a:schemeClr val="tx1"/>
-                </a:solidFill>
-                <a:effectLst/>
-                <a:uLnTx/>
-                <a:uFillTx/>
-                <a:latin typeface="+mn-lt"/>
-                <a:ea typeface="+mn-ea"/>
-                <a:cs typeface="+mn-cs"/>
-              </a:rPr>
-              <a:t>mutualindep</a:t>
-            </a:r>
-            <a:r>
-              <a:rPr kumimoji="0" lang="en-US" sz="1200" b="0" i="0" u="none" strike="noStrike" kern="1200" cap="none" spc="0" normalizeH="0" baseline="0" noProof="0" dirty="0" smtClean="0">
-                <a:ln>
-                  <a:noFill/>
-                </a:ln>
-                <a:solidFill>
-                  <a:schemeClr val="tx1"/>
-                </a:solidFill>
-                <a:effectLst/>
-                <a:uLnTx/>
-                <a:uFillTx/>
-                <a:latin typeface="+mn-lt"/>
-                <a:ea typeface="+mn-ea"/>
-                <a:cs typeface="+mn-cs"/>
-              </a:rPr>
-              <a:t>.</a:t>
-            </a:r>
-            <a:fld id="{B9A0B45D-6AFD-413C-B761-B121FB8BE940}" type="slidenum">
-              <a:rPr kumimoji="0" lang="en-US" sz="1200" b="0" i="0" u="none" strike="noStrike" kern="1200" cap="none" spc="0" normalizeH="0" baseline="0" noProof="0" smtClean="0">
-                <a:ln>
-                  <a:noFill/>
-                </a:ln>
-                <a:solidFill>
-                  <a:schemeClr val="tx1"/>
-                </a:solidFill>
-                <a:effectLst/>
-                <a:uLnTx/>
-                <a:uFillTx/>
-                <a:latin typeface="+mn-lt"/>
-                <a:ea typeface="+mn-ea"/>
-                <a:cs typeface="+mn-cs"/>
-              </a:rPr>
-              <a:pPr marL="0" marR="0" lvl="0" indent="0" algn="r" defTabSz="914400" rtl="0" eaLnBrk="1" fontAlgn="base" latinLnBrk="0" hangingPunct="1">
-                <a:lnSpc>
-                  <a:spcPct val="100000"/>
-                </a:lnSpc>
-                <a:spcBef>
-                  <a:spcPct val="0"/>
-                </a:spcBef>
-                <a:spcAft>
-                  <a:spcPct val="0"/>
-                </a:spcAft>
-                <a:buClrTx/>
-                <a:buSzTx/>
-                <a:buFontTx/>
-                <a:buNone/>
-                <a:tabLst/>
-                <a:defRPr/>
-              </a:pPr>
-              <a:t>12</a:t>
             </a:fld>
             <a:endParaRPr kumimoji="0" lang="en-US" sz="1200" b="0" i="0" u="none" strike="noStrike" kern="1200" cap="none" spc="0" normalizeH="0" baseline="0" noProof="0" dirty="0">
               <a:ln>
@@ -5587,17 +4998,8 @@
               <a:rPr lang="en-US" sz="4000" dirty="0" smtClean="0">
                 <a:latin typeface="+mj-lt"/>
               </a:rPr>
-              <a:t> ti</a:t>
-            </a:r>
-            <a:r>
-              <a:rPr lang="en-US" sz="4000" dirty="0" smtClean="0">
-                <a:latin typeface="+mj-lt"/>
-              </a:rPr>
-              <a:t>mes</a:t>
-            </a:r>
-            <a:endParaRPr lang="en-US" sz="4000" dirty="0" smtClean="0">
-              <a:latin typeface="+mj-lt"/>
-            </a:endParaRPr>
+              <a:t> times</a:t>
+            </a:r>
           </a:p>
           <a:p>
             <a:pPr algn="l"/>
@@ -5883,13 +5285,13 @@
   <p:clrMapOvr>
     <a:masterClrMapping/>
   </p:clrMapOvr>
-  <mc:AlternateContent xmlns:mc="http://schemas.openxmlformats.org/markup-compatibility/2006">
-    <mc:Choice xmlns:p14="http://schemas.microsoft.com/office/powerpoint/2010/main" Requires="p14">
+  <mc:AlternateContent xmlns:mc="http://schemas.openxmlformats.org/markup-compatibility/2006" xmlns:p14="http://schemas.microsoft.com/office/powerpoint/2010/main">
+    <mc:Choice Requires="p14">
       <p:transition spd="slow" p14:dur="1200" advClick="0">
         <p:fade thruBlk="1"/>
       </p:transition>
     </mc:Choice>
-    <mc:Fallback>
+    <mc:Fallback xmlns="">
       <p:transition xmlns:p14="http://schemas.microsoft.com/office/powerpoint/2010/main" spd="slow" advClick="0">
         <p:fade thruBlk="1"/>
       </p:transition>
@@ -5984,7 +5386,7 @@
 </p:sld>
 </file>
 
-<file path=ppt/slides/slide13.xml><?xml version="1.0" encoding="utf-8"?>
+<file path=ppt/slides/slide12.xml><?xml version="1.0" encoding="utf-8"?>
 <p:sld xmlns:a="http://schemas.openxmlformats.org/drawingml/2006/main" xmlns:r="http://schemas.openxmlformats.org/officeDocument/2006/relationships" xmlns:p="http://schemas.openxmlformats.org/presentationml/2006/main">
   <p:cSld>
     <p:spTree>
@@ -6233,7 +5635,7 @@
               <a:pPr>
                 <a:defRPr/>
               </a:pPr>
-              <a:t>13</a:t>
+              <a:t>12</a:t>
             </a:fld>
             <a:endParaRPr lang="en-US" dirty="0"/>
           </a:p>
@@ -6361,7 +5763,7 @@
                 <a:tabLst/>
                 <a:defRPr/>
               </a:pPr>
-              <a:t>13</a:t>
+              <a:t>12</a:t>
             </a:fld>
             <a:endParaRPr kumimoji="0" lang="en-US" sz="1200" b="0" i="0" u="none" strike="noStrike" kern="1200" cap="none" spc="0" normalizeH="0" baseline="0" noProof="0" dirty="0">
               <a:ln>
@@ -6594,7 +5996,7 @@
 </p:sld>
 </file>
 
-<file path=ppt/slides/slide14.xml><?xml version="1.0" encoding="utf-8"?>
+<file path=ppt/slides/slide13.xml><?xml version="1.0" encoding="utf-8"?>
 <p:sld xmlns:a="http://schemas.openxmlformats.org/drawingml/2006/main" xmlns:r="http://schemas.openxmlformats.org/officeDocument/2006/relationships" xmlns:p="http://schemas.openxmlformats.org/presentationml/2006/main">
   <p:cSld>
     <p:spTree>
@@ -6874,7 +6276,6 @@
               <a:rPr lang="en-US" sz="4800" dirty="0" smtClean="0"/>
               <a:t>)-way independent</a:t>
             </a:r>
-            <a:endParaRPr lang="en-US" sz="4800" dirty="0" smtClean="0"/>
           </a:p>
         </p:txBody>
       </p:sp>
@@ -6914,7 +6315,7 @@
               <a:pPr>
                 <a:defRPr/>
               </a:pPr>
-              <a:t>14</a:t>
+              <a:t>13</a:t>
             </a:fld>
             <a:endParaRPr lang="en-US" dirty="0"/>
           </a:p>
@@ -7042,7 +6443,7 @@
                 <a:tabLst/>
                 <a:defRPr/>
               </a:pPr>
-              <a:t>14</a:t>
+              <a:t>13</a:t>
             </a:fld>
             <a:endParaRPr kumimoji="0" lang="en-US" sz="1200" b="0" i="0" u="none" strike="noStrike" kern="1200" cap="none" spc="0" normalizeH="0" baseline="0" noProof="0" dirty="0">
               <a:ln>
@@ -7084,7 +6485,7 @@
 </p:sld>
 </file>
 
-<file path=ppt/slides/slide15.xml><?xml version="1.0" encoding="utf-8"?>
+<file path=ppt/slides/slide14.xml><?xml version="1.0" encoding="utf-8"?>
 <p:sld xmlns:a="http://schemas.openxmlformats.org/drawingml/2006/main" xmlns:r="http://schemas.openxmlformats.org/officeDocument/2006/relationships" xmlns:p="http://schemas.openxmlformats.org/presentationml/2006/main">
   <p:cSld>
     <p:spTree>
@@ -7338,7 +6739,7 @@
               <a:pPr>
                 <a:defRPr/>
               </a:pPr>
-              <a:t>15</a:t>
+              <a:t>14</a:t>
             </a:fld>
             <a:endParaRPr lang="en-US" dirty="0"/>
           </a:p>
@@ -7612,7 +7013,7 @@
                 <a:tabLst/>
                 <a:defRPr/>
               </a:pPr>
-              <a:t>15</a:t>
+              <a:t>14</a:t>
             </a:fld>
             <a:endParaRPr kumimoji="0" lang="en-US" sz="1200" b="0" i="0" u="none" strike="noStrike" kern="1200" cap="none" spc="0" normalizeH="0" baseline="0" noProof="0" dirty="0">
               <a:ln>
@@ -7637,7 +7038,7 @@
     <a:masterClrMapping/>
   </p:clrMapOvr>
   <p:transition xmlns:p14="http://schemas.microsoft.com/office/powerpoint/2010/main" spd="slow" advClick="0">
-    <p:fade/>
+    <p:fade thruBlk="1"/>
   </p:transition>
   <p:timing>
     <p:tnLst>
@@ -7809,7 +7210,7 @@
 </p:sld>
 </file>
 
-<file path=ppt/slides/slide16.xml><?xml version="1.0" encoding="utf-8"?>
+<file path=ppt/slides/slide15.xml><?xml version="1.0" encoding="utf-8"?>
 <p:sld xmlns:a="http://schemas.openxmlformats.org/drawingml/2006/main" xmlns:r="http://schemas.openxmlformats.org/officeDocument/2006/relationships" xmlns:p="http://schemas.openxmlformats.org/presentationml/2006/main" show="0">
   <p:cSld>
     <p:spTree>
@@ -8005,7 +7406,7 @@
               <a:pPr>
                 <a:defRPr/>
               </a:pPr>
-              <a:t>16</a:t>
+              <a:t>15</a:t>
             </a:fld>
             <a:endParaRPr lang="en-US" dirty="0"/>
           </a:p>
@@ -8133,7 +7534,7 @@
                 <a:tabLst/>
                 <a:defRPr/>
               </a:pPr>
-              <a:t>16</a:t>
+              <a:t>15</a:t>
             </a:fld>
             <a:endParaRPr kumimoji="0" lang="en-US" sz="1200" b="0" i="0" u="none" strike="noStrike" kern="1200" cap="none" spc="0" normalizeH="0" baseline="0" noProof="0" dirty="0">
               <a:ln>
@@ -8174,7 +7575,7 @@
           <a:graphicData uri="http://schemas.openxmlformats.org/presentationml/2006/ole">
             <mc:AlternateContent xmlns:mc="http://schemas.openxmlformats.org/markup-compatibility/2006">
               <mc:Choice xmlns:v="urn:schemas-microsoft-com:vml" Requires="v">
-                <p:oleObj spid="_x0000_s359428" name="Equation" r:id="rId4" imgW="1701800" imgH="635000" progId="Equation.DSMT4">
+                <p:oleObj spid="_x0000_s359433" name="Equation" r:id="rId4" imgW="1701800" imgH="635000" progId="Equation.DSMT4">
                   <p:embed/>
                 </p:oleObj>
               </mc:Choice>
@@ -8344,7 +7745,7 @@
 </p:sld>
 </file>
 
-<file path=ppt/slides/slide17.xml><?xml version="1.0" encoding="utf-8"?>
+<file path=ppt/slides/slide16.xml><?xml version="1.0" encoding="utf-8"?>
 <p:sld xmlns:a="http://schemas.openxmlformats.org/drawingml/2006/main" xmlns:r="http://schemas.openxmlformats.org/officeDocument/2006/relationships" xmlns:p="http://schemas.openxmlformats.org/presentationml/2006/main" show="0">
   <p:cSld>
     <p:spTree>
@@ -8474,13 +7875,8 @@
             </a:r>
             <a:r>
               <a:rPr lang="en-US" sz="4400" dirty="0" smtClean="0"/>
-              <a:t> </a:t>
-            </a:r>
-            <a:r>
-              <a:rPr lang="en-US" sz="4400" dirty="0" smtClean="0"/>
-              <a:t>satisfy the</a:t>
-            </a:r>
-            <a:endParaRPr lang="en-US" sz="4400" dirty="0" smtClean="0"/>
+              <a:t> satisfy the</a:t>
+            </a:r>
           </a:p>
           <a:p>
             <a:pPr algn="ctr"/>
@@ -8535,7 +7931,7 @@
               <a:pPr>
                 <a:defRPr/>
               </a:pPr>
-              <a:t>17</a:t>
+              <a:t>16</a:t>
             </a:fld>
             <a:endParaRPr lang="en-US" dirty="0"/>
           </a:p>
@@ -8563,7 +7959,7 @@
           <a:graphicData uri="http://schemas.openxmlformats.org/presentationml/2006/ole">
             <mc:AlternateContent xmlns:mc="http://schemas.openxmlformats.org/markup-compatibility/2006">
               <mc:Choice xmlns:v="urn:schemas-microsoft-com:vml" Requires="v">
-                <p:oleObj spid="_x0000_s347171" name="Equation" r:id="rId3" imgW="1803400" imgH="558800" progId="Equation.DSMT4">
+                <p:oleObj spid="_x0000_s347176" name="Equation" r:id="rId3" imgW="1803400" imgH="558800" progId="Equation.DSMT4">
                   <p:embed/>
                 </p:oleObj>
               </mc:Choice>
@@ -8697,7 +8093,7 @@
 </p:sld>
 </file>
 
-<file path=ppt/slides/slide18.xml><?xml version="1.0" encoding="utf-8"?>
+<file path=ppt/slides/slide17.xml><?xml version="1.0" encoding="utf-8"?>
 <p:sld xmlns:a="http://schemas.openxmlformats.org/drawingml/2006/main" xmlns:r="http://schemas.openxmlformats.org/officeDocument/2006/relationships" xmlns:p="http://schemas.openxmlformats.org/presentationml/2006/main" show="0">
   <p:cSld>
     <p:spTree>
@@ -8912,7 +8308,7 @@
               <a:pPr>
                 <a:defRPr/>
               </a:pPr>
-              <a:t>18</a:t>
+              <a:t>17</a:t>
             </a:fld>
             <a:endParaRPr lang="en-US" dirty="0"/>
           </a:p>
@@ -9040,7 +8436,7 @@
                 <a:tabLst/>
                 <a:defRPr/>
               </a:pPr>
-              <a:t>18</a:t>
+              <a:t>17</a:t>
             </a:fld>
             <a:endParaRPr kumimoji="0" lang="en-US" sz="1200" b="0" i="0" u="none" strike="noStrike" kern="1200" cap="none" spc="0" normalizeH="0" baseline="0" noProof="0" dirty="0">
               <a:ln>
@@ -9270,7 +8666,7 @@
 </p:sld>
 </file>
 
-<file path=ppt/slides/slide19.xml><?xml version="1.0" encoding="utf-8"?>
+<file path=ppt/slides/slide18.xml><?xml version="1.0" encoding="utf-8"?>
 <p:sld xmlns:a="http://schemas.openxmlformats.org/drawingml/2006/main" xmlns:r="http://schemas.openxmlformats.org/officeDocument/2006/relationships" xmlns:p="http://schemas.openxmlformats.org/presentationml/2006/main" show="0">
   <p:cSld>
     <p:spTree>
@@ -9505,7 +8901,7 @@
               <a:pPr>
                 <a:defRPr/>
               </a:pPr>
-              <a:t>19</a:t>
+              <a:t>18</a:t>
             </a:fld>
             <a:endParaRPr lang="en-US" dirty="0"/>
           </a:p>
@@ -9633,7 +9029,7 @@
                 <a:tabLst/>
                 <a:defRPr/>
               </a:pPr>
-              <a:t>19</a:t>
+              <a:t>18</a:t>
             </a:fld>
             <a:endParaRPr kumimoji="0" lang="en-US" sz="1200" b="0" i="0" u="none" strike="noStrike" kern="1200" cap="none" spc="0" normalizeH="0" baseline="0" noProof="0" dirty="0">
               <a:ln>
@@ -10362,440 +9758,7 @@
 </p:sld>
 </file>
 
-<file path=ppt/slides/slide2.xml><?xml version="1.0" encoding="utf-8"?>
-<p:sld xmlns:a="http://schemas.openxmlformats.org/drawingml/2006/main" xmlns:r="http://schemas.openxmlformats.org/officeDocument/2006/relationships" xmlns:p="http://schemas.openxmlformats.org/presentationml/2006/main">
-  <p:cSld>
-    <p:spTree>
-      <p:nvGrpSpPr>
-        <p:cNvPr id="1" name=""/>
-        <p:cNvGrpSpPr/>
-        <p:nvPr/>
-      </p:nvGrpSpPr>
-      <p:grpSpPr>
-        <a:xfrm>
-          <a:off x="0" y="0"/>
-          <a:ext cx="0" cy="0"/>
-          <a:chOff x="0" y="0"/>
-          <a:chExt cx="0" cy="0"/>
-        </a:xfrm>
-      </p:grpSpPr>
-      <p:sp>
-        <p:nvSpPr>
-          <p:cNvPr id="2" name="Title 1"/>
-          <p:cNvSpPr>
-            <a:spLocks noGrp="1"/>
-          </p:cNvSpPr>
-          <p:nvPr>
-            <p:ph type="title"/>
-          </p:nvPr>
-        </p:nvSpPr>
-        <p:spPr/>
-        <p:txBody>
-          <a:bodyPr/>
-          <a:lstStyle/>
-          <a:p>
-            <a:r>
-              <a:rPr lang="en-US" sz="4400" dirty="0" smtClean="0"/>
-              <a:t>Mutual Independence</a:t>
-            </a:r>
-            <a:endParaRPr lang="en-US" sz="4400" dirty="0"/>
-          </a:p>
-        </p:txBody>
-      </p:sp>
-      <p:sp>
-        <p:nvSpPr>
-          <p:cNvPr id="3" name="Content Placeholder 2"/>
-          <p:cNvSpPr>
-            <a:spLocks noGrp="1"/>
-          </p:cNvSpPr>
-          <p:nvPr>
-            <p:ph idx="1"/>
-          </p:nvPr>
-        </p:nvSpPr>
-        <p:spPr>
-          <a:xfrm>
-            <a:off x="429031" y="1086950"/>
-            <a:ext cx="8428420" cy="5253584"/>
-          </a:xfrm>
-        </p:spPr>
-        <p:txBody>
-          <a:bodyPr/>
-          <a:lstStyle/>
-          <a:p>
-            <a:r>
-              <a:rPr lang="en-US" sz="5400" dirty="0" smtClean="0"/>
-              <a:t>Events </a:t>
-            </a:r>
-            <a:r>
-              <a:rPr lang="en-US" sz="5400" dirty="0" smtClean="0">
-                <a:solidFill>
-                  <a:srgbClr val="0000CC"/>
-                </a:solidFill>
-              </a:rPr>
-              <a:t>A</a:t>
-            </a:r>
-            <a:r>
-              <a:rPr lang="en-US" sz="5400" baseline="-25000" dirty="0" smtClean="0">
-                <a:solidFill>
-                  <a:srgbClr val="0000CC"/>
-                </a:solidFill>
-              </a:rPr>
-              <a:t>1</a:t>
-            </a:r>
-            <a:r>
-              <a:rPr lang="en-US" sz="5400" dirty="0" smtClean="0">
-                <a:solidFill>
-                  <a:srgbClr val="0000CC"/>
-                </a:solidFill>
-              </a:rPr>
-              <a:t>, A</a:t>
-            </a:r>
-            <a:r>
-              <a:rPr lang="en-US" sz="5400" baseline="-25000" dirty="0" smtClean="0">
-                <a:solidFill>
-                  <a:srgbClr val="0000CC"/>
-                </a:solidFill>
-              </a:rPr>
-              <a:t>2</a:t>
-            </a:r>
-            <a:r>
-              <a:rPr lang="en-US" sz="5400" dirty="0" smtClean="0">
-                <a:solidFill>
-                  <a:srgbClr val="0000CC"/>
-                </a:solidFill>
-              </a:rPr>
-              <a:t>,</a:t>
-            </a:r>
-            <a:r>
-              <a:rPr lang="en-US" sz="5400" dirty="0" smtClean="0">
-                <a:solidFill>
-                  <a:srgbClr val="0000CC"/>
-                </a:solidFill>
-                <a:sym typeface="Euclid Symbol"/>
-              </a:rPr>
-              <a:t>…,</a:t>
-            </a:r>
-            <a:r>
-              <a:rPr lang="en-US" sz="5400" dirty="0" smtClean="0">
-                <a:solidFill>
-                  <a:srgbClr val="0000CC"/>
-                </a:solidFill>
-              </a:rPr>
-              <a:t>A</a:t>
-            </a:r>
-            <a:r>
-              <a:rPr lang="en-US" sz="5400" baseline="-25000" dirty="0" smtClean="0">
-                <a:solidFill>
-                  <a:srgbClr val="0000CC"/>
-                </a:solidFill>
-              </a:rPr>
-              <a:t>n</a:t>
-            </a:r>
-            <a:r>
-              <a:rPr lang="en-US" sz="5400" dirty="0" smtClean="0">
-                <a:solidFill>
-                  <a:srgbClr val="0000CC"/>
-                </a:solidFill>
-                <a:sym typeface="Euclid Symbol"/>
-              </a:rPr>
-              <a:t> </a:t>
-            </a:r>
-            <a:r>
-              <a:rPr lang="en-US" sz="5400" dirty="0" smtClean="0">
-                <a:sym typeface="Euclid Symbol"/>
-              </a:rPr>
-              <a:t>are</a:t>
-            </a:r>
-          </a:p>
-          <a:p>
-            <a:pPr algn="ctr"/>
-            <a:r>
-              <a:rPr lang="en-US" sz="4800" dirty="0" smtClean="0">
-                <a:solidFill>
-                  <a:srgbClr val="660066"/>
-                </a:solidFill>
-                <a:sym typeface="Euclid Symbol"/>
-              </a:rPr>
-              <a:t>mutually independent</a:t>
-            </a:r>
-          </a:p>
-          <a:p>
-            <a:r>
-              <a:rPr lang="en-US" sz="4800" dirty="0" smtClean="0">
-                <a:solidFill>
-                  <a:srgbClr val="000000"/>
-                </a:solidFill>
-                <a:sym typeface="Euclid Symbol"/>
-              </a:rPr>
-              <a:t>when the probability that</a:t>
-            </a:r>
-          </a:p>
-          <a:p>
-            <a:r>
-              <a:rPr lang="en-US" sz="4800" dirty="0" smtClean="0">
-                <a:solidFill>
-                  <a:srgbClr val="0000CC"/>
-                </a:solidFill>
-                <a:sym typeface="Euclid Symbol"/>
-              </a:rPr>
-              <a:t>A</a:t>
-            </a:r>
-            <a:r>
-              <a:rPr lang="en-US" sz="4800" baseline="-25000" dirty="0" smtClean="0">
-                <a:solidFill>
-                  <a:srgbClr val="0000CC"/>
-                </a:solidFill>
-                <a:sym typeface="Euclid Symbol"/>
-              </a:rPr>
-              <a:t>i </a:t>
-            </a:r>
-            <a:r>
-              <a:rPr lang="en-US" sz="4800" dirty="0" smtClean="0">
-                <a:solidFill>
-                  <a:srgbClr val="000000"/>
-                </a:solidFill>
-                <a:sym typeface="Euclid Symbol"/>
-              </a:rPr>
-              <a:t>occurs does not change</a:t>
-            </a:r>
-          </a:p>
-          <a:p>
-            <a:r>
-              <a:rPr lang="en-US" sz="4800" dirty="0" smtClean="0">
-                <a:solidFill>
-                  <a:srgbClr val="000000"/>
-                </a:solidFill>
-                <a:sym typeface="Euclid Symbol"/>
-              </a:rPr>
-              <a:t>given which other ones have</a:t>
-            </a:r>
-          </a:p>
-          <a:p>
-            <a:r>
-              <a:rPr lang="en-US" sz="4800" dirty="0" smtClean="0">
-                <a:solidFill>
-                  <a:srgbClr val="000000"/>
-                </a:solidFill>
-                <a:sym typeface="Euclid Symbol"/>
-              </a:rPr>
-              <a:t>occurred.</a:t>
-            </a:r>
-            <a:endParaRPr lang="en-US" sz="4800" dirty="0" smtClean="0">
-              <a:solidFill>
-                <a:srgbClr val="0000CC"/>
-              </a:solidFill>
-              <a:sym typeface="Euclid Symbol"/>
-            </a:endParaRPr>
-          </a:p>
-        </p:txBody>
-      </p:sp>
-      <p:sp>
-        <p:nvSpPr>
-          <p:cNvPr id="4" name="Slide Number Placeholder 3"/>
-          <p:cNvSpPr>
-            <a:spLocks noGrp="1"/>
-          </p:cNvSpPr>
-          <p:nvPr>
-            <p:ph type="sldNum" sz="quarter" idx="4"/>
-          </p:nvPr>
-        </p:nvSpPr>
-        <p:spPr>
-          <a:xfrm>
-            <a:off x="7696200" y="6629400"/>
-            <a:ext cx="1447800" cy="228600"/>
-          </a:xfrm>
-        </p:spPr>
-        <p:txBody>
-          <a:bodyPr/>
-          <a:lstStyle/>
-          <a:p>
-            <a:pPr>
-              <a:defRPr/>
-            </a:pPr>
-            <a:r>
-              <a:rPr lang="en-US" dirty="0" err="1" smtClean="0"/>
-              <a:t>mutualindep</a:t>
-            </a:r>
-            <a:r>
-              <a:rPr lang="en-US" dirty="0" smtClean="0"/>
-              <a:t>.</a:t>
-            </a:r>
-            <a:fld id="{679D5B46-281B-48C5-ADB5-CFE0495CD191}" type="slidenum">
-              <a:rPr lang="en-US" smtClean="0"/>
-              <a:pPr>
-                <a:defRPr/>
-              </a:pPr>
-              <a:t>2</a:t>
-            </a:fld>
-            <a:endParaRPr lang="en-US" dirty="0"/>
-          </a:p>
-        </p:txBody>
-      </p:sp>
-      <p:sp>
-        <p:nvSpPr>
-          <p:cNvPr id="12" name="Rectangle 4"/>
-          <p:cNvSpPr txBox="1">
-            <a:spLocks noChangeArrowheads="1"/>
-          </p:cNvSpPr>
-          <p:nvPr/>
-        </p:nvSpPr>
-        <p:spPr bwMode="auto">
-          <a:xfrm>
-            <a:off x="7696200" y="6629400"/>
-            <a:ext cx="1447800" cy="228600"/>
-          </a:xfrm>
-          <a:prstGeom prst="rect">
-            <a:avLst/>
-          </a:prstGeom>
-          <a:noFill/>
-          <a:ln w="9525">
-            <a:noFill/>
-            <a:miter lim="800000"/>
-            <a:headEnd/>
-            <a:tailEnd/>
-          </a:ln>
-          <a:effectLst/>
-        </p:spPr>
-        <p:txBody>
-          <a:bodyPr vert="horz" wrap="square" lIns="91440" tIns="45720" rIns="91440" bIns="45720" numCol="1" anchor="t" anchorCtr="0" compatLnSpc="1">
-            <a:prstTxWarp prst="textNoShape">
-              <a:avLst/>
-            </a:prstTxWarp>
-          </a:bodyPr>
-          <a:lstStyle>
-            <a:lvl1pPr algn="r">
-              <a:defRPr sz="1200" dirty="0" err="1" smtClean="0">
-                <a:latin typeface="+mn-lt"/>
-              </a:defRPr>
-            </a:lvl1pPr>
-          </a:lstStyle>
-          <a:p>
-            <a:pPr marL="0" marR="0" lvl="0" indent="0" algn="r" defTabSz="914400" rtl="0" eaLnBrk="1" fontAlgn="base" latinLnBrk="0" hangingPunct="1">
-              <a:lnSpc>
-                <a:spcPct val="100000"/>
-              </a:lnSpc>
-              <a:spcBef>
-                <a:spcPct val="0"/>
-              </a:spcBef>
-              <a:spcAft>
-                <a:spcPct val="0"/>
-              </a:spcAft>
-              <a:buClrTx/>
-              <a:buSzTx/>
-              <a:buFontTx/>
-              <a:buNone/>
-              <a:tabLst/>
-              <a:defRPr/>
-            </a:pPr>
-            <a:r>
-              <a:rPr kumimoji="0" lang="en-US" sz="1200" b="0" i="0" u="none" strike="noStrike" kern="1200" cap="none" spc="0" normalizeH="0" baseline="0" noProof="0" dirty="0" err="1" smtClean="0">
-                <a:ln>
-                  <a:noFill/>
-                </a:ln>
-                <a:solidFill>
-                  <a:schemeClr val="tx1"/>
-                </a:solidFill>
-                <a:effectLst/>
-                <a:uLnTx/>
-                <a:uFillTx/>
-                <a:latin typeface="+mn-lt"/>
-                <a:ea typeface="+mn-ea"/>
-                <a:cs typeface="+mn-cs"/>
-              </a:rPr>
-              <a:t>mutualindep</a:t>
-            </a:r>
-            <a:r>
-              <a:rPr kumimoji="0" lang="en-US" sz="1200" b="0" i="0" u="none" strike="noStrike" kern="1200" cap="none" spc="0" normalizeH="0" baseline="0" noProof="0" dirty="0" smtClean="0">
-                <a:ln>
-                  <a:noFill/>
-                </a:ln>
-                <a:solidFill>
-                  <a:schemeClr val="tx1"/>
-                </a:solidFill>
-                <a:effectLst/>
-                <a:uLnTx/>
-                <a:uFillTx/>
-                <a:latin typeface="+mn-lt"/>
-                <a:ea typeface="+mn-ea"/>
-                <a:cs typeface="+mn-cs"/>
-              </a:rPr>
-              <a:t>.</a:t>
-            </a:r>
-            <a:fld id="{B9A0B45D-6AFD-413C-B761-B121FB8BE940}" type="slidenum">
-              <a:rPr kumimoji="0" lang="en-US" sz="1200" b="0" i="0" u="none" strike="noStrike" kern="1200" cap="none" spc="0" normalizeH="0" baseline="0" noProof="0" smtClean="0">
-                <a:ln>
-                  <a:noFill/>
-                </a:ln>
-                <a:solidFill>
-                  <a:schemeClr val="tx1"/>
-                </a:solidFill>
-                <a:effectLst/>
-                <a:uLnTx/>
-                <a:uFillTx/>
-                <a:latin typeface="+mn-lt"/>
-                <a:ea typeface="+mn-ea"/>
-                <a:cs typeface="+mn-cs"/>
-              </a:rPr>
-              <a:pPr marL="0" marR="0" lvl="0" indent="0" algn="r" defTabSz="914400" rtl="0" eaLnBrk="1" fontAlgn="base" latinLnBrk="0" hangingPunct="1">
-                <a:lnSpc>
-                  <a:spcPct val="100000"/>
-                </a:lnSpc>
-                <a:spcBef>
-                  <a:spcPct val="0"/>
-                </a:spcBef>
-                <a:spcAft>
-                  <a:spcPct val="0"/>
-                </a:spcAft>
-                <a:buClrTx/>
-                <a:buSzTx/>
-                <a:buFontTx/>
-                <a:buNone/>
-                <a:tabLst/>
-                <a:defRPr/>
-              </a:pPr>
-              <a:t>2</a:t>
-            </a:fld>
-            <a:endParaRPr kumimoji="0" lang="en-US" sz="1200" b="0" i="0" u="none" strike="noStrike" kern="1200" cap="none" spc="0" normalizeH="0" baseline="0" noProof="0" dirty="0">
-              <a:ln>
-                <a:noFill/>
-              </a:ln>
-              <a:solidFill>
-                <a:schemeClr val="tx1"/>
-              </a:solidFill>
-              <a:effectLst/>
-              <a:uLnTx/>
-              <a:uFillTx/>
-              <a:latin typeface="+mn-lt"/>
-              <a:ea typeface="+mn-ea"/>
-              <a:cs typeface="+mn-cs"/>
-            </a:endParaRPr>
-          </a:p>
-        </p:txBody>
-      </p:sp>
-    </p:spTree>
-    <p:extLst>
-      <p:ext uri="{BB962C8B-B14F-4D97-AF65-F5344CB8AC3E}">
-        <p14:creationId xmlns:p14="http://schemas.microsoft.com/office/powerpoint/2010/main" val="2240988629"/>
-      </p:ext>
-    </p:extLst>
-  </p:cSld>
-  <p:clrMapOvr>
-    <a:masterClrMapping/>
-  </p:clrMapOvr>
-  <p:transition xmlns:p14="http://schemas.microsoft.com/office/powerpoint/2010/main" spd="slow" advClick="0">
-    <p:fade thruBlk="1"/>
-  </p:transition>
-  <p:timing>
-    <p:tnLst>
-      <p:par>
-        <p:cTn xmlns:p14="http://schemas.microsoft.com/office/powerpoint/2010/main" id="1" dur="indefinite" restart="never" nodeType="tmRoot"/>
-      </p:par>
-    </p:tnLst>
-  </p:timing>
-</p:sld>
-</file>
-
-<file path=ppt/slides/slide20.xml><?xml version="1.0" encoding="utf-8"?>
+<file path=ppt/slides/slide19.xml><?xml version="1.0" encoding="utf-8"?>
 <p:sld xmlns:a="http://schemas.openxmlformats.org/drawingml/2006/main" xmlns:r="http://schemas.openxmlformats.org/officeDocument/2006/relationships" xmlns:p="http://schemas.openxmlformats.org/presentationml/2006/main" show="0">
   <p:cSld>
     <p:spTree>
@@ -11177,7 +10140,7 @@
               <a:pPr>
                 <a:defRPr/>
               </a:pPr>
-              <a:t>20</a:t>
+              <a:t>19</a:t>
             </a:fld>
             <a:endParaRPr lang="en-US" dirty="0"/>
           </a:p>
@@ -11305,7 +10268,7 @@
                 <a:tabLst/>
                 <a:defRPr/>
               </a:pPr>
-              <a:t>20</a:t>
+              <a:t>19</a:t>
             </a:fld>
             <a:endParaRPr kumimoji="0" lang="en-US" sz="1200" b="0" i="0" u="none" strike="noStrike" kern="1200" cap="none" spc="0" normalizeH="0" baseline="0" noProof="0" dirty="0">
               <a:ln>
@@ -11581,7 +10544,548 @@
 </p:sld>
 </file>
 
-<file path=ppt/slides/slide21.xml><?xml version="1.0" encoding="utf-8"?>
+<file path=ppt/slides/slide2.xml><?xml version="1.0" encoding="utf-8"?>
+<p:sld xmlns:a="http://schemas.openxmlformats.org/drawingml/2006/main" xmlns:r="http://schemas.openxmlformats.org/officeDocument/2006/relationships" xmlns:p="http://schemas.openxmlformats.org/presentationml/2006/main">
+  <p:cSld>
+    <p:spTree>
+      <p:nvGrpSpPr>
+        <p:cNvPr id="1" name=""/>
+        <p:cNvGrpSpPr/>
+        <p:nvPr/>
+      </p:nvGrpSpPr>
+      <p:grpSpPr>
+        <a:xfrm>
+          <a:off x="0" y="0"/>
+          <a:ext cx="0" cy="0"/>
+          <a:chOff x="0" y="0"/>
+          <a:chExt cx="0" cy="0"/>
+        </a:xfrm>
+      </p:grpSpPr>
+      <p:sp>
+        <p:nvSpPr>
+          <p:cNvPr id="2" name="Title 1"/>
+          <p:cNvSpPr>
+            <a:spLocks noGrp="1"/>
+          </p:cNvSpPr>
+          <p:nvPr>
+            <p:ph type="title"/>
+          </p:nvPr>
+        </p:nvSpPr>
+        <p:spPr/>
+        <p:txBody>
+          <a:bodyPr/>
+          <a:lstStyle/>
+          <a:p>
+            <a:r>
+              <a:rPr lang="en-US" sz="4400" dirty="0" smtClean="0"/>
+              <a:t>Mutual Independence</a:t>
+            </a:r>
+            <a:endParaRPr lang="en-US" sz="4400" dirty="0"/>
+          </a:p>
+        </p:txBody>
+      </p:sp>
+      <p:sp>
+        <p:nvSpPr>
+          <p:cNvPr id="3" name="Content Placeholder 2"/>
+          <p:cNvSpPr>
+            <a:spLocks noGrp="1"/>
+          </p:cNvSpPr>
+          <p:nvPr>
+            <p:ph idx="1"/>
+          </p:nvPr>
+        </p:nvSpPr>
+        <p:spPr>
+          <a:xfrm>
+            <a:off x="754122" y="1123442"/>
+            <a:ext cx="7629405" cy="4601591"/>
+          </a:xfrm>
+        </p:spPr>
+        <p:txBody>
+          <a:bodyPr/>
+          <a:lstStyle/>
+          <a:p>
+            <a:r>
+              <a:rPr lang="en-US" sz="5400" dirty="0" smtClean="0"/>
+              <a:t>Events </a:t>
+            </a:r>
+            <a:r>
+              <a:rPr lang="en-US" sz="5400" dirty="0" smtClean="0">
+                <a:solidFill>
+                  <a:srgbClr val="0000CC"/>
+                </a:solidFill>
+              </a:rPr>
+              <a:t>A</a:t>
+            </a:r>
+            <a:r>
+              <a:rPr lang="en-US" sz="5400" baseline="-25000" dirty="0" smtClean="0">
+                <a:solidFill>
+                  <a:srgbClr val="0000CC"/>
+                </a:solidFill>
+              </a:rPr>
+              <a:t>1</a:t>
+            </a:r>
+            <a:r>
+              <a:rPr lang="en-US" sz="5400" dirty="0" smtClean="0">
+                <a:solidFill>
+                  <a:srgbClr val="0000CC"/>
+                </a:solidFill>
+              </a:rPr>
+              <a:t>, A</a:t>
+            </a:r>
+            <a:r>
+              <a:rPr lang="en-US" sz="5400" baseline="-25000" dirty="0" smtClean="0">
+                <a:solidFill>
+                  <a:srgbClr val="0000CC"/>
+                </a:solidFill>
+              </a:rPr>
+              <a:t>2</a:t>
+            </a:r>
+            <a:r>
+              <a:rPr lang="en-US" sz="5400" dirty="0" smtClean="0">
+                <a:solidFill>
+                  <a:srgbClr val="0000CC"/>
+                </a:solidFill>
+              </a:rPr>
+              <a:t>,</a:t>
+            </a:r>
+            <a:r>
+              <a:rPr lang="en-US" sz="5400" dirty="0" smtClean="0">
+                <a:solidFill>
+                  <a:srgbClr val="0000CC"/>
+                </a:solidFill>
+                <a:sym typeface="Euclid Symbol"/>
+              </a:rPr>
+              <a:t>…,</a:t>
+            </a:r>
+            <a:r>
+              <a:rPr lang="en-US" sz="5400" dirty="0" smtClean="0">
+                <a:solidFill>
+                  <a:srgbClr val="0000CC"/>
+                </a:solidFill>
+              </a:rPr>
+              <a:t>A</a:t>
+            </a:r>
+            <a:r>
+              <a:rPr lang="en-US" sz="5400" baseline="-25000" dirty="0" smtClean="0">
+                <a:solidFill>
+                  <a:srgbClr val="0000CC"/>
+                </a:solidFill>
+              </a:rPr>
+              <a:t>n</a:t>
+            </a:r>
+            <a:r>
+              <a:rPr lang="en-US" sz="5400" dirty="0" smtClean="0">
+                <a:solidFill>
+                  <a:srgbClr val="0000CC"/>
+                </a:solidFill>
+                <a:sym typeface="Euclid Symbol"/>
+              </a:rPr>
+              <a:t> </a:t>
+            </a:r>
+            <a:r>
+              <a:rPr lang="en-US" sz="5400" dirty="0" smtClean="0">
+                <a:sym typeface="Euclid Symbol"/>
+              </a:rPr>
+              <a:t>are</a:t>
+            </a:r>
+          </a:p>
+          <a:p>
+            <a:pPr algn="ctr"/>
+            <a:r>
+              <a:rPr lang="en-US" sz="4800" dirty="0" smtClean="0">
+                <a:solidFill>
+                  <a:srgbClr val="660066"/>
+                </a:solidFill>
+                <a:sym typeface="Euclid Symbol"/>
+              </a:rPr>
+              <a:t>mutually independent</a:t>
+            </a:r>
+          </a:p>
+          <a:p>
+            <a:r>
+              <a:rPr lang="en-US" sz="4800" dirty="0" smtClean="0">
+                <a:solidFill>
+                  <a:srgbClr val="000000"/>
+                </a:solidFill>
+                <a:sym typeface="Euclid Symbol"/>
+              </a:rPr>
+              <a:t>when the probability that </a:t>
+            </a:r>
+          </a:p>
+          <a:p>
+            <a:r>
+              <a:rPr lang="en-US" sz="4800" dirty="0" smtClean="0">
+                <a:solidFill>
+                  <a:srgbClr val="0000CC"/>
+                </a:solidFill>
+                <a:sym typeface="Euclid Symbol"/>
+              </a:rPr>
+              <a:t>A</a:t>
+            </a:r>
+            <a:r>
+              <a:rPr lang="en-US" sz="4800" baseline="-25000" dirty="0" smtClean="0">
+                <a:solidFill>
+                  <a:srgbClr val="0000CC"/>
+                </a:solidFill>
+                <a:sym typeface="Euclid Symbol"/>
+              </a:rPr>
+              <a:t>i </a:t>
+            </a:r>
+            <a:r>
+              <a:rPr lang="en-US" sz="4800" dirty="0" smtClean="0">
+                <a:solidFill>
+                  <a:srgbClr val="000000"/>
+                </a:solidFill>
+                <a:sym typeface="Euclid Symbol"/>
+              </a:rPr>
+              <a:t>occurs</a:t>
+            </a:r>
+            <a:endParaRPr lang="en-US" sz="4800" dirty="0" smtClean="0">
+              <a:solidFill>
+                <a:srgbClr val="0000CC"/>
+              </a:solidFill>
+              <a:sym typeface="Euclid Symbol"/>
+            </a:endParaRPr>
+          </a:p>
+        </p:txBody>
+      </p:sp>
+      <p:sp>
+        <p:nvSpPr>
+          <p:cNvPr id="4" name="Slide Number Placeholder 3"/>
+          <p:cNvSpPr>
+            <a:spLocks noGrp="1"/>
+          </p:cNvSpPr>
+          <p:nvPr>
+            <p:ph type="sldNum" sz="quarter" idx="4"/>
+          </p:nvPr>
+        </p:nvSpPr>
+        <p:spPr>
+          <a:xfrm>
+            <a:off x="7696200" y="6629400"/>
+            <a:ext cx="1447800" cy="228600"/>
+          </a:xfrm>
+        </p:spPr>
+        <p:txBody>
+          <a:bodyPr/>
+          <a:lstStyle/>
+          <a:p>
+            <a:pPr>
+              <a:defRPr/>
+            </a:pPr>
+            <a:r>
+              <a:rPr lang="en-US" dirty="0" err="1" smtClean="0"/>
+              <a:t>mutualindep</a:t>
+            </a:r>
+            <a:r>
+              <a:rPr lang="en-US" dirty="0" smtClean="0"/>
+              <a:t>.</a:t>
+            </a:r>
+            <a:fld id="{679D5B46-281B-48C5-ADB5-CFE0495CD191}" type="slidenum">
+              <a:rPr lang="en-US" smtClean="0"/>
+              <a:pPr>
+                <a:defRPr/>
+              </a:pPr>
+              <a:t>2</a:t>
+            </a:fld>
+            <a:endParaRPr lang="en-US" dirty="0"/>
+          </a:p>
+        </p:txBody>
+      </p:sp>
+      <p:sp>
+        <p:nvSpPr>
+          <p:cNvPr id="12" name="Rectangle 4"/>
+          <p:cNvSpPr txBox="1">
+            <a:spLocks noChangeArrowheads="1"/>
+          </p:cNvSpPr>
+          <p:nvPr/>
+        </p:nvSpPr>
+        <p:spPr bwMode="auto">
+          <a:xfrm>
+            <a:off x="7696200" y="6629400"/>
+            <a:ext cx="1447800" cy="228600"/>
+          </a:xfrm>
+          <a:prstGeom prst="rect">
+            <a:avLst/>
+          </a:prstGeom>
+          <a:noFill/>
+          <a:ln w="9525">
+            <a:noFill/>
+            <a:miter lim="800000"/>
+            <a:headEnd/>
+            <a:tailEnd/>
+          </a:ln>
+          <a:effectLst/>
+        </p:spPr>
+        <p:txBody>
+          <a:bodyPr vert="horz" wrap="square" lIns="91440" tIns="45720" rIns="91440" bIns="45720" numCol="1" anchor="t" anchorCtr="0" compatLnSpc="1">
+            <a:prstTxWarp prst="textNoShape">
+              <a:avLst/>
+            </a:prstTxWarp>
+          </a:bodyPr>
+          <a:lstStyle>
+            <a:lvl1pPr algn="r">
+              <a:defRPr sz="1200" dirty="0" err="1" smtClean="0">
+                <a:latin typeface="+mn-lt"/>
+              </a:defRPr>
+            </a:lvl1pPr>
+          </a:lstStyle>
+          <a:p>
+            <a:pPr marL="0" marR="0" lvl="0" indent="0" algn="r" defTabSz="914400" rtl="0" eaLnBrk="1" fontAlgn="base" latinLnBrk="0" hangingPunct="1">
+              <a:lnSpc>
+                <a:spcPct val="100000"/>
+              </a:lnSpc>
+              <a:spcBef>
+                <a:spcPct val="0"/>
+              </a:spcBef>
+              <a:spcAft>
+                <a:spcPct val="0"/>
+              </a:spcAft>
+              <a:buClrTx/>
+              <a:buSzTx/>
+              <a:buFontTx/>
+              <a:buNone/>
+              <a:tabLst/>
+              <a:defRPr/>
+            </a:pPr>
+            <a:r>
+              <a:rPr kumimoji="0" lang="en-US" sz="1200" b="0" i="0" u="none" strike="noStrike" kern="1200" cap="none" spc="0" normalizeH="0" baseline="0" noProof="0" dirty="0" err="1" smtClean="0">
+                <a:ln>
+                  <a:noFill/>
+                </a:ln>
+                <a:solidFill>
+                  <a:schemeClr val="tx1"/>
+                </a:solidFill>
+                <a:effectLst/>
+                <a:uLnTx/>
+                <a:uFillTx/>
+                <a:latin typeface="+mn-lt"/>
+                <a:ea typeface="+mn-ea"/>
+                <a:cs typeface="+mn-cs"/>
+              </a:rPr>
+              <a:t>mutualindep</a:t>
+            </a:r>
+            <a:r>
+              <a:rPr kumimoji="0" lang="en-US" sz="1200" b="0" i="0" u="none" strike="noStrike" kern="1200" cap="none" spc="0" normalizeH="0" baseline="0" noProof="0" dirty="0" smtClean="0">
+                <a:ln>
+                  <a:noFill/>
+                </a:ln>
+                <a:solidFill>
+                  <a:schemeClr val="tx1"/>
+                </a:solidFill>
+                <a:effectLst/>
+                <a:uLnTx/>
+                <a:uFillTx/>
+                <a:latin typeface="+mn-lt"/>
+                <a:ea typeface="+mn-ea"/>
+                <a:cs typeface="+mn-cs"/>
+              </a:rPr>
+              <a:t>.</a:t>
+            </a:r>
+            <a:fld id="{B9A0B45D-6AFD-413C-B761-B121FB8BE940}" type="slidenum">
+              <a:rPr kumimoji="0" lang="en-US" sz="1200" b="0" i="0" u="none" strike="noStrike" kern="1200" cap="none" spc="0" normalizeH="0" baseline="0" noProof="0" smtClean="0">
+                <a:ln>
+                  <a:noFill/>
+                </a:ln>
+                <a:solidFill>
+                  <a:schemeClr val="tx1"/>
+                </a:solidFill>
+                <a:effectLst/>
+                <a:uLnTx/>
+                <a:uFillTx/>
+                <a:latin typeface="+mn-lt"/>
+                <a:ea typeface="+mn-ea"/>
+                <a:cs typeface="+mn-cs"/>
+              </a:rPr>
+              <a:pPr marL="0" marR="0" lvl="0" indent="0" algn="r" defTabSz="914400" rtl="0" eaLnBrk="1" fontAlgn="base" latinLnBrk="0" hangingPunct="1">
+                <a:lnSpc>
+                  <a:spcPct val="100000"/>
+                </a:lnSpc>
+                <a:spcBef>
+                  <a:spcPct val="0"/>
+                </a:spcBef>
+                <a:spcAft>
+                  <a:spcPct val="0"/>
+                </a:spcAft>
+                <a:buClrTx/>
+                <a:buSzTx/>
+                <a:buFontTx/>
+                <a:buNone/>
+                <a:tabLst/>
+                <a:defRPr/>
+              </a:pPr>
+              <a:t>2</a:t>
+            </a:fld>
+            <a:endParaRPr kumimoji="0" lang="en-US" sz="1200" b="0" i="0" u="none" strike="noStrike" kern="1200" cap="none" spc="0" normalizeH="0" baseline="0" noProof="0" dirty="0">
+              <a:ln>
+                <a:noFill/>
+              </a:ln>
+              <a:solidFill>
+                <a:schemeClr val="tx1"/>
+              </a:solidFill>
+              <a:effectLst/>
+              <a:uLnTx/>
+              <a:uFillTx/>
+              <a:latin typeface="+mn-lt"/>
+              <a:ea typeface="+mn-ea"/>
+              <a:cs typeface="+mn-cs"/>
+            </a:endParaRPr>
+          </a:p>
+        </p:txBody>
+      </p:sp>
+    </p:spTree>
+    <p:extLst>
+      <p:ext uri="{BB962C8B-B14F-4D97-AF65-F5344CB8AC3E}">
+        <p14:creationId xmlns:p14="http://schemas.microsoft.com/office/powerpoint/2010/main" val="2240988629"/>
+      </p:ext>
+    </p:extLst>
+  </p:cSld>
+  <p:clrMapOvr>
+    <a:masterClrMapping/>
+  </p:clrMapOvr>
+  <p:transition xmlns:p14="http://schemas.microsoft.com/office/powerpoint/2010/main" spd="slow" advClick="0">
+    <p:fade thruBlk="1"/>
+  </p:transition>
+  <p:timing>
+    <p:tnLst>
+      <p:par>
+        <p:cTn xmlns:p14="http://schemas.microsoft.com/office/powerpoint/2010/main" id="1" dur="indefinite" restart="never" nodeType="tmRoot">
+          <p:childTnLst>
+            <p:seq concurrent="1" nextAc="seek">
+              <p:cTn id="2" dur="indefinite" nodeType="mainSeq">
+                <p:childTnLst>
+                  <p:par>
+                    <p:cTn id="3" fill="hold">
+                      <p:stCondLst>
+                        <p:cond delay="indefinite"/>
+                      </p:stCondLst>
+                      <p:childTnLst>
+                        <p:par>
+                          <p:cTn id="4" fill="hold">
+                            <p:stCondLst>
+                              <p:cond delay="0"/>
+                            </p:stCondLst>
+                            <p:childTnLst>
+                              <p:par>
+                                <p:cTn id="5" presetID="10" presetClass="entr" presetSubtype="0" fill="hold" grpId="0" nodeType="clickEffect">
+                                  <p:stCondLst>
+                                    <p:cond delay="0"/>
+                                  </p:stCondLst>
+                                  <p:childTnLst>
+                                    <p:set>
+                                      <p:cBhvr>
+                                        <p:cTn id="6" dur="1" fill="hold">
+                                          <p:stCondLst>
+                                            <p:cond delay="0"/>
+                                          </p:stCondLst>
+                                        </p:cTn>
+                                        <p:tgtEl>
+                                          <p:spTgt spid="3">
+                                            <p:txEl>
+                                              <p:pRg st="2" end="2"/>
+                                            </p:txEl>
+                                          </p:spTgt>
+                                        </p:tgtEl>
+                                        <p:attrNameLst>
+                                          <p:attrName>style.visibility</p:attrName>
+                                        </p:attrNameLst>
+                                      </p:cBhvr>
+                                      <p:to>
+                                        <p:strVal val="visible"/>
+                                      </p:to>
+                                    </p:set>
+                                    <p:animEffect transition="in" filter="fade">
+                                      <p:cBhvr>
+                                        <p:cTn id="7" dur="500"/>
+                                        <p:tgtEl>
+                                          <p:spTgt spid="3">
+                                            <p:txEl>
+                                              <p:pRg st="2" end="2"/>
+                                            </p:txEl>
+                                          </p:spTgt>
+                                        </p:tgtEl>
+                                      </p:cBhvr>
+                                    </p:animEffect>
+                                  </p:childTnLst>
+                                </p:cTn>
+                              </p:par>
+                              <p:par>
+                                <p:cTn id="8" presetID="10" presetClass="entr" presetSubtype="0" fill="hold" grpId="0" nodeType="withEffect">
+                                  <p:stCondLst>
+                                    <p:cond delay="0"/>
+                                  </p:stCondLst>
+                                  <p:childTnLst>
+                                    <p:set>
+                                      <p:cBhvr>
+                                        <p:cTn id="9" dur="1" fill="hold">
+                                          <p:stCondLst>
+                                            <p:cond delay="0"/>
+                                          </p:stCondLst>
+                                        </p:cTn>
+                                        <p:tgtEl>
+                                          <p:spTgt spid="3">
+                                            <p:txEl>
+                                              <p:pRg st="3" end="3"/>
+                                            </p:txEl>
+                                          </p:spTgt>
+                                        </p:tgtEl>
+                                        <p:attrNameLst>
+                                          <p:attrName>style.visibility</p:attrName>
+                                        </p:attrNameLst>
+                                      </p:cBhvr>
+                                      <p:to>
+                                        <p:strVal val="visible"/>
+                                      </p:to>
+                                    </p:set>
+                                    <p:animEffect transition="in" filter="fade">
+                                      <p:cBhvr>
+                                        <p:cTn id="10" dur="500"/>
+                                        <p:tgtEl>
+                                          <p:spTgt spid="3">
+                                            <p:txEl>
+                                              <p:pRg st="3" end="3"/>
+                                            </p:txEl>
+                                          </p:spTgt>
+                                        </p:tgtEl>
+                                      </p:cBhvr>
+                                    </p:animEffect>
+                                  </p:childTnLst>
+                                </p:cTn>
+                              </p:par>
+                            </p:childTnLst>
+                          </p:cTn>
+                        </p:par>
+                      </p:childTnLst>
+                    </p:cTn>
+                  </p:par>
+                </p:childTnLst>
+              </p:cTn>
+              <p:prevCondLst>
+                <p:cond evt="onPrev" delay="0">
+                  <p:tgtEl>
+                    <p:sldTgt/>
+                  </p:tgtEl>
+                </p:cond>
+              </p:prevCondLst>
+              <p:nextCondLst>
+                <p:cond evt="onNext" delay="0">
+                  <p:tgtEl>
+                    <p:sldTgt/>
+                  </p:tgtEl>
+                </p:cond>
+              </p:nextCondLst>
+            </p:seq>
+          </p:childTnLst>
+        </p:cTn>
+      </p:par>
+    </p:tnLst>
+    <p:bldLst>
+      <p:bldP spid="3" grpId="0" build="p"/>
+    </p:bldLst>
+  </p:timing>
+</p:sld>
+</file>
+
+<file path=ppt/slides/slide20.xml><?xml version="1.0" encoding="utf-8"?>
 <p:sld xmlns:a="http://schemas.openxmlformats.org/drawingml/2006/main" xmlns:r="http://schemas.openxmlformats.org/officeDocument/2006/relationships" xmlns:p="http://schemas.openxmlformats.org/presentationml/2006/main" show="0">
   <p:cSld>
     <p:spTree>
@@ -11814,7 +11318,7 @@
               <a:pPr>
                 <a:defRPr/>
               </a:pPr>
-              <a:t>21</a:t>
+              <a:t>20</a:t>
             </a:fld>
             <a:endParaRPr lang="en-US" dirty="0"/>
           </a:p>
@@ -11842,7 +11346,7 @@
           <a:graphicData uri="http://schemas.openxmlformats.org/presentationml/2006/ole">
             <mc:AlternateContent xmlns:mc="http://schemas.openxmlformats.org/markup-compatibility/2006">
               <mc:Choice xmlns:v="urn:schemas-microsoft-com:vml" Requires="v">
-                <p:oleObj spid="_x0000_s329798" name="Equation" r:id="rId4" imgW="1701800" imgH="635000" progId="Equation.DSMT4">
+                <p:oleObj spid="_x0000_s329806" name="Equation" r:id="rId4" imgW="1701800" imgH="635000" progId="Equation.DSMT4">
                   <p:embed/>
                 </p:oleObj>
               </mc:Choice>
@@ -11954,7 +11458,7 @@
             <a:graphicData uri="http://schemas.openxmlformats.org/presentationml/2006/ole">
               <mc:AlternateContent xmlns:mc="http://schemas.openxmlformats.org/markup-compatibility/2006">
                 <mc:Choice xmlns:v="urn:schemas-microsoft-com:vml" Requires="v">
-                  <p:oleObj spid="_x0000_s329799" name="Equation" r:id="rId6" imgW="215900" imgH="368300" progId="Equation.DSMT4">
+                  <p:oleObj spid="_x0000_s329807" name="Equation" r:id="rId6" imgW="215900" imgH="368300" progId="Equation.DSMT4">
                     <p:embed/>
                   </p:oleObj>
                 </mc:Choice>
@@ -12277,7 +11781,7 @@
                 <a:tabLst/>
                 <a:defRPr/>
               </a:pPr>
-              <a:t>21</a:t>
+              <a:t>20</a:t>
             </a:fld>
             <a:endParaRPr kumimoji="0" lang="en-US" sz="1200" b="0" i="0" u="none" strike="noStrike" kern="1200" cap="none" spc="0" normalizeH="0" baseline="0" noProof="0" dirty="0">
               <a:ln>
@@ -12618,6 +12122,182 @@
       </p:sp>
       <p:sp>
         <p:nvSpPr>
+          <p:cNvPr id="3" name="Content Placeholder 2"/>
+          <p:cNvSpPr>
+            <a:spLocks noGrp="1"/>
+          </p:cNvSpPr>
+          <p:nvPr>
+            <p:ph idx="1"/>
+          </p:nvPr>
+        </p:nvSpPr>
+        <p:spPr>
+          <a:xfrm>
+            <a:off x="754122" y="1123442"/>
+            <a:ext cx="7629405" cy="4601591"/>
+          </a:xfrm>
+        </p:spPr>
+        <p:txBody>
+          <a:bodyPr/>
+          <a:lstStyle/>
+          <a:p>
+            <a:r>
+              <a:rPr lang="en-US" sz="5400" dirty="0" smtClean="0"/>
+              <a:t>Events </a:t>
+            </a:r>
+            <a:r>
+              <a:rPr lang="en-US" sz="5400" dirty="0" smtClean="0">
+                <a:solidFill>
+                  <a:srgbClr val="0000CC"/>
+                </a:solidFill>
+              </a:rPr>
+              <a:t>A</a:t>
+            </a:r>
+            <a:r>
+              <a:rPr lang="en-US" sz="5400" baseline="-25000" dirty="0" smtClean="0">
+                <a:solidFill>
+                  <a:srgbClr val="0000CC"/>
+                </a:solidFill>
+              </a:rPr>
+              <a:t>1</a:t>
+            </a:r>
+            <a:r>
+              <a:rPr lang="en-US" sz="5400" dirty="0" smtClean="0">
+                <a:solidFill>
+                  <a:srgbClr val="0000CC"/>
+                </a:solidFill>
+              </a:rPr>
+              <a:t>, A</a:t>
+            </a:r>
+            <a:r>
+              <a:rPr lang="en-US" sz="5400" baseline="-25000" dirty="0" smtClean="0">
+                <a:solidFill>
+                  <a:srgbClr val="0000CC"/>
+                </a:solidFill>
+              </a:rPr>
+              <a:t>2</a:t>
+            </a:r>
+            <a:r>
+              <a:rPr lang="en-US" sz="5400" dirty="0" smtClean="0">
+                <a:solidFill>
+                  <a:srgbClr val="0000CC"/>
+                </a:solidFill>
+              </a:rPr>
+              <a:t>,</a:t>
+            </a:r>
+            <a:r>
+              <a:rPr lang="en-US" sz="5400" dirty="0" smtClean="0">
+                <a:solidFill>
+                  <a:srgbClr val="0000CC"/>
+                </a:solidFill>
+                <a:sym typeface="Euclid Symbol"/>
+              </a:rPr>
+              <a:t>…,</a:t>
+            </a:r>
+            <a:r>
+              <a:rPr lang="en-US" sz="5400" dirty="0" smtClean="0">
+                <a:solidFill>
+                  <a:srgbClr val="0000CC"/>
+                </a:solidFill>
+              </a:rPr>
+              <a:t>A</a:t>
+            </a:r>
+            <a:r>
+              <a:rPr lang="en-US" sz="5400" baseline="-25000" dirty="0" smtClean="0">
+                <a:solidFill>
+                  <a:srgbClr val="0000CC"/>
+                </a:solidFill>
+              </a:rPr>
+              <a:t>n</a:t>
+            </a:r>
+            <a:r>
+              <a:rPr lang="en-US" sz="5400" dirty="0" smtClean="0">
+                <a:solidFill>
+                  <a:srgbClr val="0000CC"/>
+                </a:solidFill>
+                <a:sym typeface="Euclid Symbol"/>
+              </a:rPr>
+              <a:t> </a:t>
+            </a:r>
+            <a:r>
+              <a:rPr lang="en-US" sz="5400" dirty="0" smtClean="0">
+                <a:sym typeface="Euclid Symbol"/>
+              </a:rPr>
+              <a:t>are</a:t>
+            </a:r>
+          </a:p>
+          <a:p>
+            <a:pPr algn="ctr"/>
+            <a:r>
+              <a:rPr lang="en-US" sz="4800" dirty="0" smtClean="0">
+                <a:solidFill>
+                  <a:srgbClr val="660066"/>
+                </a:solidFill>
+                <a:sym typeface="Euclid Symbol"/>
+              </a:rPr>
+              <a:t>mutually independent</a:t>
+            </a:r>
+          </a:p>
+          <a:p>
+            <a:r>
+              <a:rPr lang="en-US" sz="4800" dirty="0" smtClean="0">
+                <a:solidFill>
+                  <a:srgbClr val="000000"/>
+                </a:solidFill>
+                <a:sym typeface="Euclid Symbol"/>
+              </a:rPr>
+              <a:t>when the probability that </a:t>
+            </a:r>
+          </a:p>
+          <a:p>
+            <a:r>
+              <a:rPr lang="en-US" sz="4800" dirty="0" smtClean="0">
+                <a:solidFill>
+                  <a:srgbClr val="0000CC"/>
+                </a:solidFill>
+                <a:sym typeface="Euclid Symbol"/>
+              </a:rPr>
+              <a:t>A</a:t>
+            </a:r>
+            <a:r>
+              <a:rPr lang="en-US" sz="4800" baseline="-25000" dirty="0" smtClean="0">
+                <a:solidFill>
+                  <a:srgbClr val="0000CC"/>
+                </a:solidFill>
+                <a:sym typeface="Euclid Symbol"/>
+              </a:rPr>
+              <a:t>i </a:t>
+            </a:r>
+            <a:r>
+              <a:rPr lang="en-US" sz="4800" dirty="0" smtClean="0">
+                <a:solidFill>
+                  <a:srgbClr val="000000"/>
+                </a:solidFill>
+                <a:sym typeface="Euclid Symbol"/>
+              </a:rPr>
+              <a:t>occurs is unchanged by </a:t>
+            </a:r>
+          </a:p>
+          <a:p>
+            <a:r>
+              <a:rPr lang="en-US" sz="4800" dirty="0" smtClean="0">
+                <a:solidFill>
+                  <a:srgbClr val="000000"/>
+                </a:solidFill>
+                <a:sym typeface="Euclid Symbol"/>
+              </a:rPr>
+              <a:t>which other ones occur.</a:t>
+            </a:r>
+            <a:endParaRPr lang="en-US" sz="4800" dirty="0" smtClean="0">
+              <a:solidFill>
+                <a:srgbClr val="0000CC"/>
+              </a:solidFill>
+              <a:sym typeface="Euclid Symbol"/>
+            </a:endParaRPr>
+          </a:p>
+        </p:txBody>
+      </p:sp>
+      <p:sp>
+        <p:nvSpPr>
           <p:cNvPr id="4" name="Slide Number Placeholder 3"/>
           <p:cNvSpPr>
             <a:spLocks noGrp="1"/>
@@ -12799,6 +12479,1248 @@
           </a:p>
         </p:txBody>
       </p:sp>
+    </p:spTree>
+    <p:extLst>
+      <p:ext uri="{BB962C8B-B14F-4D97-AF65-F5344CB8AC3E}">
+        <p14:creationId xmlns:p14="http://schemas.microsoft.com/office/powerpoint/2010/main" val="1334876997"/>
+      </p:ext>
+    </p:extLst>
+  </p:cSld>
+  <p:clrMapOvr>
+    <a:masterClrMapping/>
+  </p:clrMapOvr>
+  <mc:AlternateContent xmlns:mc="http://schemas.openxmlformats.org/markup-compatibility/2006" xmlns:p14="http://schemas.microsoft.com/office/powerpoint/2010/main">
+    <mc:Choice Requires="p14">
+      <p:transition spd="med" p14:dur="600" advClick="0">
+        <p:fade/>
+      </p:transition>
+    </mc:Choice>
+    <mc:Fallback xmlns="">
+      <p:transition xmlns:p14="http://schemas.microsoft.com/office/powerpoint/2010/main" spd="med" advClick="0">
+        <p:fade/>
+      </p:transition>
+    </mc:Fallback>
+  </mc:AlternateContent>
+  <p:timing>
+    <p:tnLst>
+      <p:par>
+        <p:cTn xmlns:p14="http://schemas.microsoft.com/office/powerpoint/2010/main" id="1" dur="indefinite" restart="never" nodeType="tmRoot"/>
+      </p:par>
+    </p:tnLst>
+  </p:timing>
+</p:sld>
+</file>
+
+<file path=ppt/slides/slide4.xml><?xml version="1.0" encoding="utf-8"?>
+<p:sld xmlns:a="http://schemas.openxmlformats.org/drawingml/2006/main" xmlns:r="http://schemas.openxmlformats.org/officeDocument/2006/relationships" xmlns:p="http://schemas.openxmlformats.org/presentationml/2006/main">
+  <p:cSld>
+    <p:spTree>
+      <p:nvGrpSpPr>
+        <p:cNvPr id="1" name=""/>
+        <p:cNvGrpSpPr/>
+        <p:nvPr/>
+      </p:nvGrpSpPr>
+      <p:grpSpPr>
+        <a:xfrm>
+          <a:off x="0" y="0"/>
+          <a:ext cx="0" cy="0"/>
+          <a:chOff x="0" y="0"/>
+          <a:chExt cx="0" cy="0"/>
+        </a:xfrm>
+      </p:grpSpPr>
+      <p:sp>
+        <p:nvSpPr>
+          <p:cNvPr id="2" name="Title 1"/>
+          <p:cNvSpPr>
+            <a:spLocks noGrp="1"/>
+          </p:cNvSpPr>
+          <p:nvPr>
+            <p:ph type="title"/>
+          </p:nvPr>
+        </p:nvSpPr>
+        <p:spPr/>
+        <p:txBody>
+          <a:bodyPr/>
+          <a:lstStyle/>
+          <a:p>
+            <a:r>
+              <a:rPr lang="en-US" sz="4400" dirty="0" smtClean="0"/>
+              <a:t>Mutual Independence</a:t>
+            </a:r>
+            <a:endParaRPr lang="en-US" sz="4400" dirty="0"/>
+          </a:p>
+        </p:txBody>
+      </p:sp>
+      <p:sp>
+        <p:nvSpPr>
+          <p:cNvPr id="3" name="Content Placeholder 2"/>
+          <p:cNvSpPr>
+            <a:spLocks noGrp="1"/>
+          </p:cNvSpPr>
+          <p:nvPr>
+            <p:ph idx="1"/>
+          </p:nvPr>
+        </p:nvSpPr>
+        <p:spPr>
+          <a:xfrm>
+            <a:off x="429031" y="1086950"/>
+            <a:ext cx="8428420" cy="5253584"/>
+          </a:xfrm>
+        </p:spPr>
+        <p:txBody>
+          <a:bodyPr/>
+          <a:lstStyle/>
+          <a:p>
+            <a:r>
+              <a:rPr lang="en-US" sz="5400" dirty="0" smtClean="0"/>
+              <a:t>Events </a:t>
+            </a:r>
+            <a:r>
+              <a:rPr lang="en-US" sz="5400" dirty="0" smtClean="0">
+                <a:solidFill>
+                  <a:srgbClr val="0000CC"/>
+                </a:solidFill>
+              </a:rPr>
+              <a:t>A</a:t>
+            </a:r>
+            <a:r>
+              <a:rPr lang="en-US" sz="5400" baseline="-25000" dirty="0" smtClean="0">
+                <a:solidFill>
+                  <a:srgbClr val="0000CC"/>
+                </a:solidFill>
+              </a:rPr>
+              <a:t>1</a:t>
+            </a:r>
+            <a:r>
+              <a:rPr lang="en-US" sz="5400" dirty="0" smtClean="0">
+                <a:solidFill>
+                  <a:srgbClr val="0000CC"/>
+                </a:solidFill>
+              </a:rPr>
+              <a:t>, A</a:t>
+            </a:r>
+            <a:r>
+              <a:rPr lang="en-US" sz="5400" baseline="-25000" dirty="0" smtClean="0">
+                <a:solidFill>
+                  <a:srgbClr val="0000CC"/>
+                </a:solidFill>
+              </a:rPr>
+              <a:t>2</a:t>
+            </a:r>
+            <a:r>
+              <a:rPr lang="en-US" sz="5400" dirty="0" smtClean="0">
+                <a:solidFill>
+                  <a:srgbClr val="0000CC"/>
+                </a:solidFill>
+              </a:rPr>
+              <a:t>,</a:t>
+            </a:r>
+            <a:r>
+              <a:rPr lang="en-US" sz="5400" dirty="0" smtClean="0">
+                <a:solidFill>
+                  <a:srgbClr val="0000CC"/>
+                </a:solidFill>
+                <a:sym typeface="Euclid Symbol"/>
+              </a:rPr>
+              <a:t>…,</a:t>
+            </a:r>
+            <a:r>
+              <a:rPr lang="en-US" sz="5400" dirty="0" smtClean="0">
+                <a:solidFill>
+                  <a:srgbClr val="0000CC"/>
+                </a:solidFill>
+              </a:rPr>
+              <a:t>A</a:t>
+            </a:r>
+            <a:r>
+              <a:rPr lang="en-US" sz="5400" baseline="-25000" dirty="0" smtClean="0">
+                <a:solidFill>
+                  <a:srgbClr val="0000CC"/>
+                </a:solidFill>
+              </a:rPr>
+              <a:t>n</a:t>
+            </a:r>
+            <a:r>
+              <a:rPr lang="en-US" sz="5400" dirty="0" smtClean="0">
+                <a:solidFill>
+                  <a:srgbClr val="0000CC"/>
+                </a:solidFill>
+                <a:sym typeface="Euclid Symbol"/>
+              </a:rPr>
+              <a:t> </a:t>
+            </a:r>
+            <a:r>
+              <a:rPr lang="en-US" sz="5400" dirty="0" smtClean="0">
+                <a:sym typeface="Euclid Symbol"/>
+              </a:rPr>
+              <a:t>are</a:t>
+            </a:r>
+          </a:p>
+          <a:p>
+            <a:pPr algn="ctr"/>
+            <a:r>
+              <a:rPr lang="en-US" sz="4800" dirty="0" smtClean="0">
+                <a:solidFill>
+                  <a:srgbClr val="660066"/>
+                </a:solidFill>
+                <a:sym typeface="Euclid Symbol"/>
+              </a:rPr>
+              <a:t>mutually independent</a:t>
+            </a:r>
+          </a:p>
+          <a:p>
+            <a:r>
+              <a:rPr lang="en-US" sz="4800" dirty="0" smtClean="0">
+                <a:solidFill>
+                  <a:srgbClr val="000000"/>
+                </a:solidFill>
+                <a:sym typeface="Euclid Symbol"/>
+              </a:rPr>
+              <a:t>when</a:t>
+            </a:r>
+          </a:p>
+          <a:p>
+            <a:r>
+              <a:rPr lang="en-US" sz="4800" dirty="0" smtClean="0">
+                <a:solidFill>
+                  <a:srgbClr val="0000CC"/>
+                </a:solidFill>
+                <a:sym typeface="Euclid Symbol"/>
+              </a:rPr>
+              <a:t>                        </a:t>
+            </a:r>
+          </a:p>
+        </p:txBody>
+      </p:sp>
+      <p:sp>
+        <p:nvSpPr>
+          <p:cNvPr id="4" name="Slide Number Placeholder 3"/>
+          <p:cNvSpPr>
+            <a:spLocks noGrp="1"/>
+          </p:cNvSpPr>
+          <p:nvPr>
+            <p:ph type="sldNum" sz="quarter" idx="4"/>
+          </p:nvPr>
+        </p:nvSpPr>
+        <p:spPr>
+          <a:xfrm>
+            <a:off x="7696200" y="6629400"/>
+            <a:ext cx="1447800" cy="228600"/>
+          </a:xfrm>
+        </p:spPr>
+        <p:txBody>
+          <a:bodyPr/>
+          <a:lstStyle/>
+          <a:p>
+            <a:pPr>
+              <a:defRPr/>
+            </a:pPr>
+            <a:r>
+              <a:rPr lang="en-US" dirty="0" err="1" smtClean="0"/>
+              <a:t>mutualindep</a:t>
+            </a:r>
+            <a:r>
+              <a:rPr lang="en-US" dirty="0" smtClean="0"/>
+              <a:t>.</a:t>
+            </a:r>
+            <a:fld id="{679D5B46-281B-48C5-ADB5-CFE0495CD191}" type="slidenum">
+              <a:rPr lang="en-US" smtClean="0"/>
+              <a:pPr>
+                <a:defRPr/>
+              </a:pPr>
+              <a:t>4</a:t>
+            </a:fld>
+            <a:endParaRPr lang="en-US" dirty="0"/>
+          </a:p>
+        </p:txBody>
+      </p:sp>
+      <p:sp>
+        <p:nvSpPr>
+          <p:cNvPr id="12" name="Rectangle 4"/>
+          <p:cNvSpPr txBox="1">
+            <a:spLocks noChangeArrowheads="1"/>
+          </p:cNvSpPr>
+          <p:nvPr/>
+        </p:nvSpPr>
+        <p:spPr bwMode="auto">
+          <a:xfrm>
+            <a:off x="7696200" y="6629400"/>
+            <a:ext cx="1447800" cy="228600"/>
+          </a:xfrm>
+          <a:prstGeom prst="rect">
+            <a:avLst/>
+          </a:prstGeom>
+          <a:noFill/>
+          <a:ln w="9525">
+            <a:noFill/>
+            <a:miter lim="800000"/>
+            <a:headEnd/>
+            <a:tailEnd/>
+          </a:ln>
+          <a:effectLst/>
+        </p:spPr>
+        <p:txBody>
+          <a:bodyPr vert="horz" wrap="square" lIns="91440" tIns="45720" rIns="91440" bIns="45720" numCol="1" anchor="t" anchorCtr="0" compatLnSpc="1">
+            <a:prstTxWarp prst="textNoShape">
+              <a:avLst/>
+            </a:prstTxWarp>
+          </a:bodyPr>
+          <a:lstStyle>
+            <a:lvl1pPr algn="r">
+              <a:defRPr sz="1200" dirty="0" err="1" smtClean="0">
+                <a:latin typeface="+mn-lt"/>
+              </a:defRPr>
+            </a:lvl1pPr>
+          </a:lstStyle>
+          <a:p>
+            <a:pPr marL="0" marR="0" lvl="0" indent="0" algn="r" defTabSz="914400" rtl="0" eaLnBrk="1" fontAlgn="base" latinLnBrk="0" hangingPunct="1">
+              <a:lnSpc>
+                <a:spcPct val="100000"/>
+              </a:lnSpc>
+              <a:spcBef>
+                <a:spcPct val="0"/>
+              </a:spcBef>
+              <a:spcAft>
+                <a:spcPct val="0"/>
+              </a:spcAft>
+              <a:buClrTx/>
+              <a:buSzTx/>
+              <a:buFontTx/>
+              <a:buNone/>
+              <a:tabLst/>
+              <a:defRPr/>
+            </a:pPr>
+            <a:r>
+              <a:rPr kumimoji="0" lang="en-US" sz="1200" b="0" i="0" u="none" strike="noStrike" kern="1200" cap="none" spc="0" normalizeH="0" baseline="0" noProof="0" dirty="0" err="1" smtClean="0">
+                <a:ln>
+                  <a:noFill/>
+                </a:ln>
+                <a:solidFill>
+                  <a:schemeClr val="tx1"/>
+                </a:solidFill>
+                <a:effectLst/>
+                <a:uLnTx/>
+                <a:uFillTx/>
+                <a:latin typeface="+mn-lt"/>
+                <a:ea typeface="+mn-ea"/>
+                <a:cs typeface="+mn-cs"/>
+              </a:rPr>
+              <a:t>mutualindep</a:t>
+            </a:r>
+            <a:r>
+              <a:rPr kumimoji="0" lang="en-US" sz="1200" b="0" i="0" u="none" strike="noStrike" kern="1200" cap="none" spc="0" normalizeH="0" baseline="0" noProof="0" dirty="0" smtClean="0">
+                <a:ln>
+                  <a:noFill/>
+                </a:ln>
+                <a:solidFill>
+                  <a:schemeClr val="tx1"/>
+                </a:solidFill>
+                <a:effectLst/>
+                <a:uLnTx/>
+                <a:uFillTx/>
+                <a:latin typeface="+mn-lt"/>
+                <a:ea typeface="+mn-ea"/>
+                <a:cs typeface="+mn-cs"/>
+              </a:rPr>
+              <a:t>.</a:t>
+            </a:r>
+            <a:fld id="{B9A0B45D-6AFD-413C-B761-B121FB8BE940}" type="slidenum">
+              <a:rPr kumimoji="0" lang="en-US" sz="1200" b="0" i="0" u="none" strike="noStrike" kern="1200" cap="none" spc="0" normalizeH="0" baseline="0" noProof="0" smtClean="0">
+                <a:ln>
+                  <a:noFill/>
+                </a:ln>
+                <a:solidFill>
+                  <a:schemeClr val="tx1"/>
+                </a:solidFill>
+                <a:effectLst/>
+                <a:uLnTx/>
+                <a:uFillTx/>
+                <a:latin typeface="+mn-lt"/>
+                <a:ea typeface="+mn-ea"/>
+                <a:cs typeface="+mn-cs"/>
+              </a:rPr>
+              <a:pPr marL="0" marR="0" lvl="0" indent="0" algn="r" defTabSz="914400" rtl="0" eaLnBrk="1" fontAlgn="base" latinLnBrk="0" hangingPunct="1">
+                <a:lnSpc>
+                  <a:spcPct val="100000"/>
+                </a:lnSpc>
+                <a:spcBef>
+                  <a:spcPct val="0"/>
+                </a:spcBef>
+                <a:spcAft>
+                  <a:spcPct val="0"/>
+                </a:spcAft>
+                <a:buClrTx/>
+                <a:buSzTx/>
+                <a:buFontTx/>
+                <a:buNone/>
+                <a:tabLst/>
+                <a:defRPr/>
+              </a:pPr>
+              <a:t>4</a:t>
+            </a:fld>
+            <a:endParaRPr kumimoji="0" lang="en-US" sz="1200" b="0" i="0" u="none" strike="noStrike" kern="1200" cap="none" spc="0" normalizeH="0" baseline="0" noProof="0" dirty="0">
+              <a:ln>
+                <a:noFill/>
+              </a:ln>
+              <a:solidFill>
+                <a:schemeClr val="tx1"/>
+              </a:solidFill>
+              <a:effectLst/>
+              <a:uLnTx/>
+              <a:uFillTx/>
+              <a:latin typeface="+mn-lt"/>
+              <a:ea typeface="+mn-ea"/>
+              <a:cs typeface="+mn-cs"/>
+            </a:endParaRPr>
+          </a:p>
+        </p:txBody>
+      </p:sp>
+      <p:graphicFrame>
+        <p:nvGraphicFramePr>
+          <p:cNvPr id="5" name="Object 4"/>
+          <p:cNvGraphicFramePr>
+            <a:graphicFrameLocks noChangeAspect="1"/>
+          </p:cNvGraphicFramePr>
+          <p:nvPr>
+            <p:extLst>
+              <p:ext uri="{D42A27DB-BD31-4B8C-83A1-F6EECF244321}">
+                <p14:modId xmlns:p14="http://schemas.microsoft.com/office/powerpoint/2010/main" val="3579947262"/>
+              </p:ext>
+            </p:extLst>
+          </p:nvPr>
+        </p:nvGraphicFramePr>
+        <p:xfrm>
+          <a:off x="243601" y="3725070"/>
+          <a:ext cx="8439650" cy="2766205"/>
+        </p:xfrm>
+        <a:graphic>
+          <a:graphicData uri="http://schemas.openxmlformats.org/presentationml/2006/ole">
+            <mc:AlternateContent xmlns:mc="http://schemas.openxmlformats.org/markup-compatibility/2006">
+              <mc:Choice xmlns:v="urn:schemas-microsoft-com:vml" Requires="v">
+                <p:oleObj spid="_x0000_s350224" name="Equation" r:id="rId4" imgW="2400300" imgH="787400" progId="Equation.DSMT4">
+                  <p:embed/>
+                </p:oleObj>
+              </mc:Choice>
+              <mc:Fallback>
+                <p:oleObj name="Equation" r:id="rId4" imgW="2400300" imgH="787400" progId="Equation.DSMT4">
+                  <p:embed/>
+                  <p:pic>
+                    <p:nvPicPr>
+                      <p:cNvPr id="0" name=""/>
+                      <p:cNvPicPr/>
+                      <p:nvPr/>
+                    </p:nvPicPr>
+                    <p:blipFill>
+                      <a:blip r:embed="rId5"/>
+                      <a:stretch>
+                        <a:fillRect/>
+                      </a:stretch>
+                    </p:blipFill>
+                    <p:spPr>
+                      <a:xfrm>
+                        <a:off x="243601" y="3725070"/>
+                        <a:ext cx="8439650" cy="2766205"/>
+                      </a:xfrm>
+                      <a:prstGeom prst="rect">
+                        <a:avLst/>
+                      </a:prstGeom>
+                    </p:spPr>
+                  </p:pic>
+                </p:oleObj>
+              </mc:Fallback>
+            </mc:AlternateContent>
+          </a:graphicData>
+        </a:graphic>
+      </p:graphicFrame>
+    </p:spTree>
+    <p:extLst>
+      <p:ext uri="{BB962C8B-B14F-4D97-AF65-F5344CB8AC3E}">
+        <p14:creationId xmlns:p14="http://schemas.microsoft.com/office/powerpoint/2010/main" val="3758118037"/>
+      </p:ext>
+    </p:extLst>
+  </p:cSld>
+  <p:clrMapOvr>
+    <a:masterClrMapping/>
+  </p:clrMapOvr>
+  <mc:AlternateContent xmlns:mc="http://schemas.openxmlformats.org/markup-compatibility/2006" xmlns:p14="http://schemas.microsoft.com/office/powerpoint/2010/main">
+    <mc:Choice Requires="p14">
+      <p:transition spd="slow" p14:dur="800" advClick="0">
+        <p:fade thruBlk="1"/>
+      </p:transition>
+    </mc:Choice>
+    <mc:Fallback xmlns="">
+      <p:transition xmlns:p14="http://schemas.microsoft.com/office/powerpoint/2010/main" spd="slow" advClick="0">
+        <p:fade thruBlk="1"/>
+      </p:transition>
+    </mc:Fallback>
+  </mc:AlternateContent>
+  <p:timing>
+    <p:tnLst>
+      <p:par>
+        <p:cTn xmlns:p14="http://schemas.microsoft.com/office/powerpoint/2010/main" id="1" dur="indefinite" restart="never" nodeType="tmRoot">
+          <p:childTnLst>
+            <p:seq concurrent="1" nextAc="seek">
+              <p:cTn id="2" dur="indefinite" nodeType="mainSeq">
+                <p:childTnLst>
+                  <p:par>
+                    <p:cTn id="3" fill="hold">
+                      <p:stCondLst>
+                        <p:cond delay="indefinite"/>
+                      </p:stCondLst>
+                      <p:childTnLst>
+                        <p:par>
+                          <p:cTn id="4" fill="hold">
+                            <p:stCondLst>
+                              <p:cond delay="0"/>
+                            </p:stCondLst>
+                            <p:childTnLst>
+                              <p:par>
+                                <p:cTn id="5" presetID="22" presetClass="entr" presetSubtype="8" fill="hold" nodeType="clickEffect">
+                                  <p:stCondLst>
+                                    <p:cond delay="0"/>
+                                  </p:stCondLst>
+                                  <p:childTnLst>
+                                    <p:set>
+                                      <p:cBhvr>
+                                        <p:cTn id="6" dur="1" fill="hold">
+                                          <p:stCondLst>
+                                            <p:cond delay="0"/>
+                                          </p:stCondLst>
+                                        </p:cTn>
+                                        <p:tgtEl>
+                                          <p:spTgt spid="5"/>
+                                        </p:tgtEl>
+                                        <p:attrNameLst>
+                                          <p:attrName>style.visibility</p:attrName>
+                                        </p:attrNameLst>
+                                      </p:cBhvr>
+                                      <p:to>
+                                        <p:strVal val="visible"/>
+                                      </p:to>
+                                    </p:set>
+                                    <p:animEffect transition="in" filter="wipe(left)">
+                                      <p:cBhvr>
+                                        <p:cTn id="7" dur="2000"/>
+                                        <p:tgtEl>
+                                          <p:spTgt spid="5"/>
+                                        </p:tgtEl>
+                                      </p:cBhvr>
+                                    </p:animEffect>
+                                  </p:childTnLst>
+                                </p:cTn>
+                              </p:par>
+                            </p:childTnLst>
+                          </p:cTn>
+                        </p:par>
+                      </p:childTnLst>
+                    </p:cTn>
+                  </p:par>
+                </p:childTnLst>
+              </p:cTn>
+              <p:prevCondLst>
+                <p:cond evt="onPrev" delay="0">
+                  <p:tgtEl>
+                    <p:sldTgt/>
+                  </p:tgtEl>
+                </p:cond>
+              </p:prevCondLst>
+              <p:nextCondLst>
+                <p:cond evt="onNext" delay="0">
+                  <p:tgtEl>
+                    <p:sldTgt/>
+                  </p:tgtEl>
+                </p:cond>
+              </p:nextCondLst>
+            </p:seq>
+          </p:childTnLst>
+        </p:cTn>
+      </p:par>
+    </p:tnLst>
+  </p:timing>
+</p:sld>
+</file>
+
+<file path=ppt/slides/slide5.xml><?xml version="1.0" encoding="utf-8"?>
+<p:sld xmlns:a="http://schemas.openxmlformats.org/drawingml/2006/main" xmlns:r="http://schemas.openxmlformats.org/officeDocument/2006/relationships" xmlns:p="http://schemas.openxmlformats.org/presentationml/2006/main">
+  <p:cSld>
+    <p:spTree>
+      <p:nvGrpSpPr>
+        <p:cNvPr id="1" name=""/>
+        <p:cNvGrpSpPr/>
+        <p:nvPr/>
+      </p:nvGrpSpPr>
+      <p:grpSpPr>
+        <a:xfrm>
+          <a:off x="0" y="0"/>
+          <a:ext cx="0" cy="0"/>
+          <a:chOff x="0" y="0"/>
+          <a:chExt cx="0" cy="0"/>
+        </a:xfrm>
+      </p:grpSpPr>
+      <p:sp>
+        <p:nvSpPr>
+          <p:cNvPr id="2" name="Title 1"/>
+          <p:cNvSpPr>
+            <a:spLocks noGrp="1"/>
+          </p:cNvSpPr>
+          <p:nvPr>
+            <p:ph type="title"/>
+          </p:nvPr>
+        </p:nvSpPr>
+        <p:spPr/>
+        <p:txBody>
+          <a:bodyPr/>
+          <a:lstStyle/>
+          <a:p>
+            <a:r>
+              <a:rPr lang="en-US" sz="4400" dirty="0" smtClean="0"/>
+              <a:t>Mutual Independence</a:t>
+            </a:r>
+            <a:endParaRPr lang="en-US" sz="4400" dirty="0"/>
+          </a:p>
+        </p:txBody>
+      </p:sp>
+      <p:sp>
+        <p:nvSpPr>
+          <p:cNvPr id="3" name="Content Placeholder 2"/>
+          <p:cNvSpPr>
+            <a:spLocks noGrp="1"/>
+          </p:cNvSpPr>
+          <p:nvPr>
+            <p:ph idx="1"/>
+          </p:nvPr>
+        </p:nvSpPr>
+        <p:spPr>
+          <a:xfrm>
+            <a:off x="429031" y="1086950"/>
+            <a:ext cx="8428420" cy="5253584"/>
+          </a:xfrm>
+        </p:spPr>
+        <p:txBody>
+          <a:bodyPr/>
+          <a:lstStyle/>
+          <a:p>
+            <a:r>
+              <a:rPr lang="en-US" sz="5400" dirty="0" smtClean="0"/>
+              <a:t>Events </a:t>
+            </a:r>
+            <a:r>
+              <a:rPr lang="en-US" sz="5400" dirty="0" smtClean="0">
+                <a:solidFill>
+                  <a:srgbClr val="0000CC"/>
+                </a:solidFill>
+              </a:rPr>
+              <a:t>A</a:t>
+            </a:r>
+            <a:r>
+              <a:rPr lang="en-US" sz="5400" baseline="-25000" dirty="0" smtClean="0">
+                <a:solidFill>
+                  <a:srgbClr val="0000CC"/>
+                </a:solidFill>
+              </a:rPr>
+              <a:t>1</a:t>
+            </a:r>
+            <a:r>
+              <a:rPr lang="en-US" sz="5400" dirty="0" smtClean="0">
+                <a:solidFill>
+                  <a:srgbClr val="0000CC"/>
+                </a:solidFill>
+              </a:rPr>
+              <a:t>, A</a:t>
+            </a:r>
+            <a:r>
+              <a:rPr lang="en-US" sz="5400" baseline="-25000" dirty="0" smtClean="0">
+                <a:solidFill>
+                  <a:srgbClr val="0000CC"/>
+                </a:solidFill>
+              </a:rPr>
+              <a:t>2</a:t>
+            </a:r>
+            <a:r>
+              <a:rPr lang="en-US" sz="5400" dirty="0" smtClean="0">
+                <a:solidFill>
+                  <a:srgbClr val="0000CC"/>
+                </a:solidFill>
+              </a:rPr>
+              <a:t>,</a:t>
+            </a:r>
+            <a:r>
+              <a:rPr lang="en-US" sz="5400" dirty="0" smtClean="0">
+                <a:solidFill>
+                  <a:srgbClr val="0000CC"/>
+                </a:solidFill>
+                <a:sym typeface="Euclid Symbol"/>
+              </a:rPr>
+              <a:t>…,</a:t>
+            </a:r>
+            <a:r>
+              <a:rPr lang="en-US" sz="5400" dirty="0" smtClean="0">
+                <a:solidFill>
+                  <a:srgbClr val="0000CC"/>
+                </a:solidFill>
+              </a:rPr>
+              <a:t>A</a:t>
+            </a:r>
+            <a:r>
+              <a:rPr lang="en-US" sz="5400" baseline="-25000" dirty="0" smtClean="0">
+                <a:solidFill>
+                  <a:srgbClr val="0000CC"/>
+                </a:solidFill>
+              </a:rPr>
+              <a:t>n</a:t>
+            </a:r>
+            <a:r>
+              <a:rPr lang="en-US" sz="5400" dirty="0" smtClean="0">
+                <a:solidFill>
+                  <a:srgbClr val="0000CC"/>
+                </a:solidFill>
+                <a:sym typeface="Euclid Symbol"/>
+              </a:rPr>
+              <a:t> </a:t>
+            </a:r>
+            <a:r>
+              <a:rPr lang="en-US" sz="5400" dirty="0" smtClean="0">
+                <a:sym typeface="Euclid Symbol"/>
+              </a:rPr>
+              <a:t>are</a:t>
+            </a:r>
+          </a:p>
+          <a:p>
+            <a:pPr algn="ctr"/>
+            <a:r>
+              <a:rPr lang="en-US" sz="4800" dirty="0" smtClean="0">
+                <a:solidFill>
+                  <a:srgbClr val="660066"/>
+                </a:solidFill>
+                <a:sym typeface="Euclid Symbol"/>
+              </a:rPr>
+              <a:t>mutually independent</a:t>
+            </a:r>
+          </a:p>
+          <a:p>
+            <a:r>
+              <a:rPr lang="en-US" sz="4800" dirty="0" smtClean="0">
+                <a:solidFill>
+                  <a:srgbClr val="000000"/>
+                </a:solidFill>
+                <a:sym typeface="Euclid Symbol"/>
+              </a:rPr>
+              <a:t>when</a:t>
+            </a:r>
+          </a:p>
+          <a:p>
+            <a:r>
+              <a:rPr lang="en-US" sz="4800" dirty="0" smtClean="0">
+                <a:solidFill>
+                  <a:srgbClr val="0000CC"/>
+                </a:solidFill>
+                <a:sym typeface="Euclid Symbol"/>
+              </a:rPr>
+              <a:t>                        </a:t>
+            </a:r>
+          </a:p>
+        </p:txBody>
+      </p:sp>
+      <p:sp>
+        <p:nvSpPr>
+          <p:cNvPr id="4" name="Slide Number Placeholder 3"/>
+          <p:cNvSpPr>
+            <a:spLocks noGrp="1"/>
+          </p:cNvSpPr>
+          <p:nvPr>
+            <p:ph type="sldNum" sz="quarter" idx="4"/>
+          </p:nvPr>
+        </p:nvSpPr>
+        <p:spPr>
+          <a:xfrm>
+            <a:off x="7696200" y="6629400"/>
+            <a:ext cx="1447800" cy="228600"/>
+          </a:xfrm>
+        </p:spPr>
+        <p:txBody>
+          <a:bodyPr/>
+          <a:lstStyle/>
+          <a:p>
+            <a:pPr>
+              <a:defRPr/>
+            </a:pPr>
+            <a:r>
+              <a:rPr lang="en-US" dirty="0" err="1" smtClean="0"/>
+              <a:t>mutualindep</a:t>
+            </a:r>
+            <a:r>
+              <a:rPr lang="en-US" dirty="0" smtClean="0"/>
+              <a:t>.</a:t>
+            </a:r>
+            <a:fld id="{679D5B46-281B-48C5-ADB5-CFE0495CD191}" type="slidenum">
+              <a:rPr lang="en-US" smtClean="0"/>
+              <a:pPr>
+                <a:defRPr/>
+              </a:pPr>
+              <a:t>5</a:t>
+            </a:fld>
+            <a:endParaRPr lang="en-US" dirty="0"/>
+          </a:p>
+        </p:txBody>
+      </p:sp>
+      <p:sp>
+        <p:nvSpPr>
+          <p:cNvPr id="12" name="Rectangle 4"/>
+          <p:cNvSpPr txBox="1">
+            <a:spLocks noChangeArrowheads="1"/>
+          </p:cNvSpPr>
+          <p:nvPr/>
+        </p:nvSpPr>
+        <p:spPr bwMode="auto">
+          <a:xfrm>
+            <a:off x="7696200" y="6629400"/>
+            <a:ext cx="1447800" cy="228600"/>
+          </a:xfrm>
+          <a:prstGeom prst="rect">
+            <a:avLst/>
+          </a:prstGeom>
+          <a:noFill/>
+          <a:ln w="9525">
+            <a:noFill/>
+            <a:miter lim="800000"/>
+            <a:headEnd/>
+            <a:tailEnd/>
+          </a:ln>
+          <a:effectLst/>
+        </p:spPr>
+        <p:txBody>
+          <a:bodyPr vert="horz" wrap="square" lIns="91440" tIns="45720" rIns="91440" bIns="45720" numCol="1" anchor="t" anchorCtr="0" compatLnSpc="1">
+            <a:prstTxWarp prst="textNoShape">
+              <a:avLst/>
+            </a:prstTxWarp>
+          </a:bodyPr>
+          <a:lstStyle>
+            <a:lvl1pPr algn="r">
+              <a:defRPr sz="1200" dirty="0" err="1" smtClean="0">
+                <a:latin typeface="+mn-lt"/>
+              </a:defRPr>
+            </a:lvl1pPr>
+          </a:lstStyle>
+          <a:p>
+            <a:pPr marL="0" marR="0" lvl="0" indent="0" algn="r" defTabSz="914400" rtl="0" eaLnBrk="1" fontAlgn="base" latinLnBrk="0" hangingPunct="1">
+              <a:lnSpc>
+                <a:spcPct val="100000"/>
+              </a:lnSpc>
+              <a:spcBef>
+                <a:spcPct val="0"/>
+              </a:spcBef>
+              <a:spcAft>
+                <a:spcPct val="0"/>
+              </a:spcAft>
+              <a:buClrTx/>
+              <a:buSzTx/>
+              <a:buFontTx/>
+              <a:buNone/>
+              <a:tabLst/>
+              <a:defRPr/>
+            </a:pPr>
+            <a:r>
+              <a:rPr kumimoji="0" lang="en-US" sz="1200" b="0" i="0" u="none" strike="noStrike" kern="1200" cap="none" spc="0" normalizeH="0" baseline="0" noProof="0" dirty="0" err="1" smtClean="0">
+                <a:ln>
+                  <a:noFill/>
+                </a:ln>
+                <a:solidFill>
+                  <a:schemeClr val="tx1"/>
+                </a:solidFill>
+                <a:effectLst/>
+                <a:uLnTx/>
+                <a:uFillTx/>
+                <a:latin typeface="+mn-lt"/>
+                <a:ea typeface="+mn-ea"/>
+                <a:cs typeface="+mn-cs"/>
+              </a:rPr>
+              <a:t>mutualindep</a:t>
+            </a:r>
+            <a:r>
+              <a:rPr kumimoji="0" lang="en-US" sz="1200" b="0" i="0" u="none" strike="noStrike" kern="1200" cap="none" spc="0" normalizeH="0" baseline="0" noProof="0" dirty="0" smtClean="0">
+                <a:ln>
+                  <a:noFill/>
+                </a:ln>
+                <a:solidFill>
+                  <a:schemeClr val="tx1"/>
+                </a:solidFill>
+                <a:effectLst/>
+                <a:uLnTx/>
+                <a:uFillTx/>
+                <a:latin typeface="+mn-lt"/>
+                <a:ea typeface="+mn-ea"/>
+                <a:cs typeface="+mn-cs"/>
+              </a:rPr>
+              <a:t>.</a:t>
+            </a:r>
+            <a:fld id="{B9A0B45D-6AFD-413C-B761-B121FB8BE940}" type="slidenum">
+              <a:rPr kumimoji="0" lang="en-US" sz="1200" b="0" i="0" u="none" strike="noStrike" kern="1200" cap="none" spc="0" normalizeH="0" baseline="0" noProof="0" smtClean="0">
+                <a:ln>
+                  <a:noFill/>
+                </a:ln>
+                <a:solidFill>
+                  <a:schemeClr val="tx1"/>
+                </a:solidFill>
+                <a:effectLst/>
+                <a:uLnTx/>
+                <a:uFillTx/>
+                <a:latin typeface="+mn-lt"/>
+                <a:ea typeface="+mn-ea"/>
+                <a:cs typeface="+mn-cs"/>
+              </a:rPr>
+              <a:pPr marL="0" marR="0" lvl="0" indent="0" algn="r" defTabSz="914400" rtl="0" eaLnBrk="1" fontAlgn="base" latinLnBrk="0" hangingPunct="1">
+                <a:lnSpc>
+                  <a:spcPct val="100000"/>
+                </a:lnSpc>
+                <a:spcBef>
+                  <a:spcPct val="0"/>
+                </a:spcBef>
+                <a:spcAft>
+                  <a:spcPct val="0"/>
+                </a:spcAft>
+                <a:buClrTx/>
+                <a:buSzTx/>
+                <a:buFontTx/>
+                <a:buNone/>
+                <a:tabLst/>
+                <a:defRPr/>
+              </a:pPr>
+              <a:t>5</a:t>
+            </a:fld>
+            <a:endParaRPr kumimoji="0" lang="en-US" sz="1200" b="0" i="0" u="none" strike="noStrike" kern="1200" cap="none" spc="0" normalizeH="0" baseline="0" noProof="0" dirty="0">
+              <a:ln>
+                <a:noFill/>
+              </a:ln>
+              <a:solidFill>
+                <a:schemeClr val="tx1"/>
+              </a:solidFill>
+              <a:effectLst/>
+              <a:uLnTx/>
+              <a:uFillTx/>
+              <a:latin typeface="+mn-lt"/>
+              <a:ea typeface="+mn-ea"/>
+              <a:cs typeface="+mn-cs"/>
+            </a:endParaRPr>
+          </a:p>
+        </p:txBody>
+      </p:sp>
+      <p:graphicFrame>
+        <p:nvGraphicFramePr>
+          <p:cNvPr id="7" name="Object 6"/>
+          <p:cNvGraphicFramePr>
+            <a:graphicFrameLocks noChangeAspect="1"/>
+          </p:cNvGraphicFramePr>
+          <p:nvPr>
+            <p:extLst>
+              <p:ext uri="{D42A27DB-BD31-4B8C-83A1-F6EECF244321}">
+                <p14:modId xmlns:p14="http://schemas.microsoft.com/office/powerpoint/2010/main" val="2930050810"/>
+              </p:ext>
+            </p:extLst>
+          </p:nvPr>
+        </p:nvGraphicFramePr>
+        <p:xfrm>
+          <a:off x="1309950" y="3682890"/>
+          <a:ext cx="6517750" cy="2373639"/>
+        </p:xfrm>
+        <a:graphic>
+          <a:graphicData uri="http://schemas.openxmlformats.org/presentationml/2006/ole">
+            <mc:AlternateContent xmlns:mc="http://schemas.openxmlformats.org/markup-compatibility/2006">
+              <mc:Choice xmlns:v="urn:schemas-microsoft-com:vml" Requires="v">
+                <p:oleObj spid="_x0000_s362504" name="Equation" r:id="rId4" imgW="1638300" imgH="596900" progId="Equation.DSMT4">
+                  <p:embed/>
+                </p:oleObj>
+              </mc:Choice>
+              <mc:Fallback>
+                <p:oleObj name="Equation" r:id="rId4" imgW="1638300" imgH="596900" progId="Equation.DSMT4">
+                  <p:embed/>
+                  <p:pic>
+                    <p:nvPicPr>
+                      <p:cNvPr id="0" name=""/>
+                      <p:cNvPicPr>
+                        <a:picLocks noChangeAspect="1" noChangeArrowheads="1"/>
+                      </p:cNvPicPr>
+                      <p:nvPr/>
+                    </p:nvPicPr>
+                    <p:blipFill>
+                      <a:blip r:embed="rId5"/>
+                      <a:srcRect/>
+                      <a:stretch>
+                        <a:fillRect/>
+                      </a:stretch>
+                    </p:blipFill>
+                    <p:spPr bwMode="auto">
+                      <a:xfrm>
+                        <a:off x="1309950" y="3682890"/>
+                        <a:ext cx="6517750" cy="2373639"/>
+                      </a:xfrm>
+                      <a:prstGeom prst="rect">
+                        <a:avLst/>
+                      </a:prstGeom>
+                      <a:noFill/>
+                      <a:extLst/>
+                    </p:spPr>
+                  </p:pic>
+                </p:oleObj>
+              </mc:Fallback>
+            </mc:AlternateContent>
+          </a:graphicData>
+        </a:graphic>
+      </p:graphicFrame>
+    </p:spTree>
+    <p:extLst>
+      <p:ext uri="{BB962C8B-B14F-4D97-AF65-F5344CB8AC3E}">
+        <p14:creationId xmlns:p14="http://schemas.microsoft.com/office/powerpoint/2010/main" val="3900347605"/>
+      </p:ext>
+    </p:extLst>
+  </p:cSld>
+  <p:clrMapOvr>
+    <a:masterClrMapping/>
+  </p:clrMapOvr>
+  <mc:AlternateContent xmlns:mc="http://schemas.openxmlformats.org/markup-compatibility/2006">
+    <mc:Choice xmlns:p14="http://schemas.microsoft.com/office/powerpoint/2010/main" Requires="p14">
+      <p:transition spd="slow" p14:dur="1200" advClick="0">
+        <p:fade thruBlk="1"/>
+      </p:transition>
+    </mc:Choice>
+    <mc:Fallback>
+      <p:transition xmlns:p14="http://schemas.microsoft.com/office/powerpoint/2010/main" spd="slow" advClick="0">
+        <p:fade thruBlk="1"/>
+      </p:transition>
+    </mc:Fallback>
+  </mc:AlternateContent>
+  <p:timing>
+    <p:tnLst>
+      <p:par>
+        <p:cTn xmlns:p14="http://schemas.microsoft.com/office/powerpoint/2010/main" id="1" dur="indefinite" restart="never" nodeType="tmRoot"/>
+      </p:par>
+    </p:tnLst>
+  </p:timing>
+</p:sld>
+</file>
+
+<file path=ppt/slides/slide6.xml><?xml version="1.0" encoding="utf-8"?>
+<p:sld xmlns:a="http://schemas.openxmlformats.org/drawingml/2006/main" xmlns:r="http://schemas.openxmlformats.org/officeDocument/2006/relationships" xmlns:p="http://schemas.openxmlformats.org/presentationml/2006/main">
+  <p:cSld>
+    <p:spTree>
+      <p:nvGrpSpPr>
+        <p:cNvPr id="1" name=""/>
+        <p:cNvGrpSpPr/>
+        <p:nvPr/>
+      </p:nvGrpSpPr>
+      <p:grpSpPr>
+        <a:xfrm>
+          <a:off x="0" y="0"/>
+          <a:ext cx="0" cy="0"/>
+          <a:chOff x="0" y="0"/>
+          <a:chExt cx="0" cy="0"/>
+        </a:xfrm>
+      </p:grpSpPr>
+      <p:sp>
+        <p:nvSpPr>
+          <p:cNvPr id="2" name="Title 1"/>
+          <p:cNvSpPr>
+            <a:spLocks noGrp="1"/>
+          </p:cNvSpPr>
+          <p:nvPr>
+            <p:ph type="title"/>
+          </p:nvPr>
+        </p:nvSpPr>
+        <p:spPr/>
+        <p:txBody>
+          <a:bodyPr/>
+          <a:lstStyle/>
+          <a:p>
+            <a:r>
+              <a:rPr lang="en-US" sz="4400" dirty="0" smtClean="0"/>
+              <a:t>Mutual Independence</a:t>
+            </a:r>
+            <a:endParaRPr lang="en-US" sz="4400" dirty="0"/>
+          </a:p>
+        </p:txBody>
+      </p:sp>
+      <p:sp>
+        <p:nvSpPr>
+          <p:cNvPr id="4" name="Slide Number Placeholder 3"/>
+          <p:cNvSpPr>
+            <a:spLocks noGrp="1"/>
+          </p:cNvSpPr>
+          <p:nvPr>
+            <p:ph type="sldNum" sz="quarter" idx="4"/>
+          </p:nvPr>
+        </p:nvSpPr>
+        <p:spPr>
+          <a:xfrm>
+            <a:off x="7696200" y="6629400"/>
+            <a:ext cx="1447800" cy="228600"/>
+          </a:xfrm>
+        </p:spPr>
+        <p:txBody>
+          <a:bodyPr/>
+          <a:lstStyle/>
+          <a:p>
+            <a:pPr>
+              <a:defRPr/>
+            </a:pPr>
+            <a:r>
+              <a:rPr lang="en-US" dirty="0" err="1" smtClean="0"/>
+              <a:t>mutualindep</a:t>
+            </a:r>
+            <a:r>
+              <a:rPr lang="en-US" dirty="0" smtClean="0"/>
+              <a:t>.</a:t>
+            </a:r>
+            <a:fld id="{679D5B46-281B-48C5-ADB5-CFE0495CD191}" type="slidenum">
+              <a:rPr lang="en-US" smtClean="0"/>
+              <a:pPr>
+                <a:defRPr/>
+              </a:pPr>
+              <a:t>6</a:t>
+            </a:fld>
+            <a:endParaRPr lang="en-US" dirty="0"/>
+          </a:p>
+        </p:txBody>
+      </p:sp>
+      <p:sp>
+        <p:nvSpPr>
+          <p:cNvPr id="12" name="Rectangle 4"/>
+          <p:cNvSpPr txBox="1">
+            <a:spLocks noChangeArrowheads="1"/>
+          </p:cNvSpPr>
+          <p:nvPr/>
+        </p:nvSpPr>
+        <p:spPr bwMode="auto">
+          <a:xfrm>
+            <a:off x="7696200" y="6629400"/>
+            <a:ext cx="1447800" cy="228600"/>
+          </a:xfrm>
+          <a:prstGeom prst="rect">
+            <a:avLst/>
+          </a:prstGeom>
+          <a:noFill/>
+          <a:ln w="9525">
+            <a:noFill/>
+            <a:miter lim="800000"/>
+            <a:headEnd/>
+            <a:tailEnd/>
+          </a:ln>
+          <a:effectLst/>
+        </p:spPr>
+        <p:txBody>
+          <a:bodyPr vert="horz" wrap="square" lIns="91440" tIns="45720" rIns="91440" bIns="45720" numCol="1" anchor="t" anchorCtr="0" compatLnSpc="1">
+            <a:prstTxWarp prst="textNoShape">
+              <a:avLst/>
+            </a:prstTxWarp>
+          </a:bodyPr>
+          <a:lstStyle>
+            <a:lvl1pPr algn="r">
+              <a:defRPr sz="1200" dirty="0" err="1" smtClean="0">
+                <a:latin typeface="+mn-lt"/>
+              </a:defRPr>
+            </a:lvl1pPr>
+          </a:lstStyle>
+          <a:p>
+            <a:pPr marL="0" marR="0" lvl="0" indent="0" algn="r" defTabSz="914400" rtl="0" eaLnBrk="1" fontAlgn="base" latinLnBrk="0" hangingPunct="1">
+              <a:lnSpc>
+                <a:spcPct val="100000"/>
+              </a:lnSpc>
+              <a:spcBef>
+                <a:spcPct val="0"/>
+              </a:spcBef>
+              <a:spcAft>
+                <a:spcPct val="0"/>
+              </a:spcAft>
+              <a:buClrTx/>
+              <a:buSzTx/>
+              <a:buFontTx/>
+              <a:buNone/>
+              <a:tabLst/>
+              <a:defRPr/>
+            </a:pPr>
+            <a:r>
+              <a:rPr kumimoji="0" lang="en-US" sz="1200" b="0" i="0" u="none" strike="noStrike" kern="1200" cap="none" spc="0" normalizeH="0" baseline="0" noProof="0" dirty="0" err="1" smtClean="0">
+                <a:ln>
+                  <a:noFill/>
+                </a:ln>
+                <a:solidFill>
+                  <a:schemeClr val="tx1"/>
+                </a:solidFill>
+                <a:effectLst/>
+                <a:uLnTx/>
+                <a:uFillTx/>
+                <a:latin typeface="+mn-lt"/>
+                <a:ea typeface="+mn-ea"/>
+                <a:cs typeface="+mn-cs"/>
+              </a:rPr>
+              <a:t>mutualindep</a:t>
+            </a:r>
+            <a:r>
+              <a:rPr kumimoji="0" lang="en-US" sz="1200" b="0" i="0" u="none" strike="noStrike" kern="1200" cap="none" spc="0" normalizeH="0" baseline="0" noProof="0" dirty="0" smtClean="0">
+                <a:ln>
+                  <a:noFill/>
+                </a:ln>
+                <a:solidFill>
+                  <a:schemeClr val="tx1"/>
+                </a:solidFill>
+                <a:effectLst/>
+                <a:uLnTx/>
+                <a:uFillTx/>
+                <a:latin typeface="+mn-lt"/>
+                <a:ea typeface="+mn-ea"/>
+                <a:cs typeface="+mn-cs"/>
+              </a:rPr>
+              <a:t>.</a:t>
+            </a:r>
+            <a:fld id="{B9A0B45D-6AFD-413C-B761-B121FB8BE940}" type="slidenum">
+              <a:rPr kumimoji="0" lang="en-US" sz="1200" b="0" i="0" u="none" strike="noStrike" kern="1200" cap="none" spc="0" normalizeH="0" baseline="0" noProof="0" smtClean="0">
+                <a:ln>
+                  <a:noFill/>
+                </a:ln>
+                <a:solidFill>
+                  <a:schemeClr val="tx1"/>
+                </a:solidFill>
+                <a:effectLst/>
+                <a:uLnTx/>
+                <a:uFillTx/>
+                <a:latin typeface="+mn-lt"/>
+                <a:ea typeface="+mn-ea"/>
+                <a:cs typeface="+mn-cs"/>
+              </a:rPr>
+              <a:pPr marL="0" marR="0" lvl="0" indent="0" algn="r" defTabSz="914400" rtl="0" eaLnBrk="1" fontAlgn="base" latinLnBrk="0" hangingPunct="1">
+                <a:lnSpc>
+                  <a:spcPct val="100000"/>
+                </a:lnSpc>
+                <a:spcBef>
+                  <a:spcPct val="0"/>
+                </a:spcBef>
+                <a:spcAft>
+                  <a:spcPct val="0"/>
+                </a:spcAft>
+                <a:buClrTx/>
+                <a:buSzTx/>
+                <a:buFontTx/>
+                <a:buNone/>
+                <a:tabLst/>
+                <a:defRPr/>
+              </a:pPr>
+              <a:t>6</a:t>
+            </a:fld>
+            <a:endParaRPr kumimoji="0" lang="en-US" sz="1200" b="0" i="0" u="none" strike="noStrike" kern="1200" cap="none" spc="0" normalizeH="0" baseline="0" noProof="0" dirty="0">
+              <a:ln>
+                <a:noFill/>
+              </a:ln>
+              <a:solidFill>
+                <a:schemeClr val="tx1"/>
+              </a:solidFill>
+              <a:effectLst/>
+              <a:uLnTx/>
+              <a:uFillTx/>
+              <a:latin typeface="+mn-lt"/>
+              <a:ea typeface="+mn-ea"/>
+              <a:cs typeface="+mn-cs"/>
+            </a:endParaRPr>
+          </a:p>
+        </p:txBody>
+      </p:sp>
       <p:sp>
         <p:nvSpPr>
           <p:cNvPr id="6" name="TextBox 5"/>
@@ -12913,50 +13835,35 @@
                 </a:solidFill>
                 <a:latin typeface="+mj-lt"/>
               </a:rPr>
-              <a:t>what happens on th</a:t>
+              <a:t>What happens on the </a:t>
             </a:r>
             <a:r>
               <a:rPr lang="en-US" sz="4000" dirty="0" smtClean="0">
                 <a:solidFill>
+                  <a:srgbClr val="0000CC"/>
+                </a:solidFill>
+                <a:latin typeface="+mj-lt"/>
+              </a:rPr>
+              <a:t>5</a:t>
+            </a:r>
+            <a:r>
+              <a:rPr lang="en-US" sz="4000" baseline="30000" dirty="0" smtClean="0">
+                <a:solidFill>
                   <a:srgbClr val="000000"/>
                 </a:solidFill>
                 <a:latin typeface="+mj-lt"/>
               </a:rPr>
-              <a:t>e </a:t>
+              <a:t>th </a:t>
             </a:r>
             <a:r>
               <a:rPr lang="en-US" sz="4000" dirty="0" smtClean="0">
                 <a:solidFill>
-                  <a:srgbClr val="0000CC"/>
+                  <a:srgbClr val="000000"/>
                 </a:solidFill>
                 <a:latin typeface="+mj-lt"/>
               </a:rPr>
-              <a:t>5</a:t>
-            </a:r>
-            <a:r>
-              <a:rPr lang="en-US" sz="4000" baseline="30000" dirty="0" smtClean="0">
-                <a:solidFill>
-                  <a:srgbClr val="000000"/>
-                </a:solidFill>
-                <a:latin typeface="+mj-lt"/>
-              </a:rPr>
-              <a:t>th </a:t>
-            </a:r>
-            <a:r>
-              <a:rPr lang="en-US" sz="4000" dirty="0" smtClean="0">
-                <a:solidFill>
-                  <a:srgbClr val="000000"/>
-                </a:solidFill>
-                <a:latin typeface="+mj-lt"/>
-              </a:rPr>
               <a:t>flip is</a:t>
             </a:r>
-            <a:endParaRPr lang="en-US" sz="4000" dirty="0" smtClean="0">
-              <a:solidFill>
-                <a:srgbClr val="000000"/>
-              </a:solidFill>
-              <a:latin typeface="+mj-lt"/>
-            </a:endParaRPr>
           </a:p>
           <a:p>
             <a:pPr algn="l"/>
@@ -13110,7 +14017,7 @@
           <a:graphicData uri="http://schemas.openxmlformats.org/presentationml/2006/ole">
             <mc:AlternateContent xmlns:mc="http://schemas.openxmlformats.org/markup-compatibility/2006">
               <mc:Choice xmlns:v="urn:schemas-microsoft-com:vml" Requires="v">
-                <p:oleObj spid="_x0000_s351240" name="Equation" r:id="rId4" imgW="2108200" imgH="419100" progId="Equation.DSMT4">
+                <p:oleObj spid="_x0000_s351246" name="Equation" r:id="rId4" imgW="2108200" imgH="419100" progId="Equation.DSMT4">
                   <p:embed/>
                 </p:oleObj>
               </mc:Choice>
@@ -13194,7 +14101,7 @@
                                         <p:tgtEl>
                                           <p:spTgt spid="6">
                                             <p:txEl>
-                                              <p:pRg st="0" end="0"/>
+                                              <p:pRg st="1" end="1"/>
                                             </p:txEl>
                                           </p:spTgt>
                                         </p:tgtEl>
@@ -13212,7 +14119,7 @@
                                         <p:tgtEl>
                                           <p:spTgt spid="6">
                                             <p:txEl>
-                                              <p:pRg st="0" end="0"/>
+                                              <p:pRg st="1" end="1"/>
                                             </p:txEl>
                                           </p:spTgt>
                                         </p:tgtEl>
@@ -13255,7 +14162,7 @@
                                         <p:tgtEl>
                                           <p:spTgt spid="6">
                                             <p:txEl>
-                                              <p:pRg st="1" end="1"/>
+                                              <p:pRg st="2" end="2"/>
                                             </p:txEl>
                                           </p:spTgt>
                                         </p:tgtEl>
@@ -13273,7 +14180,7 @@
                                         <p:tgtEl>
                                           <p:spTgt spid="6">
                                             <p:txEl>
-                                              <p:pRg st="1" end="1"/>
+                                              <p:pRg st="2" end="2"/>
                                             </p:txEl>
                                           </p:spTgt>
                                         </p:tgtEl>
@@ -13316,7 +14223,7 @@
                                         <p:tgtEl>
                                           <p:spTgt spid="6">
                                             <p:txEl>
-                                              <p:pRg st="2" end="2"/>
+                                              <p:pRg st="3" end="3"/>
                                             </p:txEl>
                                           </p:spTgt>
                                         </p:tgtEl>
@@ -13334,67 +14241,6 @@
                                         <p:tgtEl>
                                           <p:spTgt spid="6">
                                             <p:txEl>
-                                              <p:pRg st="2" end="2"/>
-                                            </p:txEl>
-                                          </p:spTgt>
-                                        </p:tgtEl>
-                                      </p:cBhvr>
-                                    </p:animEffect>
-                                  </p:childTnLst>
-                                </p:cTn>
-                              </p:par>
-                            </p:childTnLst>
-                          </p:cTn>
-                        </p:par>
-                      </p:childTnLst>
-                    </p:cTn>
-                  </p:par>
-                  <p:par>
-                    <p:cTn id="18" fill="hold">
-                      <p:stCondLst>
-                        <p:cond delay="indefinite"/>
-                      </p:stCondLst>
-                      <p:childTnLst>
-                        <p:par>
-                          <p:cTn id="19" fill="hold">
-                            <p:stCondLst>
-                              <p:cond delay="0"/>
-                            </p:stCondLst>
-                            <p:childTnLst>
-                              <p:par>
-                                <p:cTn id="20" presetID="10" presetClass="entr" presetSubtype="0" fill="hold" grpId="0" nodeType="clickEffect">
-                                  <p:stCondLst>
-                                    <p:cond delay="0"/>
-                                  </p:stCondLst>
-                                  <p:childTnLst>
-                                    <p:set>
-                                      <p:cBhvr>
-                                        <p:cTn id="21" dur="1" fill="hold">
-                                          <p:stCondLst>
-                                            <p:cond delay="0"/>
-                                          </p:stCondLst>
-                                        </p:cTn>
-                                        <p:tgtEl>
-                                          <p:spTgt spid="6">
-                                            <p:txEl>
-                                              <p:pRg st="3" end="3"/>
-                                            </p:txEl>
-                                          </p:spTgt>
-                                        </p:tgtEl>
-                                        <p:attrNameLst>
-                                          <p:attrName>style.visibility</p:attrName>
-                                        </p:attrNameLst>
-                                      </p:cBhvr>
-                                      <p:to>
-                                        <p:strVal val="visible"/>
-                                      </p:to>
-                                    </p:set>
-                                    <p:animEffect transition="in" filter="fade">
-                                      <p:cBhvr>
-                                        <p:cTn id="22" dur="500"/>
-                                        <p:tgtEl>
-                                          <p:spTgt spid="6">
-                                            <p:txEl>
                                               <p:pRg st="3" end="3"/>
                                             </p:txEl>
                                           </p:spTgt>
@@ -13405,14 +14251,14 @@
                                 </p:cTn>
                               </p:par>
                               <p:par>
-                                <p:cTn id="23" presetID="10" presetClass="entr" presetSubtype="0" fill="hold" grpId="0" nodeType="withEffect">
+                                <p:cTn id="18" presetID="10" presetClass="entr" presetSubtype="0" fill="hold" grpId="0" nodeType="withEffect">
                                   <p:stCondLst>
                                     <p:cond delay="0"/>
                                   </p:stCondLst>
                                   <p:childTnLst>
                                     <p:set>
                                       <p:cBhvr>
-                                        <p:cTn id="24" dur="1" fill="hold">
+                                        <p:cTn id="19" dur="1" fill="hold">
                                           <p:stCondLst>
                                             <p:cond delay="0"/>
                                           </p:stCondLst>
@@ -13434,7 +14280,7 @@
                                     </p:set>
                                     <p:animEffect transition="in" filter="fade">
                                       <p:cBhvr>
-                                        <p:cTn id="25" dur="500"/>
+                                        <p:cTn id="20" dur="500"/>
                                         <p:tgtEl>
                                           <p:spTgt spid="6">
                                             <p:txEl>
@@ -13454,26 +14300,26 @@
                     </p:cTn>
                   </p:par>
                   <p:par>
-                    <p:cTn id="26" fill="hold">
+                    <p:cTn id="21" fill="hold">
                       <p:stCondLst>
                         <p:cond delay="indefinite"/>
                       </p:stCondLst>
                       <p:childTnLst>
                         <p:par>
-                          <p:cTn id="27" fill="hold">
+                          <p:cTn id="22" fill="hold">
                             <p:stCondLst>
                               <p:cond delay="0"/>
                             </p:stCondLst>
                             <p:childTnLst>
                               <p:par>
-                                <p:cTn id="28" presetID="22" presetClass="entr" presetSubtype="8" fill="hold" nodeType="clickEffect">
+                                <p:cTn id="23" presetID="22" presetClass="entr" presetSubtype="8" fill="hold" nodeType="clickEffect">
                                   <p:stCondLst>
                                     <p:cond delay="0"/>
                                   </p:stCondLst>
                                   <p:childTnLst>
                                     <p:set>
                                       <p:cBhvr>
-                                        <p:cTn id="29" dur="1" fill="hold">
+                                        <p:cTn id="24" dur="1" fill="hold">
                                           <p:stCondLst>
                                             <p:cond delay="0"/>
                                           </p:stCondLst>
@@ -13491,7 +14337,7 @@
                                     </p:set>
                                     <p:animEffect transition="in" filter="wipe(left)">
                                       <p:cBhvr>
-                                        <p:cTn id="30" dur="1000"/>
+                                        <p:cTn id="25" dur="1000"/>
                                         <p:tgtEl>
                                           <p:spTgt spid="10"/>
                                         </p:tgtEl>
@@ -13534,8 +14380,8 @@
 </p:sld>
 </file>
 
-<file path=ppt/slides/slide4.xml><?xml version="1.0" encoding="utf-8"?>
-<p:sld xmlns:a="http://schemas.openxmlformats.org/drawingml/2006/main" xmlns:r="http://schemas.openxmlformats.org/officeDocument/2006/relationships" xmlns:p="http://schemas.openxmlformats.org/presentationml/2006/main" show="0">
+<file path=ppt/slides/slide7.xml><?xml version="1.0" encoding="utf-8"?>
+<p:sld xmlns:a="http://schemas.openxmlformats.org/drawingml/2006/main" xmlns:r="http://schemas.openxmlformats.org/officeDocument/2006/relationships" xmlns:p="http://schemas.openxmlformats.org/presentationml/2006/main">
   <p:cSld>
     <p:spTree>
       <p:nvGrpSpPr>
@@ -13568,11 +14414,7 @@
           <a:p>
             <a:r>
               <a:rPr lang="en-US" sz="4400" dirty="0" smtClean="0"/>
-              <a:t>Pairwise </a:t>
-            </a:r>
-            <a:r>
-              <a:rPr lang="en-US" sz="4400" dirty="0" smtClean="0"/>
-              <a:t>Independence</a:t>
+              <a:t>Pairwise Independence</a:t>
             </a:r>
             <a:endParaRPr lang="en-US" sz="4400" dirty="0"/>
           </a:p>
@@ -13614,7 +14456,7 @@
               <a:pPr>
                 <a:defRPr/>
               </a:pPr>
-              <a:t>4</a:t>
+              <a:t>7</a:t>
             </a:fld>
             <a:endParaRPr lang="en-US" dirty="0"/>
           </a:p>
@@ -13742,2178 +14584,7 @@
                 <a:tabLst/>
                 <a:defRPr/>
               </a:pPr>
-              <a:t>4</a:t>
-            </a:fld>
-            <a:endParaRPr kumimoji="0" lang="en-US" sz="1200" b="0" i="0" u="none" strike="noStrike" kern="1200" cap="none" spc="0" normalizeH="0" baseline="0" noProof="0" dirty="0">
-              <a:ln>
-                <a:noFill/>
-              </a:ln>
-              <a:solidFill>
-                <a:schemeClr val="tx1"/>
-              </a:solidFill>
-              <a:effectLst/>
-              <a:uLnTx/>
-              <a:uFillTx/>
-              <a:latin typeface="+mn-lt"/>
-              <a:ea typeface="+mn-ea"/>
-              <a:cs typeface="+mn-cs"/>
-            </a:endParaRPr>
-          </a:p>
-        </p:txBody>
-      </p:sp>
-      <p:sp>
-        <p:nvSpPr>
-          <p:cNvPr id="6" name="TextBox 5"/>
-          <p:cNvSpPr txBox="1"/>
-          <p:nvPr/>
-        </p:nvSpPr>
-        <p:spPr>
-          <a:xfrm>
-            <a:off x="506705" y="1179695"/>
-            <a:ext cx="8240444" cy="1938992"/>
-          </a:xfrm>
-          <a:prstGeom prst="rect">
-            <a:avLst/>
-          </a:prstGeom>
-          <a:noFill/>
-        </p:spPr>
-        <p:txBody>
-          <a:bodyPr wrap="square" rtlCol="0">
-            <a:spAutoFit/>
-          </a:bodyPr>
-          <a:lstStyle/>
-          <a:p>
-            <a:pPr algn="l"/>
-            <a:r>
-              <a:rPr lang="en-US" sz="4000" dirty="0" smtClean="0">
-                <a:solidFill>
-                  <a:srgbClr val="800000"/>
-                </a:solidFill>
-                <a:latin typeface="+mj-lt"/>
-              </a:rPr>
-              <a:t>Example:  </a:t>
-            </a:r>
-            <a:r>
-              <a:rPr lang="en-US" sz="4000" dirty="0" smtClean="0">
-                <a:latin typeface="+mj-lt"/>
-              </a:rPr>
-              <a:t>Flip a </a:t>
-            </a:r>
-            <a:r>
-              <a:rPr lang="en-US" sz="4000" dirty="0" smtClean="0">
-                <a:solidFill>
-                  <a:srgbClr val="800000"/>
-                </a:solidFill>
-                <a:latin typeface="+mj-lt"/>
-              </a:rPr>
-              <a:t>fair</a:t>
-            </a:r>
-            <a:r>
-              <a:rPr lang="en-US" sz="4000" dirty="0" smtClean="0">
-                <a:latin typeface="+mj-lt"/>
-              </a:rPr>
-              <a:t> coin twice</a:t>
-            </a:r>
-          </a:p>
-          <a:p>
-            <a:pPr algn="l"/>
-            <a:r>
-              <a:rPr lang="en-US" sz="4000" dirty="0" smtClean="0">
-                <a:solidFill>
-                  <a:srgbClr val="0000CC"/>
-                </a:solidFill>
-                <a:latin typeface="+mj-lt"/>
-              </a:rPr>
-              <a:t>H</a:t>
-            </a:r>
-            <a:r>
-              <a:rPr lang="en-US" sz="4000" baseline="-25000" dirty="0" smtClean="0">
-                <a:solidFill>
-                  <a:srgbClr val="0000CC"/>
-                </a:solidFill>
-                <a:latin typeface="+mj-lt"/>
-              </a:rPr>
-              <a:t>1  </a:t>
-            </a:r>
-            <a:r>
-              <a:rPr lang="en-US" sz="4000" dirty="0" smtClean="0">
-                <a:solidFill>
-                  <a:srgbClr val="0000CC"/>
-                </a:solidFill>
-                <a:latin typeface="+mj-lt"/>
-              </a:rPr>
-              <a:t>::= [Head on 1</a:t>
-            </a:r>
-            <a:r>
-              <a:rPr lang="en-US" sz="4000" baseline="30000" dirty="0" smtClean="0">
-                <a:solidFill>
-                  <a:srgbClr val="0000CC"/>
-                </a:solidFill>
-                <a:latin typeface="+mj-lt"/>
-              </a:rPr>
-              <a:t>st</a:t>
-            </a:r>
-            <a:r>
-              <a:rPr lang="en-US" sz="4000" dirty="0" smtClean="0">
-                <a:solidFill>
-                  <a:srgbClr val="0000CC"/>
-                </a:solidFill>
-                <a:latin typeface="+mj-lt"/>
-              </a:rPr>
-              <a:t> flip]</a:t>
-            </a:r>
-          </a:p>
-          <a:p>
-            <a:pPr algn="l"/>
-            <a:r>
-              <a:rPr lang="en-US" sz="4000" dirty="0" err="1" smtClean="0">
-                <a:solidFill>
-                  <a:srgbClr val="0000CC"/>
-                </a:solidFill>
-                <a:latin typeface="+mj-lt"/>
-              </a:rPr>
-              <a:t>O</a:t>
-            </a:r>
-            <a:r>
-              <a:rPr lang="en-US" sz="4000" baseline="-25000" dirty="0" err="1" smtClean="0">
-                <a:solidFill>
-                  <a:srgbClr val="0000CC"/>
-                </a:solidFill>
-                <a:latin typeface="Comic Sans MS"/>
-              </a:rPr>
-              <a:t>i</a:t>
-            </a:r>
-            <a:r>
-              <a:rPr lang="en-US" sz="4000" baseline="-25000" dirty="0" smtClean="0">
-                <a:solidFill>
-                  <a:srgbClr val="0000CC"/>
-                </a:solidFill>
-                <a:latin typeface="Comic Sans MS"/>
-              </a:rPr>
-              <a:t>  </a:t>
-            </a:r>
-            <a:r>
-              <a:rPr lang="en-US" sz="4000" dirty="0" smtClean="0">
-                <a:solidFill>
-                  <a:srgbClr val="0000CC"/>
-                </a:solidFill>
-                <a:latin typeface="Comic Sans MS"/>
-                <a:cs typeface="Comic Sans MS"/>
-              </a:rPr>
-              <a:t>:</a:t>
-            </a:r>
-            <a:r>
-              <a:rPr lang="en-US" sz="4000" dirty="0">
-                <a:solidFill>
-                  <a:srgbClr val="0000CC"/>
-                </a:solidFill>
-                <a:latin typeface="Comic Sans MS"/>
-                <a:cs typeface="Comic Sans MS"/>
-              </a:rPr>
-              <a:t>:= </a:t>
-            </a:r>
-            <a:r>
-              <a:rPr lang="en-US" sz="4000" dirty="0" smtClean="0">
-                <a:solidFill>
-                  <a:srgbClr val="0000CC"/>
-                </a:solidFill>
-                <a:latin typeface="Comic Sans MS"/>
-                <a:cs typeface="Comic Sans MS"/>
-              </a:rPr>
-              <a:t>[Odd # H’s in first I flips]</a:t>
-            </a:r>
-            <a:endParaRPr lang="en-US" sz="4000" dirty="0" smtClean="0">
-              <a:solidFill>
-                <a:srgbClr val="0000CC"/>
-              </a:solidFill>
-              <a:latin typeface="+mj-lt"/>
-            </a:endParaRPr>
-          </a:p>
-        </p:txBody>
-      </p:sp>
-      <p:sp>
-        <p:nvSpPr>
-          <p:cNvPr id="3" name="TextBox 2"/>
-          <p:cNvSpPr txBox="1"/>
-          <p:nvPr/>
-        </p:nvSpPr>
-        <p:spPr>
-          <a:xfrm>
-            <a:off x="851829" y="3175126"/>
-            <a:ext cx="6472770" cy="769441"/>
-          </a:xfrm>
-          <a:prstGeom prst="rect">
-            <a:avLst/>
-          </a:prstGeom>
-          <a:noFill/>
-        </p:spPr>
-        <p:txBody>
-          <a:bodyPr wrap="none" rtlCol="0">
-            <a:spAutoFit/>
-          </a:bodyPr>
-          <a:lstStyle/>
-          <a:p>
-            <a:pPr algn="l"/>
-            <a:r>
-              <a:rPr lang="en-US" sz="4400" dirty="0">
-                <a:solidFill>
-                  <a:srgbClr val="0000CC"/>
-                </a:solidFill>
-                <a:latin typeface="Comic Sans MS"/>
-                <a:cs typeface="Comic Sans MS"/>
-              </a:rPr>
-              <a:t>O</a:t>
-            </a:r>
-            <a:r>
-              <a:rPr lang="en-US" sz="4400" baseline="-25000" dirty="0">
-                <a:solidFill>
-                  <a:srgbClr val="0000CC"/>
-                </a:solidFill>
-                <a:latin typeface="Comic Sans MS"/>
-                <a:cs typeface="Comic Sans MS"/>
-              </a:rPr>
-              <a:t>2 </a:t>
-            </a:r>
-            <a:r>
-              <a:rPr lang="en-US" sz="4400" dirty="0">
-                <a:latin typeface="Comic Sans MS"/>
-                <a:cs typeface="Comic Sans MS"/>
-              </a:rPr>
-              <a:t>is</a:t>
-            </a:r>
-            <a:r>
-              <a:rPr lang="en-US" sz="4400" dirty="0">
-                <a:solidFill>
-                  <a:srgbClr val="0000CC"/>
-                </a:solidFill>
-                <a:latin typeface="Comic Sans MS"/>
-                <a:cs typeface="Comic Sans MS"/>
-              </a:rPr>
-              <a:t> </a:t>
-            </a:r>
-            <a:r>
-              <a:rPr lang="en-US" sz="4400" dirty="0">
-                <a:solidFill>
-                  <a:srgbClr val="000000"/>
-                </a:solidFill>
-                <a:latin typeface="Comic Sans MS"/>
-                <a:cs typeface="Comic Sans MS"/>
-              </a:rPr>
-              <a:t>independent of</a:t>
-            </a:r>
-            <a:r>
-              <a:rPr lang="en-US" sz="4400" dirty="0">
-                <a:solidFill>
-                  <a:srgbClr val="0000CC"/>
-                </a:solidFill>
-                <a:latin typeface="Comic Sans MS"/>
-                <a:cs typeface="Comic Sans MS"/>
-              </a:rPr>
-              <a:t> H</a:t>
-            </a:r>
-            <a:r>
-              <a:rPr lang="en-US" sz="4400" baseline="-25000" dirty="0">
-                <a:solidFill>
-                  <a:srgbClr val="0000CC"/>
-                </a:solidFill>
-                <a:latin typeface="Comic Sans MS"/>
-                <a:cs typeface="Comic Sans MS"/>
-              </a:rPr>
-              <a:t>1</a:t>
-            </a:r>
-            <a:r>
-              <a:rPr lang="en-US" sz="4400" dirty="0" smtClean="0">
-                <a:solidFill>
-                  <a:srgbClr val="000000"/>
-                </a:solidFill>
-                <a:latin typeface="Comic Sans MS"/>
-                <a:cs typeface="Comic Sans MS"/>
-              </a:rPr>
-              <a:t>:</a:t>
-            </a:r>
-          </a:p>
-        </p:txBody>
-      </p:sp>
-      <p:graphicFrame>
-        <p:nvGraphicFramePr>
-          <p:cNvPr id="5" name="Object 4"/>
-          <p:cNvGraphicFramePr>
-            <a:graphicFrameLocks noChangeAspect="1"/>
-          </p:cNvGraphicFramePr>
-          <p:nvPr>
-            <p:extLst>
-              <p:ext uri="{D42A27DB-BD31-4B8C-83A1-F6EECF244321}">
-                <p14:modId xmlns:p14="http://schemas.microsoft.com/office/powerpoint/2010/main" val="3212147744"/>
-              </p:ext>
-            </p:extLst>
-          </p:nvPr>
-        </p:nvGraphicFramePr>
-        <p:xfrm>
-          <a:off x="897936" y="3451752"/>
-          <a:ext cx="6623688" cy="1945951"/>
-        </p:xfrm>
-        <a:graphic>
-          <a:graphicData uri="http://schemas.openxmlformats.org/presentationml/2006/ole">
-            <mc:AlternateContent xmlns:mc="http://schemas.openxmlformats.org/markup-compatibility/2006">
-              <mc:Choice xmlns:v="urn:schemas-microsoft-com:vml" Requires="v">
-                <p:oleObj spid="_x0000_s352272" name="Equation" r:id="rId4" imgW="1841500" imgH="469900" progId="Equation.DSMT4">
-                  <p:embed/>
-                </p:oleObj>
-              </mc:Choice>
-              <mc:Fallback>
-                <p:oleObj name="Equation" r:id="rId4" imgW="1841500" imgH="469900" progId="Equation.DSMT4">
-                  <p:embed/>
-                  <p:pic>
-                    <p:nvPicPr>
-                      <p:cNvPr id="0" name=""/>
-                      <p:cNvPicPr/>
-                      <p:nvPr/>
-                    </p:nvPicPr>
-                    <p:blipFill>
-                      <a:blip r:embed="rId5"/>
-                      <a:stretch>
-                        <a:fillRect/>
-                      </a:stretch>
-                    </p:blipFill>
-                    <p:spPr>
-                      <a:xfrm>
-                        <a:off x="897936" y="3451752"/>
-                        <a:ext cx="6623688" cy="1945951"/>
-                      </a:xfrm>
-                      <a:prstGeom prst="rect">
-                        <a:avLst/>
-                      </a:prstGeom>
-                    </p:spPr>
-                  </p:pic>
-                </p:oleObj>
-              </mc:Fallback>
-            </mc:AlternateContent>
-          </a:graphicData>
-        </a:graphic>
-      </p:graphicFrame>
-      <p:graphicFrame>
-        <p:nvGraphicFramePr>
-          <p:cNvPr id="9" name="Object 8"/>
-          <p:cNvGraphicFramePr>
-            <a:graphicFrameLocks noChangeAspect="1"/>
-          </p:cNvGraphicFramePr>
-          <p:nvPr>
-            <p:extLst>
-              <p:ext uri="{D42A27DB-BD31-4B8C-83A1-F6EECF244321}">
-                <p14:modId xmlns:p14="http://schemas.microsoft.com/office/powerpoint/2010/main" val="3074427291"/>
-              </p:ext>
-            </p:extLst>
-          </p:nvPr>
-        </p:nvGraphicFramePr>
-        <p:xfrm>
-          <a:off x="480218" y="4891873"/>
-          <a:ext cx="8177213" cy="2943225"/>
-        </p:xfrm>
-        <a:graphic>
-          <a:graphicData uri="http://schemas.openxmlformats.org/presentationml/2006/ole">
-            <mc:AlternateContent xmlns:mc="http://schemas.openxmlformats.org/markup-compatibility/2006">
-              <mc:Choice xmlns:v="urn:schemas-microsoft-com:vml" Requires="v">
-                <p:oleObj spid="_x0000_s352273" name="Equation" r:id="rId6" imgW="2273300" imgH="711200" progId="Equation.DSMT4">
-                  <p:embed/>
-                </p:oleObj>
-              </mc:Choice>
-              <mc:Fallback>
-                <p:oleObj name="Equation" r:id="rId6" imgW="2273300" imgH="711200" progId="Equation.DSMT4">
-                  <p:embed/>
-                  <p:pic>
-                    <p:nvPicPr>
-                      <p:cNvPr id="0" name=""/>
-                      <p:cNvPicPr/>
-                      <p:nvPr/>
-                    </p:nvPicPr>
-                    <p:blipFill>
-                      <a:blip r:embed="rId7"/>
-                      <a:stretch>
-                        <a:fillRect/>
-                      </a:stretch>
-                    </p:blipFill>
-                    <p:spPr>
-                      <a:xfrm>
-                        <a:off x="480218" y="4891873"/>
-                        <a:ext cx="8177213" cy="2943225"/>
-                      </a:xfrm>
-                      <a:prstGeom prst="rect">
-                        <a:avLst/>
-                      </a:prstGeom>
-                    </p:spPr>
-                  </p:pic>
-                </p:oleObj>
-              </mc:Fallback>
-            </mc:AlternateContent>
-          </a:graphicData>
-        </a:graphic>
-      </p:graphicFrame>
-    </p:spTree>
-    <p:extLst>
-      <p:ext uri="{BB962C8B-B14F-4D97-AF65-F5344CB8AC3E}">
-        <p14:creationId xmlns:p14="http://schemas.microsoft.com/office/powerpoint/2010/main" val="1189011608"/>
-      </p:ext>
-    </p:extLst>
-  </p:cSld>
-  <p:clrMapOvr>
-    <a:masterClrMapping/>
-  </p:clrMapOvr>
-  <p:transition xmlns:p14="http://schemas.microsoft.com/office/powerpoint/2010/main" spd="slow" advClick="0">
-    <p:fade/>
-  </p:transition>
-  <p:timing>
-    <p:tnLst>
-      <p:par>
-        <p:cTn xmlns:p14="http://schemas.microsoft.com/office/powerpoint/2010/main" id="1" dur="indefinite" restart="never" nodeType="tmRoot"/>
-      </p:par>
-    </p:tnLst>
-  </p:timing>
-</p:sld>
-</file>
-
-<file path=ppt/slides/slide5.xml><?xml version="1.0" encoding="utf-8"?>
-<p:sld xmlns:a="http://schemas.openxmlformats.org/drawingml/2006/main" xmlns:r="http://schemas.openxmlformats.org/officeDocument/2006/relationships" xmlns:p="http://schemas.openxmlformats.org/presentationml/2006/main">
-  <p:cSld>
-    <p:spTree>
-      <p:nvGrpSpPr>
-        <p:cNvPr id="1" name=""/>
-        <p:cNvGrpSpPr/>
-        <p:nvPr/>
-      </p:nvGrpSpPr>
-      <p:grpSpPr>
-        <a:xfrm>
-          <a:off x="0" y="0"/>
-          <a:ext cx="0" cy="0"/>
-          <a:chOff x="0" y="0"/>
-          <a:chExt cx="0" cy="0"/>
-        </a:xfrm>
-      </p:grpSpPr>
-      <p:sp>
-        <p:nvSpPr>
-          <p:cNvPr id="2" name="Title 1"/>
-          <p:cNvSpPr>
-            <a:spLocks noGrp="1"/>
-          </p:cNvSpPr>
-          <p:nvPr>
-            <p:ph type="title"/>
-          </p:nvPr>
-        </p:nvSpPr>
-        <p:spPr/>
-        <p:txBody>
-          <a:bodyPr/>
-          <a:lstStyle/>
-          <a:p>
-            <a:r>
-              <a:rPr lang="en-US" sz="4400" dirty="0" smtClean="0"/>
-              <a:t>Mutual Independence</a:t>
-            </a:r>
-            <a:endParaRPr lang="en-US" sz="4400" dirty="0"/>
-          </a:p>
-        </p:txBody>
-      </p:sp>
-      <p:sp>
-        <p:nvSpPr>
-          <p:cNvPr id="3" name="Content Placeholder 2"/>
-          <p:cNvSpPr>
-            <a:spLocks noGrp="1"/>
-          </p:cNvSpPr>
-          <p:nvPr>
-            <p:ph idx="1"/>
-          </p:nvPr>
-        </p:nvSpPr>
-        <p:spPr>
-          <a:xfrm>
-            <a:off x="429031" y="1086950"/>
-            <a:ext cx="8428420" cy="5253584"/>
-          </a:xfrm>
-        </p:spPr>
-        <p:txBody>
-          <a:bodyPr/>
-          <a:lstStyle/>
-          <a:p>
-            <a:r>
-              <a:rPr lang="en-US" sz="5400" dirty="0" smtClean="0"/>
-              <a:t>Events </a:t>
-            </a:r>
-            <a:r>
-              <a:rPr lang="en-US" sz="5400" dirty="0" smtClean="0">
-                <a:solidFill>
-                  <a:srgbClr val="0000CC"/>
-                </a:solidFill>
-              </a:rPr>
-              <a:t>A</a:t>
-            </a:r>
-            <a:r>
-              <a:rPr lang="en-US" sz="5400" baseline="-25000" dirty="0" smtClean="0">
-                <a:solidFill>
-                  <a:srgbClr val="0000CC"/>
-                </a:solidFill>
-              </a:rPr>
-              <a:t>1</a:t>
-            </a:r>
-            <a:r>
-              <a:rPr lang="en-US" sz="5400" dirty="0" smtClean="0">
-                <a:solidFill>
-                  <a:srgbClr val="0000CC"/>
-                </a:solidFill>
-              </a:rPr>
-              <a:t>, A</a:t>
-            </a:r>
-            <a:r>
-              <a:rPr lang="en-US" sz="5400" baseline="-25000" dirty="0" smtClean="0">
-                <a:solidFill>
-                  <a:srgbClr val="0000CC"/>
-                </a:solidFill>
-              </a:rPr>
-              <a:t>2</a:t>
-            </a:r>
-            <a:r>
-              <a:rPr lang="en-US" sz="5400" dirty="0" smtClean="0">
-                <a:solidFill>
-                  <a:srgbClr val="0000CC"/>
-                </a:solidFill>
-              </a:rPr>
-              <a:t>,</a:t>
-            </a:r>
-            <a:r>
-              <a:rPr lang="en-US" sz="5400" dirty="0" smtClean="0">
-                <a:solidFill>
-                  <a:srgbClr val="0000CC"/>
-                </a:solidFill>
-                <a:sym typeface="Euclid Symbol"/>
-              </a:rPr>
-              <a:t>…,</a:t>
-            </a:r>
-            <a:r>
-              <a:rPr lang="en-US" sz="5400" dirty="0" smtClean="0">
-                <a:solidFill>
-                  <a:srgbClr val="0000CC"/>
-                </a:solidFill>
-              </a:rPr>
-              <a:t>A</a:t>
-            </a:r>
-            <a:r>
-              <a:rPr lang="en-US" sz="5400" baseline="-25000" dirty="0" smtClean="0">
-                <a:solidFill>
-                  <a:srgbClr val="0000CC"/>
-                </a:solidFill>
-              </a:rPr>
-              <a:t>n</a:t>
-            </a:r>
-            <a:r>
-              <a:rPr lang="en-US" sz="5400" dirty="0" smtClean="0">
-                <a:solidFill>
-                  <a:srgbClr val="0000CC"/>
-                </a:solidFill>
-                <a:sym typeface="Euclid Symbol"/>
-              </a:rPr>
-              <a:t> </a:t>
-            </a:r>
-            <a:r>
-              <a:rPr lang="en-US" sz="5400" dirty="0" smtClean="0">
-                <a:sym typeface="Euclid Symbol"/>
-              </a:rPr>
-              <a:t>are</a:t>
-            </a:r>
-          </a:p>
-          <a:p>
-            <a:pPr algn="ctr"/>
-            <a:r>
-              <a:rPr lang="en-US" sz="4800" dirty="0" smtClean="0">
-                <a:solidFill>
-                  <a:srgbClr val="660066"/>
-                </a:solidFill>
-                <a:sym typeface="Euclid Symbol"/>
-              </a:rPr>
-              <a:t>mutually independent</a:t>
-            </a:r>
-          </a:p>
-          <a:p>
-            <a:r>
-              <a:rPr lang="en-US" sz="4800" dirty="0" smtClean="0">
-                <a:solidFill>
-                  <a:srgbClr val="000000"/>
-                </a:solidFill>
-                <a:sym typeface="Euclid Symbol"/>
-              </a:rPr>
-              <a:t>when</a:t>
-            </a:r>
-          </a:p>
-          <a:p>
-            <a:r>
-              <a:rPr lang="en-US" sz="4800" dirty="0" smtClean="0">
-                <a:solidFill>
-                  <a:srgbClr val="0000CC"/>
-                </a:solidFill>
-                <a:sym typeface="Euclid Symbol"/>
-              </a:rPr>
-              <a:t>                        </a:t>
-            </a:r>
-            <a:endParaRPr lang="en-US" sz="4800" dirty="0" smtClean="0">
-              <a:solidFill>
-                <a:srgbClr val="0000CC"/>
-              </a:solidFill>
-              <a:sym typeface="Euclid Symbol"/>
-            </a:endParaRPr>
-          </a:p>
-        </p:txBody>
-      </p:sp>
-      <p:sp>
-        <p:nvSpPr>
-          <p:cNvPr id="4" name="Slide Number Placeholder 3"/>
-          <p:cNvSpPr>
-            <a:spLocks noGrp="1"/>
-          </p:cNvSpPr>
-          <p:nvPr>
-            <p:ph type="sldNum" sz="quarter" idx="4"/>
-          </p:nvPr>
-        </p:nvSpPr>
-        <p:spPr>
-          <a:xfrm>
-            <a:off x="7696200" y="6629400"/>
-            <a:ext cx="1447800" cy="228600"/>
-          </a:xfrm>
-        </p:spPr>
-        <p:txBody>
-          <a:bodyPr/>
-          <a:lstStyle/>
-          <a:p>
-            <a:pPr>
-              <a:defRPr/>
-            </a:pPr>
-            <a:r>
-              <a:rPr lang="en-US" dirty="0" err="1" smtClean="0"/>
-              <a:t>mutualindep</a:t>
-            </a:r>
-            <a:r>
-              <a:rPr lang="en-US" dirty="0" smtClean="0"/>
-              <a:t>.</a:t>
-            </a:r>
-            <a:fld id="{679D5B46-281B-48C5-ADB5-CFE0495CD191}" type="slidenum">
-              <a:rPr lang="en-US" smtClean="0"/>
-              <a:pPr>
-                <a:defRPr/>
-              </a:pPr>
-              <a:t>5</a:t>
-            </a:fld>
-            <a:endParaRPr lang="en-US" dirty="0"/>
-          </a:p>
-        </p:txBody>
-      </p:sp>
-      <p:sp>
-        <p:nvSpPr>
-          <p:cNvPr id="12" name="Rectangle 4"/>
-          <p:cNvSpPr txBox="1">
-            <a:spLocks noChangeArrowheads="1"/>
-          </p:cNvSpPr>
-          <p:nvPr/>
-        </p:nvSpPr>
-        <p:spPr bwMode="auto">
-          <a:xfrm>
-            <a:off x="7696200" y="6629400"/>
-            <a:ext cx="1447800" cy="228600"/>
-          </a:xfrm>
-          <a:prstGeom prst="rect">
-            <a:avLst/>
-          </a:prstGeom>
-          <a:noFill/>
-          <a:ln w="9525">
-            <a:noFill/>
-            <a:miter lim="800000"/>
-            <a:headEnd/>
-            <a:tailEnd/>
-          </a:ln>
-          <a:effectLst/>
-        </p:spPr>
-        <p:txBody>
-          <a:bodyPr vert="horz" wrap="square" lIns="91440" tIns="45720" rIns="91440" bIns="45720" numCol="1" anchor="t" anchorCtr="0" compatLnSpc="1">
-            <a:prstTxWarp prst="textNoShape">
-              <a:avLst/>
-            </a:prstTxWarp>
-          </a:bodyPr>
-          <a:lstStyle>
-            <a:lvl1pPr algn="r">
-              <a:defRPr sz="1200" dirty="0" err="1" smtClean="0">
-                <a:latin typeface="+mn-lt"/>
-              </a:defRPr>
-            </a:lvl1pPr>
-          </a:lstStyle>
-          <a:p>
-            <a:pPr marL="0" marR="0" lvl="0" indent="0" algn="r" defTabSz="914400" rtl="0" eaLnBrk="1" fontAlgn="base" latinLnBrk="0" hangingPunct="1">
-              <a:lnSpc>
-                <a:spcPct val="100000"/>
-              </a:lnSpc>
-              <a:spcBef>
-                <a:spcPct val="0"/>
-              </a:spcBef>
-              <a:spcAft>
-                <a:spcPct val="0"/>
-              </a:spcAft>
-              <a:buClrTx/>
-              <a:buSzTx/>
-              <a:buFontTx/>
-              <a:buNone/>
-              <a:tabLst/>
-              <a:defRPr/>
-            </a:pPr>
-            <a:r>
-              <a:rPr kumimoji="0" lang="en-US" sz="1200" b="0" i="0" u="none" strike="noStrike" kern="1200" cap="none" spc="0" normalizeH="0" baseline="0" noProof="0" dirty="0" err="1" smtClean="0">
-                <a:ln>
-                  <a:noFill/>
-                </a:ln>
-                <a:solidFill>
-                  <a:schemeClr val="tx1"/>
-                </a:solidFill>
-                <a:effectLst/>
-                <a:uLnTx/>
-                <a:uFillTx/>
-                <a:latin typeface="+mn-lt"/>
-                <a:ea typeface="+mn-ea"/>
-                <a:cs typeface="+mn-cs"/>
-              </a:rPr>
-              <a:t>mutualindep</a:t>
-            </a:r>
-            <a:r>
-              <a:rPr kumimoji="0" lang="en-US" sz="1200" b="0" i="0" u="none" strike="noStrike" kern="1200" cap="none" spc="0" normalizeH="0" baseline="0" noProof="0" dirty="0" smtClean="0">
-                <a:ln>
-                  <a:noFill/>
-                </a:ln>
-                <a:solidFill>
-                  <a:schemeClr val="tx1"/>
-                </a:solidFill>
-                <a:effectLst/>
-                <a:uLnTx/>
-                <a:uFillTx/>
-                <a:latin typeface="+mn-lt"/>
-                <a:ea typeface="+mn-ea"/>
-                <a:cs typeface="+mn-cs"/>
-              </a:rPr>
-              <a:t>.</a:t>
-            </a:r>
-            <a:fld id="{B9A0B45D-6AFD-413C-B761-B121FB8BE940}" type="slidenum">
-              <a:rPr kumimoji="0" lang="en-US" sz="1200" b="0" i="0" u="none" strike="noStrike" kern="1200" cap="none" spc="0" normalizeH="0" baseline="0" noProof="0" smtClean="0">
-                <a:ln>
-                  <a:noFill/>
-                </a:ln>
-                <a:solidFill>
-                  <a:schemeClr val="tx1"/>
-                </a:solidFill>
-                <a:effectLst/>
-                <a:uLnTx/>
-                <a:uFillTx/>
-                <a:latin typeface="+mn-lt"/>
-                <a:ea typeface="+mn-ea"/>
-                <a:cs typeface="+mn-cs"/>
-              </a:rPr>
-              <a:pPr marL="0" marR="0" lvl="0" indent="0" algn="r" defTabSz="914400" rtl="0" eaLnBrk="1" fontAlgn="base" latinLnBrk="0" hangingPunct="1">
-                <a:lnSpc>
-                  <a:spcPct val="100000"/>
-                </a:lnSpc>
-                <a:spcBef>
-                  <a:spcPct val="0"/>
-                </a:spcBef>
-                <a:spcAft>
-                  <a:spcPct val="0"/>
-                </a:spcAft>
-                <a:buClrTx/>
-                <a:buSzTx/>
-                <a:buFontTx/>
-                <a:buNone/>
-                <a:tabLst/>
-                <a:defRPr/>
-              </a:pPr>
-              <a:t>5</a:t>
-            </a:fld>
-            <a:endParaRPr kumimoji="0" lang="en-US" sz="1200" b="0" i="0" u="none" strike="noStrike" kern="1200" cap="none" spc="0" normalizeH="0" baseline="0" noProof="0" dirty="0">
-              <a:ln>
-                <a:noFill/>
-              </a:ln>
-              <a:solidFill>
-                <a:schemeClr val="tx1"/>
-              </a:solidFill>
-              <a:effectLst/>
-              <a:uLnTx/>
-              <a:uFillTx/>
-              <a:latin typeface="+mn-lt"/>
-              <a:ea typeface="+mn-ea"/>
-              <a:cs typeface="+mn-cs"/>
-            </a:endParaRPr>
-          </a:p>
-        </p:txBody>
-      </p:sp>
-      <p:graphicFrame>
-        <p:nvGraphicFramePr>
-          <p:cNvPr id="5" name="Object 4"/>
-          <p:cNvGraphicFramePr>
-            <a:graphicFrameLocks noChangeAspect="1"/>
-          </p:cNvGraphicFramePr>
-          <p:nvPr>
-            <p:extLst>
-              <p:ext uri="{D42A27DB-BD31-4B8C-83A1-F6EECF244321}">
-                <p14:modId xmlns:p14="http://schemas.microsoft.com/office/powerpoint/2010/main" val="3579947262"/>
-              </p:ext>
-            </p:extLst>
-          </p:nvPr>
-        </p:nvGraphicFramePr>
-        <p:xfrm>
-          <a:off x="243601" y="3725070"/>
-          <a:ext cx="8439650" cy="2766205"/>
-        </p:xfrm>
-        <a:graphic>
-          <a:graphicData uri="http://schemas.openxmlformats.org/presentationml/2006/ole">
-            <mc:AlternateContent xmlns:mc="http://schemas.openxmlformats.org/markup-compatibility/2006">
-              <mc:Choice xmlns:v="urn:schemas-microsoft-com:vml" Requires="v">
-                <p:oleObj spid="_x0000_s350218" name="Equation" r:id="rId4" imgW="2400300" imgH="787400" progId="Equation.DSMT4">
-                  <p:embed/>
-                </p:oleObj>
-              </mc:Choice>
-              <mc:Fallback>
-                <p:oleObj name="Equation" r:id="rId4" imgW="2400300" imgH="787400" progId="Equation.DSMT4">
-                  <p:embed/>
-                  <p:pic>
-                    <p:nvPicPr>
-                      <p:cNvPr id="0" name=""/>
-                      <p:cNvPicPr/>
-                      <p:nvPr/>
-                    </p:nvPicPr>
-                    <p:blipFill>
-                      <a:blip r:embed="rId5"/>
-                      <a:stretch>
-                        <a:fillRect/>
-                      </a:stretch>
-                    </p:blipFill>
-                    <p:spPr>
-                      <a:xfrm>
-                        <a:off x="243601" y="3725070"/>
-                        <a:ext cx="8439650" cy="2766205"/>
-                      </a:xfrm>
-                      <a:prstGeom prst="rect">
-                        <a:avLst/>
-                      </a:prstGeom>
-                    </p:spPr>
-                  </p:pic>
-                </p:oleObj>
-              </mc:Fallback>
-            </mc:AlternateContent>
-          </a:graphicData>
-        </a:graphic>
-      </p:graphicFrame>
-    </p:spTree>
-    <p:extLst>
-      <p:ext uri="{BB962C8B-B14F-4D97-AF65-F5344CB8AC3E}">
-        <p14:creationId xmlns:p14="http://schemas.microsoft.com/office/powerpoint/2010/main" val="3758118037"/>
-      </p:ext>
-    </p:extLst>
-  </p:cSld>
-  <p:clrMapOvr>
-    <a:masterClrMapping/>
-  </p:clrMapOvr>
-  <mc:AlternateContent xmlns:mc="http://schemas.openxmlformats.org/markup-compatibility/2006">
-    <mc:Choice xmlns:p14="http://schemas.microsoft.com/office/powerpoint/2010/main" Requires="p14">
-      <p:transition spd="slow" p14:dur="800" advClick="0">
-        <p:fade thruBlk="1"/>
-      </p:transition>
-    </mc:Choice>
-    <mc:Fallback>
-      <p:transition xmlns:p14="http://schemas.microsoft.com/office/powerpoint/2010/main" spd="slow" advClick="0">
-        <p:fade thruBlk="1"/>
-      </p:transition>
-    </mc:Fallback>
-  </mc:AlternateContent>
-  <p:timing>
-    <p:tnLst>
-      <p:par>
-        <p:cTn xmlns:p14="http://schemas.microsoft.com/office/powerpoint/2010/main" id="1" dur="indefinite" restart="never" nodeType="tmRoot"/>
-      </p:par>
-    </p:tnLst>
-  </p:timing>
-</p:sld>
-</file>
-
-<file path=ppt/slides/slide6.xml><?xml version="1.0" encoding="utf-8"?>
-<p:sld xmlns:a="http://schemas.openxmlformats.org/drawingml/2006/main" xmlns:r="http://schemas.openxmlformats.org/officeDocument/2006/relationships" xmlns:p="http://schemas.openxmlformats.org/presentationml/2006/main">
-  <p:cSld>
-    <p:spTree>
-      <p:nvGrpSpPr>
-        <p:cNvPr id="1" name=""/>
-        <p:cNvGrpSpPr/>
-        <p:nvPr/>
-      </p:nvGrpSpPr>
-      <p:grpSpPr>
-        <a:xfrm>
-          <a:off x="0" y="0"/>
-          <a:ext cx="0" cy="0"/>
-          <a:chOff x="0" y="0"/>
-          <a:chExt cx="0" cy="0"/>
-        </a:xfrm>
-      </p:grpSpPr>
-      <p:sp>
-        <p:nvSpPr>
-          <p:cNvPr id="2" name="Title 1"/>
-          <p:cNvSpPr>
-            <a:spLocks noGrp="1"/>
-          </p:cNvSpPr>
-          <p:nvPr>
-            <p:ph type="title"/>
-          </p:nvPr>
-        </p:nvSpPr>
-        <p:spPr/>
-        <p:txBody>
-          <a:bodyPr/>
-          <a:lstStyle/>
-          <a:p>
-            <a:r>
-              <a:rPr lang="en-US" sz="4400" dirty="0" smtClean="0"/>
-              <a:t>Mutual Independence</a:t>
-            </a:r>
-            <a:endParaRPr lang="en-US" sz="4400" dirty="0"/>
-          </a:p>
-        </p:txBody>
-      </p:sp>
-      <p:sp>
-        <p:nvSpPr>
-          <p:cNvPr id="3" name="Content Placeholder 2"/>
-          <p:cNvSpPr>
-            <a:spLocks noGrp="1"/>
-          </p:cNvSpPr>
-          <p:nvPr>
-            <p:ph idx="1"/>
-          </p:nvPr>
-        </p:nvSpPr>
-        <p:spPr>
-          <a:xfrm>
-            <a:off x="429031" y="1086950"/>
-            <a:ext cx="8428420" cy="5253584"/>
-          </a:xfrm>
-        </p:spPr>
-        <p:txBody>
-          <a:bodyPr/>
-          <a:lstStyle/>
-          <a:p>
-            <a:r>
-              <a:rPr lang="en-US" sz="5400" dirty="0" smtClean="0"/>
-              <a:t>Events </a:t>
-            </a:r>
-            <a:r>
-              <a:rPr lang="en-US" sz="5400" dirty="0" smtClean="0">
-                <a:solidFill>
-                  <a:srgbClr val="0000CC"/>
-                </a:solidFill>
-              </a:rPr>
-              <a:t>A</a:t>
-            </a:r>
-            <a:r>
-              <a:rPr lang="en-US" sz="5400" baseline="-25000" dirty="0" smtClean="0">
-                <a:solidFill>
-                  <a:srgbClr val="0000CC"/>
-                </a:solidFill>
-              </a:rPr>
-              <a:t>1</a:t>
-            </a:r>
-            <a:r>
-              <a:rPr lang="en-US" sz="5400" dirty="0" smtClean="0">
-                <a:solidFill>
-                  <a:srgbClr val="0000CC"/>
-                </a:solidFill>
-              </a:rPr>
-              <a:t>, A</a:t>
-            </a:r>
-            <a:r>
-              <a:rPr lang="en-US" sz="5400" baseline="-25000" dirty="0" smtClean="0">
-                <a:solidFill>
-                  <a:srgbClr val="0000CC"/>
-                </a:solidFill>
-              </a:rPr>
-              <a:t>2</a:t>
-            </a:r>
-            <a:r>
-              <a:rPr lang="en-US" sz="5400" dirty="0" smtClean="0">
-                <a:solidFill>
-                  <a:srgbClr val="0000CC"/>
-                </a:solidFill>
-              </a:rPr>
-              <a:t>,</a:t>
-            </a:r>
-            <a:r>
-              <a:rPr lang="en-US" sz="5400" dirty="0" smtClean="0">
-                <a:solidFill>
-                  <a:srgbClr val="0000CC"/>
-                </a:solidFill>
-                <a:sym typeface="Euclid Symbol"/>
-              </a:rPr>
-              <a:t>…,</a:t>
-            </a:r>
-            <a:r>
-              <a:rPr lang="en-US" sz="5400" dirty="0" smtClean="0">
-                <a:solidFill>
-                  <a:srgbClr val="0000CC"/>
-                </a:solidFill>
-              </a:rPr>
-              <a:t>A</a:t>
-            </a:r>
-            <a:r>
-              <a:rPr lang="en-US" sz="5400" baseline="-25000" dirty="0" smtClean="0">
-                <a:solidFill>
-                  <a:srgbClr val="0000CC"/>
-                </a:solidFill>
-              </a:rPr>
-              <a:t>n</a:t>
-            </a:r>
-            <a:r>
-              <a:rPr lang="en-US" sz="5400" dirty="0" smtClean="0">
-                <a:solidFill>
-                  <a:srgbClr val="0000CC"/>
-                </a:solidFill>
-                <a:sym typeface="Euclid Symbol"/>
-              </a:rPr>
-              <a:t> </a:t>
-            </a:r>
-            <a:r>
-              <a:rPr lang="en-US" sz="5400" dirty="0" smtClean="0">
-                <a:sym typeface="Euclid Symbol"/>
-              </a:rPr>
-              <a:t>are</a:t>
-            </a:r>
-          </a:p>
-          <a:p>
-            <a:pPr algn="ctr"/>
-            <a:r>
-              <a:rPr lang="en-US" sz="4800" dirty="0" smtClean="0">
-                <a:solidFill>
-                  <a:srgbClr val="660066"/>
-                </a:solidFill>
-                <a:sym typeface="Euclid Symbol"/>
-              </a:rPr>
-              <a:t>mutually independent</a:t>
-            </a:r>
-          </a:p>
-          <a:p>
-            <a:r>
-              <a:rPr lang="en-US" sz="4800" dirty="0" smtClean="0">
-                <a:solidFill>
-                  <a:srgbClr val="000000"/>
-                </a:solidFill>
-                <a:sym typeface="Euclid Symbol"/>
-              </a:rPr>
-              <a:t>when</a:t>
-            </a:r>
-          </a:p>
-          <a:p>
-            <a:r>
-              <a:rPr lang="en-US" sz="4800" dirty="0" smtClean="0">
-                <a:solidFill>
-                  <a:srgbClr val="0000CC"/>
-                </a:solidFill>
-                <a:sym typeface="Euclid Symbol"/>
-              </a:rPr>
-              <a:t>                        </a:t>
-            </a:r>
-            <a:endParaRPr lang="en-US" sz="4800" dirty="0" smtClean="0">
-              <a:solidFill>
-                <a:srgbClr val="0000CC"/>
-              </a:solidFill>
-              <a:sym typeface="Euclid Symbol"/>
-            </a:endParaRPr>
-          </a:p>
-        </p:txBody>
-      </p:sp>
-      <p:sp>
-        <p:nvSpPr>
-          <p:cNvPr id="4" name="Slide Number Placeholder 3"/>
-          <p:cNvSpPr>
-            <a:spLocks noGrp="1"/>
-          </p:cNvSpPr>
-          <p:nvPr>
-            <p:ph type="sldNum" sz="quarter" idx="4"/>
-          </p:nvPr>
-        </p:nvSpPr>
-        <p:spPr>
-          <a:xfrm>
-            <a:off x="7696200" y="6629400"/>
-            <a:ext cx="1447800" cy="228600"/>
-          </a:xfrm>
-        </p:spPr>
-        <p:txBody>
-          <a:bodyPr/>
-          <a:lstStyle/>
-          <a:p>
-            <a:pPr>
-              <a:defRPr/>
-            </a:pPr>
-            <a:r>
-              <a:rPr lang="en-US" dirty="0" err="1" smtClean="0"/>
-              <a:t>mutualindep</a:t>
-            </a:r>
-            <a:r>
-              <a:rPr lang="en-US" dirty="0" smtClean="0"/>
-              <a:t>.</a:t>
-            </a:r>
-            <a:fld id="{679D5B46-281B-48C5-ADB5-CFE0495CD191}" type="slidenum">
-              <a:rPr lang="en-US" smtClean="0"/>
-              <a:pPr>
-                <a:defRPr/>
-              </a:pPr>
-              <a:t>6</a:t>
-            </a:fld>
-            <a:endParaRPr lang="en-US" dirty="0"/>
-          </a:p>
-        </p:txBody>
-      </p:sp>
-      <p:sp>
-        <p:nvSpPr>
-          <p:cNvPr id="12" name="Rectangle 4"/>
-          <p:cNvSpPr txBox="1">
-            <a:spLocks noChangeArrowheads="1"/>
-          </p:cNvSpPr>
-          <p:nvPr/>
-        </p:nvSpPr>
-        <p:spPr bwMode="auto">
-          <a:xfrm>
-            <a:off x="7696200" y="6629400"/>
-            <a:ext cx="1447800" cy="228600"/>
-          </a:xfrm>
-          <a:prstGeom prst="rect">
-            <a:avLst/>
-          </a:prstGeom>
-          <a:noFill/>
-          <a:ln w="9525">
-            <a:noFill/>
-            <a:miter lim="800000"/>
-            <a:headEnd/>
-            <a:tailEnd/>
-          </a:ln>
-          <a:effectLst/>
-        </p:spPr>
-        <p:txBody>
-          <a:bodyPr vert="horz" wrap="square" lIns="91440" tIns="45720" rIns="91440" bIns="45720" numCol="1" anchor="t" anchorCtr="0" compatLnSpc="1">
-            <a:prstTxWarp prst="textNoShape">
-              <a:avLst/>
-            </a:prstTxWarp>
-          </a:bodyPr>
-          <a:lstStyle>
-            <a:lvl1pPr algn="r">
-              <a:defRPr sz="1200" dirty="0" err="1" smtClean="0">
-                <a:latin typeface="+mn-lt"/>
-              </a:defRPr>
-            </a:lvl1pPr>
-          </a:lstStyle>
-          <a:p>
-            <a:pPr marL="0" marR="0" lvl="0" indent="0" algn="r" defTabSz="914400" rtl="0" eaLnBrk="1" fontAlgn="base" latinLnBrk="0" hangingPunct="1">
-              <a:lnSpc>
-                <a:spcPct val="100000"/>
-              </a:lnSpc>
-              <a:spcBef>
-                <a:spcPct val="0"/>
-              </a:spcBef>
-              <a:spcAft>
-                <a:spcPct val="0"/>
-              </a:spcAft>
-              <a:buClrTx/>
-              <a:buSzTx/>
-              <a:buFontTx/>
-              <a:buNone/>
-              <a:tabLst/>
-              <a:defRPr/>
-            </a:pPr>
-            <a:r>
-              <a:rPr kumimoji="0" lang="en-US" sz="1200" b="0" i="0" u="none" strike="noStrike" kern="1200" cap="none" spc="0" normalizeH="0" baseline="0" noProof="0" dirty="0" err="1" smtClean="0">
-                <a:ln>
-                  <a:noFill/>
-                </a:ln>
-                <a:solidFill>
-                  <a:schemeClr val="tx1"/>
-                </a:solidFill>
-                <a:effectLst/>
-                <a:uLnTx/>
-                <a:uFillTx/>
-                <a:latin typeface="+mn-lt"/>
-                <a:ea typeface="+mn-ea"/>
-                <a:cs typeface="+mn-cs"/>
-              </a:rPr>
-              <a:t>mutualindep</a:t>
-            </a:r>
-            <a:r>
-              <a:rPr kumimoji="0" lang="en-US" sz="1200" b="0" i="0" u="none" strike="noStrike" kern="1200" cap="none" spc="0" normalizeH="0" baseline="0" noProof="0" dirty="0" smtClean="0">
-                <a:ln>
-                  <a:noFill/>
-                </a:ln>
-                <a:solidFill>
-                  <a:schemeClr val="tx1"/>
-                </a:solidFill>
-                <a:effectLst/>
-                <a:uLnTx/>
-                <a:uFillTx/>
-                <a:latin typeface="+mn-lt"/>
-                <a:ea typeface="+mn-ea"/>
-                <a:cs typeface="+mn-cs"/>
-              </a:rPr>
-              <a:t>.</a:t>
-            </a:r>
-            <a:fld id="{B9A0B45D-6AFD-413C-B761-B121FB8BE940}" type="slidenum">
-              <a:rPr kumimoji="0" lang="en-US" sz="1200" b="0" i="0" u="none" strike="noStrike" kern="1200" cap="none" spc="0" normalizeH="0" baseline="0" noProof="0" smtClean="0">
-                <a:ln>
-                  <a:noFill/>
-                </a:ln>
-                <a:solidFill>
-                  <a:schemeClr val="tx1"/>
-                </a:solidFill>
-                <a:effectLst/>
-                <a:uLnTx/>
-                <a:uFillTx/>
-                <a:latin typeface="+mn-lt"/>
-                <a:ea typeface="+mn-ea"/>
-                <a:cs typeface="+mn-cs"/>
-              </a:rPr>
-              <a:pPr marL="0" marR="0" lvl="0" indent="0" algn="r" defTabSz="914400" rtl="0" eaLnBrk="1" fontAlgn="base" latinLnBrk="0" hangingPunct="1">
-                <a:lnSpc>
-                  <a:spcPct val="100000"/>
-                </a:lnSpc>
-                <a:spcBef>
-                  <a:spcPct val="0"/>
-                </a:spcBef>
-                <a:spcAft>
-                  <a:spcPct val="0"/>
-                </a:spcAft>
-                <a:buClrTx/>
-                <a:buSzTx/>
-                <a:buFontTx/>
-                <a:buNone/>
-                <a:tabLst/>
-                <a:defRPr/>
-              </a:pPr>
-              <a:t>6</a:t>
-            </a:fld>
-            <a:endParaRPr kumimoji="0" lang="en-US" sz="1200" b="0" i="0" u="none" strike="noStrike" kern="1200" cap="none" spc="0" normalizeH="0" baseline="0" noProof="0" dirty="0">
-              <a:ln>
-                <a:noFill/>
-              </a:ln>
-              <a:solidFill>
-                <a:schemeClr val="tx1"/>
-              </a:solidFill>
-              <a:effectLst/>
-              <a:uLnTx/>
-              <a:uFillTx/>
-              <a:latin typeface="+mn-lt"/>
-              <a:ea typeface="+mn-ea"/>
-              <a:cs typeface="+mn-cs"/>
-            </a:endParaRPr>
-          </a:p>
-        </p:txBody>
-      </p:sp>
-      <p:graphicFrame>
-        <p:nvGraphicFramePr>
-          <p:cNvPr id="7" name="Object 6"/>
-          <p:cNvGraphicFramePr>
-            <a:graphicFrameLocks noChangeAspect="1"/>
-          </p:cNvGraphicFramePr>
-          <p:nvPr>
-            <p:extLst>
-              <p:ext uri="{D42A27DB-BD31-4B8C-83A1-F6EECF244321}">
-                <p14:modId xmlns:p14="http://schemas.microsoft.com/office/powerpoint/2010/main" val="2930050810"/>
-              </p:ext>
-            </p:extLst>
-          </p:nvPr>
-        </p:nvGraphicFramePr>
-        <p:xfrm>
-          <a:off x="1309950" y="3682890"/>
-          <a:ext cx="6517750" cy="2373639"/>
-        </p:xfrm>
-        <a:graphic>
-          <a:graphicData uri="http://schemas.openxmlformats.org/presentationml/2006/ole">
-            <mc:AlternateContent xmlns:mc="http://schemas.openxmlformats.org/markup-compatibility/2006">
-              <mc:Choice xmlns:v="urn:schemas-microsoft-com:vml" Requires="v">
-                <p:oleObj spid="_x0000_s362498" name="Equation" r:id="rId4" imgW="1638300" imgH="596900" progId="Equation.DSMT4">
-                  <p:embed/>
-                </p:oleObj>
-              </mc:Choice>
-              <mc:Fallback>
-                <p:oleObj name="Equation" r:id="rId4" imgW="1638300" imgH="596900" progId="Equation.DSMT4">
-                  <p:embed/>
-                  <p:pic>
-                    <p:nvPicPr>
-                      <p:cNvPr id="0" name=""/>
-                      <p:cNvPicPr>
-                        <a:picLocks noChangeAspect="1" noChangeArrowheads="1"/>
-                      </p:cNvPicPr>
-                      <p:nvPr/>
-                    </p:nvPicPr>
-                    <p:blipFill>
-                      <a:blip r:embed="rId5"/>
-                      <a:srcRect/>
-                      <a:stretch>
-                        <a:fillRect/>
-                      </a:stretch>
-                    </p:blipFill>
-                    <p:spPr bwMode="auto">
-                      <a:xfrm>
-                        <a:off x="1309950" y="3682890"/>
-                        <a:ext cx="6517750" cy="2373639"/>
-                      </a:xfrm>
-                      <a:prstGeom prst="rect">
-                        <a:avLst/>
-                      </a:prstGeom>
-                      <a:noFill/>
-                      <a:extLst/>
-                    </p:spPr>
-                  </p:pic>
-                </p:oleObj>
-              </mc:Fallback>
-            </mc:AlternateContent>
-          </a:graphicData>
-        </a:graphic>
-      </p:graphicFrame>
-    </p:spTree>
-    <p:extLst>
-      <p:ext uri="{BB962C8B-B14F-4D97-AF65-F5344CB8AC3E}">
-        <p14:creationId xmlns:p14="http://schemas.microsoft.com/office/powerpoint/2010/main" val="3900347605"/>
-      </p:ext>
-    </p:extLst>
-  </p:cSld>
-  <p:clrMapOvr>
-    <a:masterClrMapping/>
-  </p:clrMapOvr>
-  <mc:AlternateContent xmlns:mc="http://schemas.openxmlformats.org/markup-compatibility/2006">
-    <mc:Choice xmlns:p14="http://schemas.microsoft.com/office/powerpoint/2010/main" Requires="p14">
-      <p:transition spd="slow" p14:dur="800" advClick="0">
-        <p:fade thruBlk="1"/>
-      </p:transition>
-    </mc:Choice>
-    <mc:Fallback>
-      <p:transition xmlns:p14="http://schemas.microsoft.com/office/powerpoint/2010/main" spd="slow" advClick="0">
-        <p:fade thruBlk="1"/>
-      </p:transition>
-    </mc:Fallback>
-  </mc:AlternateContent>
-  <p:timing>
-    <p:tnLst>
-      <p:par>
-        <p:cTn xmlns:p14="http://schemas.microsoft.com/office/powerpoint/2010/main" id="1" dur="indefinite" restart="never" nodeType="tmRoot">
-          <p:childTnLst>
-            <p:seq concurrent="1" nextAc="seek">
-              <p:cTn id="2" dur="indefinite" nodeType="mainSeq">
-                <p:childTnLst>
-                  <p:par>
-                    <p:cTn id="3" fill="hold">
-                      <p:stCondLst>
-                        <p:cond delay="indefinite"/>
-                      </p:stCondLst>
-                      <p:childTnLst>
-                        <p:par>
-                          <p:cTn id="4" fill="hold">
-                            <p:stCondLst>
-                              <p:cond delay="0"/>
-                            </p:stCondLst>
-                            <p:childTnLst>
-                              <p:par>
-                                <p:cTn id="5" presetID="22" presetClass="entr" presetSubtype="8" fill="hold" nodeType="clickEffect">
-                                  <p:stCondLst>
-                                    <p:cond delay="0"/>
-                                  </p:stCondLst>
-                                  <p:childTnLst>
-                                    <p:set>
-                                      <p:cBhvr>
-                                        <p:cTn id="6" dur="1" fill="hold">
-                                          <p:stCondLst>
-                                            <p:cond delay="0"/>
-                                          </p:stCondLst>
-                                        </p:cTn>
-                                        <p:tgtEl>
-                                          <p:spTgt spid="7"/>
-                                        </p:tgtEl>
-                                        <p:attrNameLst>
-                                          <p:attrName>style.visibility</p:attrName>
-                                        </p:attrNameLst>
-                                      </p:cBhvr>
-                                      <p:to>
-                                        <p:strVal val="visible"/>
-                                      </p:to>
-                                    </p:set>
-                                    <p:animEffect transition="in" filter="wipe(left)">
-                                      <p:cBhvr>
-                                        <p:cTn id="7" dur="2000"/>
-                                        <p:tgtEl>
-                                          <p:spTgt spid="7"/>
-                                        </p:tgtEl>
-                                      </p:cBhvr>
-                                    </p:animEffect>
-                                  </p:childTnLst>
-                                </p:cTn>
-                              </p:par>
-                            </p:childTnLst>
-                          </p:cTn>
-                        </p:par>
-                      </p:childTnLst>
-                    </p:cTn>
-                  </p:par>
-                </p:childTnLst>
-              </p:cTn>
-              <p:prevCondLst>
-                <p:cond evt="onPrev" delay="0">
-                  <p:tgtEl>
-                    <p:sldTgt/>
-                  </p:tgtEl>
-                </p:cond>
-              </p:prevCondLst>
-              <p:nextCondLst>
-                <p:cond evt="onNext" delay="0">
-                  <p:tgtEl>
-                    <p:sldTgt/>
-                  </p:tgtEl>
-                </p:cond>
-              </p:nextCondLst>
-            </p:seq>
-          </p:childTnLst>
-        </p:cTn>
-      </p:par>
-    </p:tnLst>
-  </p:timing>
-</p:sld>
-</file>
-
-<file path=ppt/slides/slide7.xml><?xml version="1.0" encoding="utf-8"?>
-<p:sld xmlns:a="http://schemas.openxmlformats.org/drawingml/2006/main" xmlns:r="http://schemas.openxmlformats.org/officeDocument/2006/relationships" xmlns:p="http://schemas.openxmlformats.org/presentationml/2006/main" show="0">
-  <p:cSld>
-    <p:spTree>
-      <p:nvGrpSpPr>
-        <p:cNvPr id="1" name=""/>
-        <p:cNvGrpSpPr/>
-        <p:nvPr/>
-      </p:nvGrpSpPr>
-      <p:grpSpPr>
-        <a:xfrm>
-          <a:off x="0" y="0"/>
-          <a:ext cx="0" cy="0"/>
-          <a:chOff x="0" y="0"/>
-          <a:chExt cx="0" cy="0"/>
-        </a:xfrm>
-      </p:grpSpPr>
-      <p:sp>
-        <p:nvSpPr>
-          <p:cNvPr id="2" name="Title 1"/>
-          <p:cNvSpPr>
-            <a:spLocks noGrp="1"/>
-          </p:cNvSpPr>
-          <p:nvPr>
-            <p:ph type="title"/>
-          </p:nvPr>
-        </p:nvSpPr>
-        <p:spPr/>
-        <p:txBody>
-          <a:bodyPr/>
-          <a:lstStyle/>
-          <a:p>
-            <a:r>
-              <a:rPr lang="en-US" sz="3600" dirty="0" smtClean="0">
-                <a:solidFill>
-                  <a:srgbClr val="0000CC"/>
-                </a:solidFill>
-              </a:rPr>
-              <a:t>k</a:t>
-            </a:r>
-            <a:r>
-              <a:rPr lang="en-US" sz="3600" dirty="0" smtClean="0"/>
-              <a:t>-way Independence</a:t>
-            </a:r>
-            <a:endParaRPr lang="en-US" sz="3600" dirty="0"/>
-          </a:p>
-        </p:txBody>
-      </p:sp>
-      <p:sp>
-        <p:nvSpPr>
-          <p:cNvPr id="3" name="Content Placeholder 2"/>
-          <p:cNvSpPr>
-            <a:spLocks noGrp="1"/>
-          </p:cNvSpPr>
-          <p:nvPr>
-            <p:ph idx="1"/>
-          </p:nvPr>
-        </p:nvSpPr>
-        <p:spPr>
-          <a:xfrm>
-            <a:off x="580015" y="1162874"/>
-            <a:ext cx="7954187" cy="4582296"/>
-          </a:xfrm>
-        </p:spPr>
-        <p:txBody>
-          <a:bodyPr/>
-          <a:lstStyle/>
-          <a:p>
-            <a:r>
-              <a:rPr lang="en-US" sz="4800" dirty="0" smtClean="0"/>
-              <a:t>Events </a:t>
-            </a:r>
-            <a:r>
-              <a:rPr lang="en-US" sz="4800" dirty="0" smtClean="0">
-                <a:solidFill>
-                  <a:srgbClr val="0000CC"/>
-                </a:solidFill>
-              </a:rPr>
-              <a:t>A</a:t>
-            </a:r>
-            <a:r>
-              <a:rPr lang="en-US" sz="4800" baseline="-25000" dirty="0" smtClean="0">
-                <a:solidFill>
-                  <a:srgbClr val="0000CC"/>
-                </a:solidFill>
-              </a:rPr>
-              <a:t>1</a:t>
-            </a:r>
-            <a:r>
-              <a:rPr lang="en-US" sz="4800" dirty="0" smtClean="0">
-                <a:solidFill>
-                  <a:srgbClr val="0000CC"/>
-                </a:solidFill>
-              </a:rPr>
-              <a:t>, A</a:t>
-            </a:r>
-            <a:r>
-              <a:rPr lang="en-US" sz="4800" baseline="-25000" dirty="0" smtClean="0">
-                <a:solidFill>
-                  <a:srgbClr val="0000CC"/>
-                </a:solidFill>
-              </a:rPr>
-              <a:t>2</a:t>
-            </a:r>
-            <a:r>
-              <a:rPr lang="en-US" sz="4800" dirty="0" smtClean="0">
-                <a:solidFill>
-                  <a:srgbClr val="0000CC"/>
-                </a:solidFill>
-              </a:rPr>
-              <a:t>, ... </a:t>
-            </a:r>
-            <a:r>
-              <a:rPr lang="en-US" sz="4800" dirty="0" smtClean="0"/>
-              <a:t>are</a:t>
-            </a:r>
-          </a:p>
-          <a:p>
-            <a:pPr algn="ctr"/>
-            <a:r>
-              <a:rPr lang="en-US" sz="4800" dirty="0" smtClean="0">
-                <a:solidFill>
-                  <a:srgbClr val="0000CC"/>
-                </a:solidFill>
-              </a:rPr>
-              <a:t>k</a:t>
-            </a:r>
-            <a:r>
-              <a:rPr lang="en-US" sz="4800" dirty="0" smtClean="0">
-                <a:solidFill>
-                  <a:srgbClr val="7030A0"/>
-                </a:solidFill>
-              </a:rPr>
-              <a:t>-way independent</a:t>
-            </a:r>
-          </a:p>
-          <a:p>
-            <a:r>
-              <a:rPr lang="en-US" sz="4800" dirty="0" err="1" smtClean="0"/>
-              <a:t>iff</a:t>
-            </a:r>
-            <a:r>
-              <a:rPr lang="en-US" sz="4800" dirty="0" smtClean="0"/>
-              <a:t> </a:t>
-            </a:r>
-            <a:r>
-              <a:rPr lang="en-US" sz="4800" dirty="0">
-                <a:solidFill>
-                  <a:srgbClr val="0000FF"/>
-                </a:solidFill>
-              </a:rPr>
-              <a:t>(k-1)</a:t>
-            </a:r>
-            <a:r>
-              <a:rPr lang="en-US" sz="4800" dirty="0"/>
-              <a:t>-way independent</a:t>
-            </a:r>
-          </a:p>
-        </p:txBody>
-      </p:sp>
-      <p:sp>
-        <p:nvSpPr>
-          <p:cNvPr id="4" name="Slide Number Placeholder 3"/>
-          <p:cNvSpPr>
-            <a:spLocks noGrp="1"/>
-          </p:cNvSpPr>
-          <p:nvPr>
-            <p:ph type="sldNum" sz="quarter" idx="4"/>
-          </p:nvPr>
-        </p:nvSpPr>
-        <p:spPr>
-          <a:xfrm>
-            <a:off x="7696200" y="6629400"/>
-            <a:ext cx="1447800" cy="228600"/>
-          </a:xfrm>
-        </p:spPr>
-        <p:txBody>
-          <a:bodyPr/>
-          <a:lstStyle/>
-          <a:p>
-            <a:pPr>
-              <a:defRPr/>
-            </a:pPr>
-            <a:r>
-              <a:rPr lang="en-US" dirty="0" err="1" smtClean="0"/>
-              <a:t>mutualindep</a:t>
-            </a:r>
-            <a:r>
-              <a:rPr lang="en-US" dirty="0" smtClean="0"/>
-              <a:t>.</a:t>
-            </a:r>
-            <a:fld id="{679D5B46-281B-48C5-ADB5-CFE0495CD191}" type="slidenum">
-              <a:rPr lang="en-US" smtClean="0"/>
-              <a:pPr>
-                <a:defRPr/>
-              </a:pPr>
               <a:t>7</a:t>
-            </a:fld>
-            <a:endParaRPr lang="en-US" dirty="0"/>
-          </a:p>
-        </p:txBody>
-      </p:sp>
-      <p:sp>
-        <p:nvSpPr>
-          <p:cNvPr id="5" name="Rectangle 4"/>
-          <p:cNvSpPr txBox="1">
-            <a:spLocks noChangeArrowheads="1"/>
-          </p:cNvSpPr>
-          <p:nvPr/>
-        </p:nvSpPr>
-        <p:spPr bwMode="auto">
-          <a:xfrm>
-            <a:off x="7696200" y="6629400"/>
-            <a:ext cx="1447800" cy="228600"/>
-          </a:xfrm>
-          <a:prstGeom prst="rect">
-            <a:avLst/>
-          </a:prstGeom>
-          <a:noFill/>
-          <a:ln w="9525">
-            <a:noFill/>
-            <a:miter lim="800000"/>
-            <a:headEnd/>
-            <a:tailEnd/>
-          </a:ln>
-          <a:effectLst/>
-        </p:spPr>
-        <p:txBody>
-          <a:bodyPr vert="horz" wrap="square" lIns="91440" tIns="45720" rIns="91440" bIns="45720" numCol="1" anchor="t" anchorCtr="0" compatLnSpc="1">
-            <a:prstTxWarp prst="textNoShape">
-              <a:avLst/>
-            </a:prstTxWarp>
-          </a:bodyPr>
-          <a:lstStyle>
-            <a:lvl1pPr algn="r">
-              <a:defRPr sz="1200" dirty="0" err="1" smtClean="0">
-                <a:latin typeface="+mn-lt"/>
-              </a:defRPr>
-            </a:lvl1pPr>
-          </a:lstStyle>
-          <a:p>
-            <a:pPr marL="0" marR="0" lvl="0" indent="0" algn="r" defTabSz="914400" rtl="0" eaLnBrk="1" fontAlgn="base" latinLnBrk="0" hangingPunct="1">
-              <a:lnSpc>
-                <a:spcPct val="100000"/>
-              </a:lnSpc>
-              <a:spcBef>
-                <a:spcPct val="0"/>
-              </a:spcBef>
-              <a:spcAft>
-                <a:spcPct val="0"/>
-              </a:spcAft>
-              <a:buClrTx/>
-              <a:buSzTx/>
-              <a:buFontTx/>
-              <a:buNone/>
-              <a:tabLst/>
-              <a:defRPr/>
-            </a:pPr>
-            <a:r>
-              <a:rPr kumimoji="0" lang="en-US" sz="1200" b="0" i="0" u="none" strike="noStrike" kern="1200" cap="none" spc="0" normalizeH="0" baseline="0" noProof="0" dirty="0" err="1" smtClean="0">
-                <a:ln>
-                  <a:noFill/>
-                </a:ln>
-                <a:solidFill>
-                  <a:schemeClr val="tx1"/>
-                </a:solidFill>
-                <a:effectLst/>
-                <a:uLnTx/>
-                <a:uFillTx/>
-                <a:latin typeface="+mn-lt"/>
-                <a:ea typeface="+mn-ea"/>
-                <a:cs typeface="+mn-cs"/>
-              </a:rPr>
-              <a:t>mutualindep</a:t>
-            </a:r>
-            <a:r>
-              <a:rPr kumimoji="0" lang="en-US" sz="1200" b="0" i="0" u="none" strike="noStrike" kern="1200" cap="none" spc="0" normalizeH="0" baseline="0" noProof="0" dirty="0" smtClean="0">
-                <a:ln>
-                  <a:noFill/>
-                </a:ln>
-                <a:solidFill>
-                  <a:schemeClr val="tx1"/>
-                </a:solidFill>
-                <a:effectLst/>
-                <a:uLnTx/>
-                <a:uFillTx/>
-                <a:latin typeface="+mn-lt"/>
-                <a:ea typeface="+mn-ea"/>
-                <a:cs typeface="+mn-cs"/>
-              </a:rPr>
-              <a:t>.</a:t>
-            </a:r>
-            <a:fld id="{B9A0B45D-6AFD-413C-B761-B121FB8BE940}" type="slidenum">
-              <a:rPr kumimoji="0" lang="en-US" sz="1200" b="0" i="0" u="none" strike="noStrike" kern="1200" cap="none" spc="0" normalizeH="0" baseline="0" noProof="0" smtClean="0">
-                <a:ln>
-                  <a:noFill/>
-                </a:ln>
-                <a:solidFill>
-                  <a:schemeClr val="tx1"/>
-                </a:solidFill>
-                <a:effectLst/>
-                <a:uLnTx/>
-                <a:uFillTx/>
-                <a:latin typeface="+mn-lt"/>
-                <a:ea typeface="+mn-ea"/>
-                <a:cs typeface="+mn-cs"/>
-              </a:rPr>
-              <a:pPr marL="0" marR="0" lvl="0" indent="0" algn="r" defTabSz="914400" rtl="0" eaLnBrk="1" fontAlgn="base" latinLnBrk="0" hangingPunct="1">
-                <a:lnSpc>
-                  <a:spcPct val="100000"/>
-                </a:lnSpc>
-                <a:spcBef>
-                  <a:spcPct val="0"/>
-                </a:spcBef>
-                <a:spcAft>
-                  <a:spcPct val="0"/>
-                </a:spcAft>
-                <a:buClrTx/>
-                <a:buSzTx/>
-                <a:buFontTx/>
-                <a:buNone/>
-                <a:tabLst/>
-                <a:defRPr/>
-              </a:pPr>
-              <a:t>7</a:t>
-            </a:fld>
-            <a:endParaRPr kumimoji="0" lang="en-US" sz="1200" b="0" i="0" u="none" strike="noStrike" kern="1200" cap="none" spc="0" normalizeH="0" baseline="0" noProof="0" dirty="0">
-              <a:ln>
-                <a:noFill/>
-              </a:ln>
-              <a:solidFill>
-                <a:schemeClr val="tx1"/>
-              </a:solidFill>
-              <a:effectLst/>
-              <a:uLnTx/>
-              <a:uFillTx/>
-              <a:latin typeface="+mn-lt"/>
-              <a:ea typeface="+mn-ea"/>
-              <a:cs typeface="+mn-cs"/>
-            </a:endParaRPr>
-          </a:p>
-        </p:txBody>
-      </p:sp>
-      <p:graphicFrame>
-        <p:nvGraphicFramePr>
-          <p:cNvPr id="6" name="Object 5"/>
-          <p:cNvGraphicFramePr>
-            <a:graphicFrameLocks noChangeAspect="1"/>
-          </p:cNvGraphicFramePr>
-          <p:nvPr>
-            <p:extLst>
-              <p:ext uri="{D42A27DB-BD31-4B8C-83A1-F6EECF244321}">
-                <p14:modId xmlns:p14="http://schemas.microsoft.com/office/powerpoint/2010/main" val="208182491"/>
-              </p:ext>
-            </p:extLst>
-          </p:nvPr>
-        </p:nvGraphicFramePr>
-        <p:xfrm>
-          <a:off x="1933575" y="3819525"/>
-          <a:ext cx="6059488" cy="2260600"/>
-        </p:xfrm>
-        <a:graphic>
-          <a:graphicData uri="http://schemas.openxmlformats.org/presentationml/2006/ole">
-            <mc:AlternateContent xmlns:mc="http://schemas.openxmlformats.org/markup-compatibility/2006">
-              <mc:Choice xmlns:v="urn:schemas-microsoft-com:vml" Requires="v">
-                <p:oleObj spid="_x0000_s361474" name="Equation" r:id="rId4" imgW="1701800" imgH="635000" progId="Equation.DSMT4">
-                  <p:embed/>
-                </p:oleObj>
-              </mc:Choice>
-              <mc:Fallback>
-                <p:oleObj name="Equation" r:id="rId4" imgW="1701800" imgH="635000" progId="Equation.DSMT4">
-                  <p:embed/>
-                  <p:pic>
-                    <p:nvPicPr>
-                      <p:cNvPr id="0" name=""/>
-                      <p:cNvPicPr>
-                        <a:picLocks noChangeAspect="1" noChangeArrowheads="1"/>
-                      </p:cNvPicPr>
-                      <p:nvPr/>
-                    </p:nvPicPr>
-                    <p:blipFill>
-                      <a:blip r:embed="rId5"/>
-                      <a:srcRect/>
-                      <a:stretch>
-                        <a:fillRect/>
-                      </a:stretch>
-                    </p:blipFill>
-                    <p:spPr bwMode="auto">
-                      <a:xfrm>
-                        <a:off x="1933575" y="3819525"/>
-                        <a:ext cx="6059488" cy="2260600"/>
-                      </a:xfrm>
-                      <a:prstGeom prst="rect">
-                        <a:avLst/>
-                      </a:prstGeom>
-                      <a:noFill/>
-                      <a:extLst/>
-                    </p:spPr>
-                  </p:pic>
-                </p:oleObj>
-              </mc:Fallback>
-            </mc:AlternateContent>
-          </a:graphicData>
-        </a:graphic>
-      </p:graphicFrame>
-      <p:sp>
-        <p:nvSpPr>
-          <p:cNvPr id="7" name="TextBox 6"/>
-          <p:cNvSpPr txBox="1"/>
-          <p:nvPr/>
-        </p:nvSpPr>
-        <p:spPr>
-          <a:xfrm>
-            <a:off x="527885" y="3765098"/>
-            <a:ext cx="1139046" cy="769441"/>
-          </a:xfrm>
-          <a:prstGeom prst="rect">
-            <a:avLst/>
-          </a:prstGeom>
-          <a:noFill/>
-        </p:spPr>
-        <p:txBody>
-          <a:bodyPr wrap="square" rtlCol="0">
-            <a:spAutoFit/>
-          </a:bodyPr>
-          <a:lstStyle/>
-          <a:p>
-            <a:r>
-              <a:rPr lang="en-US" sz="4400" dirty="0" smtClean="0">
-                <a:latin typeface="+mj-lt"/>
-              </a:rPr>
-              <a:t>and</a:t>
-            </a:r>
-          </a:p>
-        </p:txBody>
-      </p:sp>
-    </p:spTree>
-    <p:extLst>
-      <p:ext uri="{BB962C8B-B14F-4D97-AF65-F5344CB8AC3E}">
-        <p14:creationId xmlns:p14="http://schemas.microsoft.com/office/powerpoint/2010/main" val="197865362"/>
-      </p:ext>
-    </p:extLst>
-  </p:cSld>
-  <p:clrMapOvr>
-    <a:masterClrMapping/>
-  </p:clrMapOvr>
-  <p:transition xmlns:p14="http://schemas.microsoft.com/office/powerpoint/2010/main" spd="slow" advClick="0">
-    <p:fade/>
-  </p:transition>
-  <p:timing>
-    <p:tnLst>
-      <p:par>
-        <p:cTn xmlns:p14="http://schemas.microsoft.com/office/powerpoint/2010/main" id="1" dur="indefinite" restart="never" nodeType="tmRoot">
-          <p:childTnLst>
-            <p:seq concurrent="1" nextAc="seek">
-              <p:cTn id="2" dur="indefinite" nodeType="mainSeq">
-                <p:childTnLst>
-                  <p:par>
-                    <p:cTn id="3" fill="hold">
-                      <p:stCondLst>
-                        <p:cond delay="indefinite"/>
-                      </p:stCondLst>
-                      <p:childTnLst>
-                        <p:par>
-                          <p:cTn id="4" fill="hold">
-                            <p:stCondLst>
-                              <p:cond delay="0"/>
-                            </p:stCondLst>
-                            <p:childTnLst>
-                              <p:par>
-                                <p:cTn id="5" presetID="22" presetClass="entr" presetSubtype="8" fill="hold" nodeType="clickEffect">
-                                  <p:stCondLst>
-                                    <p:cond delay="0"/>
-                                  </p:stCondLst>
-                                  <p:childTnLst>
-                                    <p:set>
-                                      <p:cBhvr>
-                                        <p:cTn id="6" dur="1" fill="hold">
-                                          <p:stCondLst>
-                                            <p:cond delay="0"/>
-                                          </p:stCondLst>
-                                        </p:cTn>
-                                        <p:tgtEl>
-                                          <p:spTgt spid="6"/>
-                                        </p:tgtEl>
-                                        <p:attrNameLst>
-                                          <p:attrName>style.visibility</p:attrName>
-                                        </p:attrNameLst>
-                                      </p:cBhvr>
-                                      <p:to>
-                                        <p:strVal val="visible"/>
-                                      </p:to>
-                                    </p:set>
-                                    <p:animEffect transition="in" filter="wipe(left)">
-                                      <p:cBhvr>
-                                        <p:cTn id="7" dur="2000"/>
-                                        <p:tgtEl>
-                                          <p:spTgt spid="6"/>
-                                        </p:tgtEl>
-                                      </p:cBhvr>
-                                    </p:animEffect>
-                                  </p:childTnLst>
-                                </p:cTn>
-                              </p:par>
-                            </p:childTnLst>
-                          </p:cTn>
-                        </p:par>
-                      </p:childTnLst>
-                    </p:cTn>
-                  </p:par>
-                </p:childTnLst>
-              </p:cTn>
-              <p:prevCondLst>
-                <p:cond evt="onPrev" delay="0">
-                  <p:tgtEl>
-                    <p:sldTgt/>
-                  </p:tgtEl>
-                </p:cond>
-              </p:prevCondLst>
-              <p:nextCondLst>
-                <p:cond evt="onNext" delay="0">
-                  <p:tgtEl>
-                    <p:sldTgt/>
-                  </p:tgtEl>
-                </p:cond>
-              </p:nextCondLst>
-            </p:seq>
-          </p:childTnLst>
-        </p:cTn>
-      </p:par>
-    </p:tnLst>
-  </p:timing>
-</p:sld>
-</file>
-
-<file path=ppt/slides/slide8.xml><?xml version="1.0" encoding="utf-8"?>
-<p:sld xmlns:a="http://schemas.openxmlformats.org/drawingml/2006/main" xmlns:r="http://schemas.openxmlformats.org/officeDocument/2006/relationships" xmlns:p="http://schemas.openxmlformats.org/presentationml/2006/main">
-  <p:cSld>
-    <p:spTree>
-      <p:nvGrpSpPr>
-        <p:cNvPr id="1" name=""/>
-        <p:cNvGrpSpPr/>
-        <p:nvPr/>
-      </p:nvGrpSpPr>
-      <p:grpSpPr>
-        <a:xfrm>
-          <a:off x="0" y="0"/>
-          <a:ext cx="0" cy="0"/>
-          <a:chOff x="0" y="0"/>
-          <a:chExt cx="0" cy="0"/>
-        </a:xfrm>
-      </p:grpSpPr>
-      <p:sp>
-        <p:nvSpPr>
-          <p:cNvPr id="2" name="Title 1"/>
-          <p:cNvSpPr>
-            <a:spLocks noGrp="1"/>
-          </p:cNvSpPr>
-          <p:nvPr>
-            <p:ph type="title"/>
-          </p:nvPr>
-        </p:nvSpPr>
-        <p:spPr/>
-        <p:txBody>
-          <a:bodyPr/>
-          <a:lstStyle/>
-          <a:p>
-            <a:r>
-              <a:rPr lang="en-US" sz="4400" dirty="0" smtClean="0"/>
-              <a:t>Pairwise </a:t>
-            </a:r>
-            <a:r>
-              <a:rPr lang="en-US" sz="4400" dirty="0" smtClean="0"/>
-              <a:t>Independence</a:t>
-            </a:r>
-            <a:endParaRPr lang="en-US" sz="4400" dirty="0"/>
-          </a:p>
-        </p:txBody>
-      </p:sp>
-      <p:sp>
-        <p:nvSpPr>
-          <p:cNvPr id="4" name="Slide Number Placeholder 3"/>
-          <p:cNvSpPr>
-            <a:spLocks noGrp="1"/>
-          </p:cNvSpPr>
-          <p:nvPr>
-            <p:ph type="sldNum" sz="quarter" idx="4"/>
-          </p:nvPr>
-        </p:nvSpPr>
-        <p:spPr>
-          <a:xfrm>
-            <a:off x="7696200" y="6629400"/>
-            <a:ext cx="1447800" cy="228600"/>
-          </a:xfrm>
-        </p:spPr>
-        <p:txBody>
-          <a:bodyPr/>
-          <a:lstStyle/>
-          <a:p>
-            <a:pPr>
-              <a:defRPr/>
-            </a:pPr>
-            <a:r>
-              <a:rPr lang="en-US" dirty="0" err="1" smtClean="0"/>
-              <a:t>mutualindep</a:t>
-            </a:r>
-            <a:r>
-              <a:rPr lang="en-US" dirty="0" smtClean="0"/>
-              <a:t>.</a:t>
-            </a:r>
-            <a:fld id="{679D5B46-281B-48C5-ADB5-CFE0495CD191}" type="slidenum">
-              <a:rPr lang="en-US" smtClean="0"/>
-              <a:pPr>
-                <a:defRPr/>
-              </a:pPr>
-              <a:t>8</a:t>
-            </a:fld>
-            <a:endParaRPr lang="en-US" dirty="0"/>
-          </a:p>
-        </p:txBody>
-      </p:sp>
-      <p:sp>
-        <p:nvSpPr>
-          <p:cNvPr id="12" name="Rectangle 4"/>
-          <p:cNvSpPr txBox="1">
-            <a:spLocks noChangeArrowheads="1"/>
-          </p:cNvSpPr>
-          <p:nvPr/>
-        </p:nvSpPr>
-        <p:spPr bwMode="auto">
-          <a:xfrm>
-            <a:off x="7696200" y="6629400"/>
-            <a:ext cx="1447800" cy="228600"/>
-          </a:xfrm>
-          <a:prstGeom prst="rect">
-            <a:avLst/>
-          </a:prstGeom>
-          <a:noFill/>
-          <a:ln w="9525">
-            <a:noFill/>
-            <a:miter lim="800000"/>
-            <a:headEnd/>
-            <a:tailEnd/>
-          </a:ln>
-          <a:effectLst/>
-        </p:spPr>
-        <p:txBody>
-          <a:bodyPr vert="horz" wrap="square" lIns="91440" tIns="45720" rIns="91440" bIns="45720" numCol="1" anchor="t" anchorCtr="0" compatLnSpc="1">
-            <a:prstTxWarp prst="textNoShape">
-              <a:avLst/>
-            </a:prstTxWarp>
-          </a:bodyPr>
-          <a:lstStyle>
-            <a:lvl1pPr algn="r">
-              <a:defRPr sz="1200" dirty="0" err="1" smtClean="0">
-                <a:latin typeface="+mn-lt"/>
-              </a:defRPr>
-            </a:lvl1pPr>
-          </a:lstStyle>
-          <a:p>
-            <a:pPr marL="0" marR="0" lvl="0" indent="0" algn="r" defTabSz="914400" rtl="0" eaLnBrk="1" fontAlgn="base" latinLnBrk="0" hangingPunct="1">
-              <a:lnSpc>
-                <a:spcPct val="100000"/>
-              </a:lnSpc>
-              <a:spcBef>
-                <a:spcPct val="0"/>
-              </a:spcBef>
-              <a:spcAft>
-                <a:spcPct val="0"/>
-              </a:spcAft>
-              <a:buClrTx/>
-              <a:buSzTx/>
-              <a:buFontTx/>
-              <a:buNone/>
-              <a:tabLst/>
-              <a:defRPr/>
-            </a:pPr>
-            <a:r>
-              <a:rPr kumimoji="0" lang="en-US" sz="1200" b="0" i="0" u="none" strike="noStrike" kern="1200" cap="none" spc="0" normalizeH="0" baseline="0" noProof="0" dirty="0" err="1" smtClean="0">
-                <a:ln>
-                  <a:noFill/>
-                </a:ln>
-                <a:solidFill>
-                  <a:schemeClr val="tx1"/>
-                </a:solidFill>
-                <a:effectLst/>
-                <a:uLnTx/>
-                <a:uFillTx/>
-                <a:latin typeface="+mn-lt"/>
-                <a:ea typeface="+mn-ea"/>
-                <a:cs typeface="+mn-cs"/>
-              </a:rPr>
-              <a:t>mutualindep</a:t>
-            </a:r>
-            <a:r>
-              <a:rPr kumimoji="0" lang="en-US" sz="1200" b="0" i="0" u="none" strike="noStrike" kern="1200" cap="none" spc="0" normalizeH="0" baseline="0" noProof="0" dirty="0" smtClean="0">
-                <a:ln>
-                  <a:noFill/>
-                </a:ln>
-                <a:solidFill>
-                  <a:schemeClr val="tx1"/>
-                </a:solidFill>
-                <a:effectLst/>
-                <a:uLnTx/>
-                <a:uFillTx/>
-                <a:latin typeface="+mn-lt"/>
-                <a:ea typeface="+mn-ea"/>
-                <a:cs typeface="+mn-cs"/>
-              </a:rPr>
-              <a:t>.</a:t>
-            </a:r>
-            <a:fld id="{B9A0B45D-6AFD-413C-B761-B121FB8BE940}" type="slidenum">
-              <a:rPr kumimoji="0" lang="en-US" sz="1200" b="0" i="0" u="none" strike="noStrike" kern="1200" cap="none" spc="0" normalizeH="0" baseline="0" noProof="0" smtClean="0">
-                <a:ln>
-                  <a:noFill/>
-                </a:ln>
-                <a:solidFill>
-                  <a:schemeClr val="tx1"/>
-                </a:solidFill>
-                <a:effectLst/>
-                <a:uLnTx/>
-                <a:uFillTx/>
-                <a:latin typeface="+mn-lt"/>
-                <a:ea typeface="+mn-ea"/>
-                <a:cs typeface="+mn-cs"/>
-              </a:rPr>
-              <a:pPr marL="0" marR="0" lvl="0" indent="0" algn="r" defTabSz="914400" rtl="0" eaLnBrk="1" fontAlgn="base" latinLnBrk="0" hangingPunct="1">
-                <a:lnSpc>
-                  <a:spcPct val="100000"/>
-                </a:lnSpc>
-                <a:spcBef>
-                  <a:spcPct val="0"/>
-                </a:spcBef>
-                <a:spcAft>
-                  <a:spcPct val="0"/>
-                </a:spcAft>
-                <a:buClrTx/>
-                <a:buSzTx/>
-                <a:buFontTx/>
-                <a:buNone/>
-                <a:tabLst/>
-                <a:defRPr/>
-              </a:pPr>
-              <a:t>8</a:t>
             </a:fld>
             <a:endParaRPr kumimoji="0" lang="en-US" sz="1200" b="0" i="0" u="none" strike="noStrike" kern="1200" cap="none" spc="0" normalizeH="0" baseline="0" noProof="0" dirty="0">
               <a:ln>
@@ -16313,13 +14984,13 @@
   <p:clrMapOvr>
     <a:masterClrMapping/>
   </p:clrMapOvr>
-  <mc:AlternateContent xmlns:mc="http://schemas.openxmlformats.org/markup-compatibility/2006">
-    <mc:Choice xmlns:p14="http://schemas.microsoft.com/office/powerpoint/2010/main" Requires="p14">
+  <mc:AlternateContent xmlns:mc="http://schemas.openxmlformats.org/markup-compatibility/2006" xmlns:p14="http://schemas.microsoft.com/office/powerpoint/2010/main">
+    <mc:Choice Requires="p14">
       <p:transition spd="slow" p14:dur="1200" advClick="0">
         <p:fade thruBlk="1"/>
       </p:transition>
     </mc:Choice>
-    <mc:Fallback>
+    <mc:Fallback xmlns="">
       <p:transition xmlns:p14="http://schemas.microsoft.com/office/powerpoint/2010/main" spd="slow" advClick="0">
         <p:fade thruBlk="1"/>
       </p:transition>
@@ -16361,7 +15032,7 @@
                                         <p:tgtEl>
                                           <p:spTgt spid="6">
                                             <p:txEl>
-                                              <p:pRg st="0" end="0"/>
+                                              <p:pRg st="1" end="1"/>
                                             </p:txEl>
                                           </p:spTgt>
                                         </p:tgtEl>
@@ -16379,7 +15050,7 @@
                                         <p:tgtEl>
                                           <p:spTgt spid="6">
                                             <p:txEl>
-                                              <p:pRg st="0" end="0"/>
+                                              <p:pRg st="1" end="1"/>
                                             </p:txEl>
                                           </p:spTgt>
                                         </p:tgtEl>
@@ -16422,7 +15093,7 @@
                                         <p:tgtEl>
                                           <p:spTgt spid="6">
                                             <p:txEl>
-                                              <p:pRg st="1" end="1"/>
+                                              <p:pRg st="2" end="2"/>
                                             </p:txEl>
                                           </p:spTgt>
                                         </p:tgtEl>
@@ -16440,7 +15111,7 @@
                                         <p:tgtEl>
                                           <p:spTgt spid="6">
                                             <p:txEl>
-                                              <p:pRg st="1" end="1"/>
+                                              <p:pRg st="2" end="2"/>
                                             </p:txEl>
                                           </p:spTgt>
                                         </p:tgtEl>
@@ -16483,7 +15154,7 @@
                                         <p:tgtEl>
                                           <p:spTgt spid="6">
                                             <p:txEl>
-                                              <p:pRg st="2" end="2"/>
+                                              <p:pRg st="3" end="3"/>
                                             </p:txEl>
                                           </p:spTgt>
                                         </p:tgtEl>
@@ -16501,7 +15172,7 @@
                                         <p:tgtEl>
                                           <p:spTgt spid="6">
                                             <p:txEl>
-                                              <p:pRg st="2" end="2"/>
+                                              <p:pRg st="3" end="3"/>
                                             </p:txEl>
                                           </p:spTgt>
                                         </p:tgtEl>
@@ -16542,11 +15213,7 @@
                                           </p:stCondLst>
                                         </p:cTn>
                                         <p:tgtEl>
-                                          <p:spTgt spid="6">
-                                            <p:txEl>
-                                              <p:pRg st="3" end="3"/>
-                                            </p:txEl>
-                                          </p:spTgt>
+                                          <p:spTgt spid="3"/>
                                         </p:tgtEl>
                                         <p:attrNameLst>
                                           <p:attrName>style.visibility</p:attrName>
@@ -16559,63 +15226,6 @@
                                     <p:animEffect transition="in" filter="fade">
                                       <p:cBhvr>
                                         <p:cTn id="22" dur="500"/>
-                                        <p:tgtEl>
-                                          <p:spTgt spid="6">
-                                            <p:txEl>
-                                              <p:pRg st="3" end="3"/>
-                                            </p:txEl>
-                                          </p:spTgt>
-                                        </p:tgtEl>
-                                      </p:cBhvr>
-                                    </p:animEffect>
-                                  </p:childTnLst>
-                                </p:cTn>
-                              </p:par>
-                            </p:childTnLst>
-                          </p:cTn>
-                        </p:par>
-                      </p:childTnLst>
-                    </p:cTn>
-                  </p:par>
-                  <p:par>
-                    <p:cTn id="23" fill="hold">
-                      <p:stCondLst>
-                        <p:cond delay="indefinite"/>
-                      </p:stCondLst>
-                      <p:childTnLst>
-                        <p:par>
-                          <p:cTn id="24" fill="hold">
-                            <p:stCondLst>
-                              <p:cond delay="0"/>
-                            </p:stCondLst>
-                            <p:childTnLst>
-                              <p:par>
-                                <p:cTn id="25" presetID="10" presetClass="entr" presetSubtype="0" fill="hold" grpId="0" nodeType="clickEffect">
-                                  <p:stCondLst>
-                                    <p:cond delay="0"/>
-                                  </p:stCondLst>
-                                  <p:childTnLst>
-                                    <p:set>
-                                      <p:cBhvr>
-                                        <p:cTn id="26" dur="1" fill="hold">
-                                          <p:stCondLst>
-                                            <p:cond delay="0"/>
-                                          </p:stCondLst>
-                                        </p:cTn>
-                                        <p:tgtEl>
-                                          <p:spTgt spid="3"/>
-                                        </p:tgtEl>
-                                        <p:attrNameLst>
-                                          <p:attrName>style.visibility</p:attrName>
-                                        </p:attrNameLst>
-                                      </p:cBhvr>
-                                      <p:to>
-                                        <p:strVal val="visible"/>
-                                      </p:to>
-                                    </p:set>
-                                    <p:animEffect transition="in" filter="fade">
-                                      <p:cBhvr>
-                                        <p:cTn id="27" dur="500"/>
                                         <p:tgtEl>
                                           <p:spTgt spid="3"/>
                                         </p:tgtEl>
@@ -16659,7 +15269,7 @@
 </p:sld>
 </file>
 
-<file path=ppt/slides/slide9.xml><?xml version="1.0" encoding="utf-8"?>
+<file path=ppt/slides/slide8.xml><?xml version="1.0" encoding="utf-8"?>
 <p:sld xmlns:a="http://schemas.openxmlformats.org/drawingml/2006/main" xmlns:r="http://schemas.openxmlformats.org/officeDocument/2006/relationships" xmlns:p="http://schemas.openxmlformats.org/presentationml/2006/main">
   <p:cSld>
     <p:spTree>
@@ -16693,11 +15303,7 @@
           <a:p>
             <a:r>
               <a:rPr lang="en-US" sz="4400" dirty="0" smtClean="0"/>
-              <a:t>Pairwise </a:t>
-            </a:r>
-            <a:r>
-              <a:rPr lang="en-US" sz="4400" dirty="0" smtClean="0"/>
-              <a:t>Independence</a:t>
+              <a:t>Pairwise Independence</a:t>
             </a:r>
             <a:endParaRPr lang="en-US" sz="4400" dirty="0"/>
           </a:p>
@@ -16739,7 +15345,7 @@
               <a:pPr>
                 <a:defRPr/>
               </a:pPr>
-              <a:t>9</a:t>
+              <a:t>8</a:t>
             </a:fld>
             <a:endParaRPr lang="en-US" dirty="0"/>
           </a:p>
@@ -16867,7 +15473,7 @@
                 <a:tabLst/>
                 <a:defRPr/>
               </a:pPr>
-              <a:t>9</a:t>
+              <a:t>8</a:t>
             </a:fld>
             <a:endParaRPr kumimoji="0" lang="en-US" sz="1200" b="0" i="0" u="none" strike="noStrike" kern="1200" cap="none" spc="0" normalizeH="0" baseline="0" noProof="0" dirty="0">
               <a:ln>
@@ -17063,25 +15669,25 @@
           <p:nvPr>
             <p:extLst>
               <p:ext uri="{D42A27DB-BD31-4B8C-83A1-F6EECF244321}">
-                <p14:modId xmlns:p14="http://schemas.microsoft.com/office/powerpoint/2010/main" val="4119189086"/>
+                <p14:modId xmlns:p14="http://schemas.microsoft.com/office/powerpoint/2010/main" val="2693666057"/>
               </p:ext>
             </p:extLst>
           </p:nvPr>
         </p:nvGraphicFramePr>
         <p:xfrm>
-          <a:off x="354621" y="4693121"/>
-          <a:ext cx="8552842" cy="998360"/>
+          <a:off x="841654" y="4692650"/>
+          <a:ext cx="7473106" cy="1076388"/>
         </p:xfrm>
         <a:graphic>
           <a:graphicData uri="http://schemas.openxmlformats.org/presentationml/2006/ole">
             <mc:AlternateContent xmlns:mc="http://schemas.openxmlformats.org/markup-compatibility/2006">
               <mc:Choice xmlns:v="urn:schemas-microsoft-com:vml" Requires="v">
-                <p:oleObj spid="_x0000_s355362" name="Equation" r:id="rId4" imgW="2882900" imgH="292100" progId="Equation.DSMT4">
+                <p:oleObj spid="_x0000_s355376" name="Equation" r:id="rId4" imgW="2336800" imgH="292100" progId="Equation.DSMT4">
                   <p:embed/>
                 </p:oleObj>
               </mc:Choice>
               <mc:Fallback>
-                <p:oleObj name="Equation" r:id="rId4" imgW="2882900" imgH="292100" progId="Equation.DSMT4">
+                <p:oleObj name="Equation" r:id="rId4" imgW="2336800" imgH="292100" progId="Equation.DSMT4">
                   <p:embed/>
                   <p:pic>
                     <p:nvPicPr>
@@ -17097,8 +15703,8 @@
                     </p:blipFill>
                     <p:spPr>
                       <a:xfrm>
-                        <a:off x="354621" y="4693121"/>
-                        <a:ext cx="8552842" cy="998360"/>
+                        <a:off x="841654" y="4692650"/>
+                        <a:ext cx="7473106" cy="1076388"/>
                       </a:xfrm>
                       <a:prstGeom prst="rect">
                         <a:avLst/>
@@ -17133,7 +15739,7 @@
           <a:graphicData uri="http://schemas.openxmlformats.org/presentationml/2006/ole">
             <mc:AlternateContent xmlns:mc="http://schemas.openxmlformats.org/markup-compatibility/2006">
               <mc:Choice xmlns:v="urn:schemas-microsoft-com:vml" Requires="v">
-                <p:oleObj spid="_x0000_s355363" name="Equation" r:id="rId6" imgW="2006600" imgH="228600" progId="Equation.DSMT4">
+                <p:oleObj spid="_x0000_s355377" name="Equation" r:id="rId6" imgW="2006600" imgH="228600" progId="Equation.DSMT4">
                   <p:embed/>
                 </p:oleObj>
               </mc:Choice>
@@ -17190,7 +15796,7 @@
           <a:graphicData uri="http://schemas.openxmlformats.org/presentationml/2006/ole">
             <mc:AlternateContent xmlns:mc="http://schemas.openxmlformats.org/markup-compatibility/2006">
               <mc:Choice xmlns:v="urn:schemas-microsoft-com:vml" Requires="v">
-                <p:oleObj spid="_x0000_s355364" name="Equation" r:id="rId8" imgW="2298700" imgH="292100" progId="Equation.DSMT4">
+                <p:oleObj spid="_x0000_s355378" name="Equation" r:id="rId8" imgW="2298700" imgH="292100" progId="Equation.DSMT4">
                   <p:embed/>
                 </p:oleObj>
               </mc:Choice>
@@ -17502,6 +16108,592 @@
                                         </p:tav>
                                       </p:tavLst>
                                     </p:anim>
+                                  </p:childTnLst>
+                                </p:cTn>
+                              </p:par>
+                            </p:childTnLst>
+                          </p:cTn>
+                        </p:par>
+                      </p:childTnLst>
+                    </p:cTn>
+                  </p:par>
+                </p:childTnLst>
+              </p:cTn>
+              <p:prevCondLst>
+                <p:cond evt="onPrev" delay="0">
+                  <p:tgtEl>
+                    <p:sldTgt/>
+                  </p:tgtEl>
+                </p:cond>
+              </p:prevCondLst>
+              <p:nextCondLst>
+                <p:cond evt="onNext" delay="0">
+                  <p:tgtEl>
+                    <p:sldTgt/>
+                  </p:tgtEl>
+                </p:cond>
+              </p:nextCondLst>
+            </p:seq>
+          </p:childTnLst>
+        </p:cTn>
+      </p:par>
+    </p:tnLst>
+  </p:timing>
+</p:sld>
+</file>
+
+<file path=ppt/slides/slide9.xml><?xml version="1.0" encoding="utf-8"?>
+<p:sld xmlns:a="http://schemas.openxmlformats.org/drawingml/2006/main" xmlns:r="http://schemas.openxmlformats.org/officeDocument/2006/relationships" xmlns:p="http://schemas.openxmlformats.org/presentationml/2006/main">
+  <p:cSld>
+    <p:spTree>
+      <p:nvGrpSpPr>
+        <p:cNvPr id="1" name=""/>
+        <p:cNvGrpSpPr/>
+        <p:nvPr/>
+      </p:nvGrpSpPr>
+      <p:grpSpPr>
+        <a:xfrm>
+          <a:off x="0" y="0"/>
+          <a:ext cx="0" cy="0"/>
+          <a:chOff x="0" y="0"/>
+          <a:chExt cx="0" cy="0"/>
+        </a:xfrm>
+      </p:grpSpPr>
+      <p:sp>
+        <p:nvSpPr>
+          <p:cNvPr id="4" name="Slide Number Placeholder 3"/>
+          <p:cNvSpPr>
+            <a:spLocks noGrp="1"/>
+          </p:cNvSpPr>
+          <p:nvPr>
+            <p:ph type="sldNum" sz="quarter" idx="4"/>
+          </p:nvPr>
+        </p:nvSpPr>
+        <p:spPr>
+          <a:xfrm>
+            <a:off x="7696200" y="6629400"/>
+            <a:ext cx="1447800" cy="228600"/>
+          </a:xfrm>
+        </p:spPr>
+        <p:txBody>
+          <a:bodyPr/>
+          <a:lstStyle/>
+          <a:p>
+            <a:pPr>
+              <a:defRPr/>
+            </a:pPr>
+            <a:r>
+              <a:rPr lang="en-US" dirty="0" err="1" smtClean="0"/>
+              <a:t>mutualindep</a:t>
+            </a:r>
+            <a:r>
+              <a:rPr lang="en-US" dirty="0" smtClean="0"/>
+              <a:t>.</a:t>
+            </a:r>
+            <a:fld id="{679D5B46-281B-48C5-ADB5-CFE0495CD191}" type="slidenum">
+              <a:rPr lang="en-US" smtClean="0"/>
+              <a:pPr>
+                <a:defRPr/>
+              </a:pPr>
+              <a:t>9</a:t>
+            </a:fld>
+            <a:endParaRPr lang="en-US" dirty="0"/>
+          </a:p>
+        </p:txBody>
+      </p:sp>
+      <p:sp>
+        <p:nvSpPr>
+          <p:cNvPr id="12" name="Rectangle 4"/>
+          <p:cNvSpPr txBox="1">
+            <a:spLocks noChangeArrowheads="1"/>
+          </p:cNvSpPr>
+          <p:nvPr/>
+        </p:nvSpPr>
+        <p:spPr bwMode="auto">
+          <a:xfrm>
+            <a:off x="7696200" y="6629400"/>
+            <a:ext cx="1447800" cy="228600"/>
+          </a:xfrm>
+          <a:prstGeom prst="rect">
+            <a:avLst/>
+          </a:prstGeom>
+          <a:noFill/>
+          <a:ln w="9525">
+            <a:noFill/>
+            <a:miter lim="800000"/>
+            <a:headEnd/>
+            <a:tailEnd/>
+          </a:ln>
+          <a:effectLst/>
+        </p:spPr>
+        <p:txBody>
+          <a:bodyPr vert="horz" wrap="square" lIns="91440" tIns="45720" rIns="91440" bIns="45720" numCol="1" anchor="t" anchorCtr="0" compatLnSpc="1">
+            <a:prstTxWarp prst="textNoShape">
+              <a:avLst/>
+            </a:prstTxWarp>
+          </a:bodyPr>
+          <a:lstStyle>
+            <a:lvl1pPr algn="r">
+              <a:defRPr sz="1200" dirty="0" err="1" smtClean="0">
+                <a:latin typeface="+mn-lt"/>
+              </a:defRPr>
+            </a:lvl1pPr>
+          </a:lstStyle>
+          <a:p>
+            <a:pPr marL="0" marR="0" lvl="0" indent="0" algn="r" defTabSz="914400" rtl="0" eaLnBrk="1" fontAlgn="base" latinLnBrk="0" hangingPunct="1">
+              <a:lnSpc>
+                <a:spcPct val="100000"/>
+              </a:lnSpc>
+              <a:spcBef>
+                <a:spcPct val="0"/>
+              </a:spcBef>
+              <a:spcAft>
+                <a:spcPct val="0"/>
+              </a:spcAft>
+              <a:buClrTx/>
+              <a:buSzTx/>
+              <a:buFontTx/>
+              <a:buNone/>
+              <a:tabLst/>
+              <a:defRPr/>
+            </a:pPr>
+            <a:r>
+              <a:rPr kumimoji="0" lang="en-US" sz="1200" b="0" i="0" u="none" strike="noStrike" kern="1200" cap="none" spc="0" normalizeH="0" baseline="0" noProof="0" dirty="0" err="1" smtClean="0">
+                <a:ln>
+                  <a:noFill/>
+                </a:ln>
+                <a:solidFill>
+                  <a:schemeClr val="tx1"/>
+                </a:solidFill>
+                <a:effectLst/>
+                <a:uLnTx/>
+                <a:uFillTx/>
+                <a:latin typeface="+mn-lt"/>
+                <a:ea typeface="+mn-ea"/>
+                <a:cs typeface="+mn-cs"/>
+              </a:rPr>
+              <a:t>mutualindep</a:t>
+            </a:r>
+            <a:r>
+              <a:rPr kumimoji="0" lang="en-US" sz="1200" b="0" i="0" u="none" strike="noStrike" kern="1200" cap="none" spc="0" normalizeH="0" baseline="0" noProof="0" dirty="0" smtClean="0">
+                <a:ln>
+                  <a:noFill/>
+                </a:ln>
+                <a:solidFill>
+                  <a:schemeClr val="tx1"/>
+                </a:solidFill>
+                <a:effectLst/>
+                <a:uLnTx/>
+                <a:uFillTx/>
+                <a:latin typeface="+mn-lt"/>
+                <a:ea typeface="+mn-ea"/>
+                <a:cs typeface="+mn-cs"/>
+              </a:rPr>
+              <a:t>.</a:t>
+            </a:r>
+            <a:fld id="{B9A0B45D-6AFD-413C-B761-B121FB8BE940}" type="slidenum">
+              <a:rPr kumimoji="0" lang="en-US" sz="1200" b="0" i="0" u="none" strike="noStrike" kern="1200" cap="none" spc="0" normalizeH="0" baseline="0" noProof="0" smtClean="0">
+                <a:ln>
+                  <a:noFill/>
+                </a:ln>
+                <a:solidFill>
+                  <a:schemeClr val="tx1"/>
+                </a:solidFill>
+                <a:effectLst/>
+                <a:uLnTx/>
+                <a:uFillTx/>
+                <a:latin typeface="+mn-lt"/>
+                <a:ea typeface="+mn-ea"/>
+                <a:cs typeface="+mn-cs"/>
+              </a:rPr>
+              <a:pPr marL="0" marR="0" lvl="0" indent="0" algn="r" defTabSz="914400" rtl="0" eaLnBrk="1" fontAlgn="base" latinLnBrk="0" hangingPunct="1">
+                <a:lnSpc>
+                  <a:spcPct val="100000"/>
+                </a:lnSpc>
+                <a:spcBef>
+                  <a:spcPct val="0"/>
+                </a:spcBef>
+                <a:spcAft>
+                  <a:spcPct val="0"/>
+                </a:spcAft>
+                <a:buClrTx/>
+                <a:buSzTx/>
+                <a:buFontTx/>
+                <a:buNone/>
+                <a:tabLst/>
+                <a:defRPr/>
+              </a:pPr>
+              <a:t>9</a:t>
+            </a:fld>
+            <a:endParaRPr kumimoji="0" lang="en-US" sz="1200" b="0" i="0" u="none" strike="noStrike" kern="1200" cap="none" spc="0" normalizeH="0" baseline="0" noProof="0" dirty="0">
+              <a:ln>
+                <a:noFill/>
+              </a:ln>
+              <a:solidFill>
+                <a:schemeClr val="tx1"/>
+              </a:solidFill>
+              <a:effectLst/>
+              <a:uLnTx/>
+              <a:uFillTx/>
+              <a:latin typeface="+mn-lt"/>
+              <a:ea typeface="+mn-ea"/>
+              <a:cs typeface="+mn-cs"/>
+            </a:endParaRPr>
+          </a:p>
+        </p:txBody>
+      </p:sp>
+      <p:sp>
+        <p:nvSpPr>
+          <p:cNvPr id="6" name="TextBox 5"/>
+          <p:cNvSpPr txBox="1"/>
+          <p:nvPr/>
+        </p:nvSpPr>
+        <p:spPr>
+          <a:xfrm>
+            <a:off x="506705" y="1179695"/>
+            <a:ext cx="8240444" cy="707886"/>
+          </a:xfrm>
+          <a:prstGeom prst="rect">
+            <a:avLst/>
+          </a:prstGeom>
+          <a:noFill/>
+        </p:spPr>
+        <p:txBody>
+          <a:bodyPr wrap="square" rtlCol="0">
+            <a:spAutoFit/>
+          </a:bodyPr>
+          <a:lstStyle/>
+          <a:p>
+            <a:pPr algn="l"/>
+            <a:r>
+              <a:rPr lang="en-US" sz="3600" dirty="0" smtClean="0">
+                <a:solidFill>
+                  <a:srgbClr val="800000"/>
+                </a:solidFill>
+                <a:latin typeface="+mj-lt"/>
+              </a:rPr>
+              <a:t>Example:</a:t>
+            </a:r>
+            <a:r>
+              <a:rPr lang="en-US" sz="4000" dirty="0" smtClean="0">
+                <a:solidFill>
+                  <a:srgbClr val="800000"/>
+                </a:solidFill>
+                <a:latin typeface="+mj-lt"/>
+              </a:rPr>
+              <a:t>  </a:t>
+            </a:r>
+            <a:r>
+              <a:rPr lang="en-US" sz="4000" dirty="0" smtClean="0">
+                <a:latin typeface="+mj-lt"/>
+              </a:rPr>
+              <a:t>Flip a </a:t>
+            </a:r>
+            <a:r>
+              <a:rPr lang="en-US" sz="4000" dirty="0" smtClean="0">
+                <a:solidFill>
+                  <a:srgbClr val="800000"/>
+                </a:solidFill>
+                <a:latin typeface="+mj-lt"/>
+              </a:rPr>
+              <a:t>fair</a:t>
+            </a:r>
+            <a:r>
+              <a:rPr lang="en-US" sz="4000" dirty="0" smtClean="0">
+                <a:latin typeface="+mj-lt"/>
+              </a:rPr>
+              <a:t> coin twice</a:t>
+            </a:r>
+          </a:p>
+        </p:txBody>
+      </p:sp>
+      <p:sp>
+        <p:nvSpPr>
+          <p:cNvPr id="3" name="TextBox 2"/>
+          <p:cNvSpPr txBox="1"/>
+          <p:nvPr/>
+        </p:nvSpPr>
+        <p:spPr>
+          <a:xfrm>
+            <a:off x="1062847" y="1987213"/>
+            <a:ext cx="7011955" cy="1446550"/>
+          </a:xfrm>
+          <a:prstGeom prst="rect">
+            <a:avLst/>
+          </a:prstGeom>
+          <a:noFill/>
+        </p:spPr>
+        <p:txBody>
+          <a:bodyPr wrap="none" rtlCol="0">
+            <a:spAutoFit/>
+          </a:bodyPr>
+          <a:lstStyle/>
+          <a:p>
+            <a:pPr algn="l"/>
+            <a:r>
+              <a:rPr lang="en-US" sz="4400" dirty="0" smtClean="0">
+                <a:latin typeface="Comic Sans MS"/>
+                <a:cs typeface="Comic Sans MS"/>
+              </a:rPr>
+              <a:t>But </a:t>
+            </a:r>
+            <a:r>
+              <a:rPr lang="en-US" sz="4400" dirty="0" smtClean="0">
+                <a:solidFill>
+                  <a:srgbClr val="0000CC"/>
+                </a:solidFill>
+                <a:latin typeface="Comic Sans MS"/>
+                <a:cs typeface="Comic Sans MS"/>
+              </a:rPr>
+              <a:t>O, H</a:t>
+            </a:r>
+            <a:r>
+              <a:rPr lang="en-US" sz="4400" baseline="-25000" dirty="0" smtClean="0">
+                <a:solidFill>
+                  <a:srgbClr val="0000CC"/>
+                </a:solidFill>
+                <a:latin typeface="Comic Sans MS"/>
+                <a:cs typeface="Comic Sans MS"/>
+              </a:rPr>
+              <a:t>1</a:t>
+            </a:r>
+            <a:r>
+              <a:rPr lang="en-US" sz="4400" dirty="0" smtClean="0">
+                <a:solidFill>
+                  <a:srgbClr val="0000CC"/>
+                </a:solidFill>
+                <a:latin typeface="Comic Sans MS"/>
+                <a:cs typeface="Comic Sans MS"/>
+              </a:rPr>
+              <a:t>,</a:t>
+            </a:r>
+            <a:r>
+              <a:rPr lang="en-US" sz="4400" dirty="0">
+                <a:solidFill>
+                  <a:srgbClr val="0000CC"/>
+                </a:solidFill>
+                <a:latin typeface="Comic Sans MS"/>
+                <a:cs typeface="Comic Sans MS"/>
+              </a:rPr>
+              <a:t> </a:t>
+            </a:r>
+            <a:r>
+              <a:rPr lang="en-US" sz="4400" dirty="0" smtClean="0">
+                <a:solidFill>
+                  <a:srgbClr val="0000CC"/>
+                </a:solidFill>
+                <a:latin typeface="Comic Sans MS"/>
+                <a:cs typeface="Comic Sans MS"/>
+              </a:rPr>
+              <a:t>H</a:t>
+            </a:r>
+            <a:r>
+              <a:rPr lang="en-US" sz="4400" baseline="-25000" dirty="0" smtClean="0">
+                <a:solidFill>
+                  <a:srgbClr val="0000CC"/>
+                </a:solidFill>
+                <a:latin typeface="Comic Sans MS"/>
+                <a:cs typeface="Comic Sans MS"/>
+              </a:rPr>
+              <a:t>2</a:t>
+            </a:r>
+            <a:r>
+              <a:rPr lang="en-US" sz="4400" dirty="0" smtClean="0">
+                <a:solidFill>
+                  <a:srgbClr val="FF0000"/>
+                </a:solidFill>
+                <a:latin typeface="Comic Sans MS"/>
+                <a:cs typeface="Comic Sans MS"/>
+              </a:rPr>
+              <a:t> not</a:t>
+            </a:r>
+            <a:r>
+              <a:rPr lang="en-US" sz="4400" dirty="0" smtClean="0">
+                <a:latin typeface="Comic Sans MS"/>
+                <a:cs typeface="Comic Sans MS"/>
+              </a:rPr>
+              <a:t> mutually</a:t>
+            </a:r>
+          </a:p>
+          <a:p>
+            <a:pPr algn="l"/>
+            <a:r>
+              <a:rPr lang="en-US" sz="4400" dirty="0" smtClean="0">
+                <a:latin typeface="Comic Sans MS"/>
+                <a:cs typeface="Comic Sans MS"/>
+              </a:rPr>
+              <a:t>independent:</a:t>
+            </a:r>
+          </a:p>
+        </p:txBody>
+      </p:sp>
+      <p:graphicFrame>
+        <p:nvGraphicFramePr>
+          <p:cNvPr id="7" name="Object 6"/>
+          <p:cNvGraphicFramePr>
+            <a:graphicFrameLocks noChangeAspect="1"/>
+          </p:cNvGraphicFramePr>
+          <p:nvPr>
+            <p:extLst>
+              <p:ext uri="{D42A27DB-BD31-4B8C-83A1-F6EECF244321}">
+                <p14:modId xmlns:p14="http://schemas.microsoft.com/office/powerpoint/2010/main" val="174846765"/>
+              </p:ext>
+            </p:extLst>
+          </p:nvPr>
+        </p:nvGraphicFramePr>
+        <p:xfrm>
+          <a:off x="934871" y="3544240"/>
+          <a:ext cx="7279296" cy="1131242"/>
+        </p:xfrm>
+        <a:graphic>
+          <a:graphicData uri="http://schemas.openxmlformats.org/presentationml/2006/ole">
+            <mc:AlternateContent xmlns:mc="http://schemas.openxmlformats.org/markup-compatibility/2006">
+              <mc:Choice xmlns:v="urn:schemas-microsoft-com:vml" Requires="v">
+                <p:oleObj spid="_x0000_s356363" name="Equation" r:id="rId4" imgW="1879600" imgH="292100" progId="Equation.DSMT4">
+                  <p:embed/>
+                </p:oleObj>
+              </mc:Choice>
+              <mc:Fallback>
+                <p:oleObj name="Equation" r:id="rId4" imgW="1879600" imgH="292100" progId="Equation.DSMT4">
+                  <p:embed/>
+                  <p:pic>
+                    <p:nvPicPr>
+                      <p:cNvPr id="0" name=""/>
+                      <p:cNvPicPr/>
+                      <p:nvPr/>
+                    </p:nvPicPr>
+                    <p:blipFill>
+                      <a:blip r:embed="rId5"/>
+                      <a:stretch>
+                        <a:fillRect/>
+                      </a:stretch>
+                    </p:blipFill>
+                    <p:spPr>
+                      <a:xfrm>
+                        <a:off x="934871" y="3544240"/>
+                        <a:ext cx="7279296" cy="1131242"/>
+                      </a:xfrm>
+                      <a:prstGeom prst="rect">
+                        <a:avLst/>
+                      </a:prstGeom>
+                    </p:spPr>
+                  </p:pic>
+                </p:oleObj>
+              </mc:Fallback>
+            </mc:AlternateContent>
+          </a:graphicData>
+        </a:graphic>
+      </p:graphicFrame>
+      <p:sp>
+        <p:nvSpPr>
+          <p:cNvPr id="13" name="Title 1"/>
+          <p:cNvSpPr>
+            <a:spLocks noGrp="1"/>
+          </p:cNvSpPr>
+          <p:nvPr>
+            <p:ph type="title"/>
+          </p:nvPr>
+        </p:nvSpPr>
+        <p:spPr>
+          <a:xfrm>
+            <a:off x="1295400" y="228600"/>
+            <a:ext cx="6827700" cy="864976"/>
+          </a:xfrm>
+        </p:spPr>
+        <p:txBody>
+          <a:bodyPr/>
+          <a:lstStyle/>
+          <a:p>
+            <a:r>
+              <a:rPr lang="en-US" sz="4000" dirty="0" smtClean="0">
+                <a:solidFill>
+                  <a:schemeClr val="tx1"/>
+                </a:solidFill>
+              </a:rPr>
+              <a:t>Not Mutually Ind</a:t>
+            </a:r>
+            <a:r>
+              <a:rPr lang="en-US" sz="4000" dirty="0" smtClean="0"/>
+              <a:t>ependent</a:t>
+            </a:r>
+            <a:endParaRPr lang="en-US" sz="4000" dirty="0"/>
+          </a:p>
+        </p:txBody>
+      </p:sp>
+    </p:spTree>
+    <p:extLst>
+      <p:ext uri="{BB962C8B-B14F-4D97-AF65-F5344CB8AC3E}">
+        <p14:creationId xmlns:p14="http://schemas.microsoft.com/office/powerpoint/2010/main" val="2994595819"/>
+      </p:ext>
+    </p:extLst>
+  </p:cSld>
+  <p:clrMapOvr>
+    <a:masterClrMapping/>
+  </p:clrMapOvr>
+  <mc:AlternateContent xmlns:mc="http://schemas.openxmlformats.org/markup-compatibility/2006">
+    <mc:Choice xmlns:p14="http://schemas.microsoft.com/office/powerpoint/2010/main" Requires="p14">
+      <p:transition spd="med" p14:dur="700" advClick="0">
+        <p:fade/>
+      </p:transition>
+    </mc:Choice>
+    <mc:Fallback>
+      <p:transition xmlns:p14="http://schemas.microsoft.com/office/powerpoint/2010/main" spd="med" advClick="0">
+        <p:fade/>
+      </p:transition>
+    </mc:Fallback>
+  </mc:AlternateContent>
+  <p:timing>
+    <p:tnLst>
+      <p:par>
+        <p:cTn xmlns:p14="http://schemas.microsoft.com/office/powerpoint/2010/main" id="1" dur="indefinite" restart="never" nodeType="tmRoot">
+          <p:childTnLst>
+            <p:seq concurrent="1" nextAc="seek">
+              <p:cTn id="2" dur="indefinite" nodeType="mainSeq">
+                <p:childTnLst>
+                  <p:par>
+                    <p:cTn id="3" fill="hold">
+                      <p:stCondLst>
+                        <p:cond delay="indefinite"/>
+                      </p:stCondLst>
+                      <p:childTnLst>
+                        <p:par>
+                          <p:cTn id="4" fill="hold">
+                            <p:stCondLst>
+                              <p:cond delay="0"/>
+                            </p:stCondLst>
+                            <p:childTnLst>
+                              <p:par>
+                                <p:cTn id="5" presetID="22" presetClass="entr" presetSubtype="8" fill="hold" nodeType="clickEffect">
+                                  <p:stCondLst>
+                                    <p:cond delay="0"/>
+                                  </p:stCondLst>
+                                  <p:childTnLst>
+                                    <p:set>
+                                      <p:cBhvr>
+                                        <p:cTn id="6" dur="1" fill="hold">
+                                          <p:stCondLst>
+                                            <p:cond delay="0"/>
+                                          </p:stCondLst>
+                                        </p:cTn>
+                                        <p:tgtEl>
+                                          <p:spTgt spid="7"/>
+                                        </p:tgtEl>
+                                        <p:attrNameLst>
+                                          <p:attrName>style.visibility</p:attrName>
+                                        </p:attrNameLst>
+                                      </p:cBhvr>
+                                      <p:to>
+                                        <p:strVal val="visible"/>
+                                      </p:to>
+                                    </p:set>
+                                    <p:animEffect transition="in" filter="wipe(left)">
+                                      <p:cBhvr>
+                                        <p:cTn id="7" dur="1000"/>
+                                        <p:tgtEl>
+                                          <p:spTgt spid="7"/>
+                                        </p:tgtEl>
+                                      </p:cBhvr>
+                                    </p:animEffect>
                                   </p:childTnLst>
                                 </p:cTn>
                               </p:par>
